--- a/teaching/CSEx0647Fall17-15-NaiveBayes.pptx
+++ b/teaching/CSEx0647Fall17-15-NaiveBayes.pptx
@@ -5,30 +5,32 @@
     <p:sldMasterId id="2147483648" r:id="rId1"/>
   </p:sldMasterIdLst>
   <p:notesMasterIdLst>
-    <p:notesMasterId r:id="rId20"/>
+    <p:notesMasterId r:id="rId22"/>
   </p:notesMasterIdLst>
   <p:handoutMasterIdLst>
-    <p:handoutMasterId r:id="rId21"/>
+    <p:handoutMasterId r:id="rId23"/>
   </p:handoutMasterIdLst>
   <p:sldIdLst>
     <p:sldId id="281" r:id="rId2"/>
     <p:sldId id="343" r:id="rId3"/>
-    <p:sldId id="285" r:id="rId4"/>
-    <p:sldId id="314" r:id="rId5"/>
-    <p:sldId id="315" r:id="rId6"/>
-    <p:sldId id="316" r:id="rId7"/>
-    <p:sldId id="317" r:id="rId8"/>
-    <p:sldId id="352" r:id="rId9"/>
-    <p:sldId id="353" r:id="rId10"/>
-    <p:sldId id="355" r:id="rId11"/>
-    <p:sldId id="354" r:id="rId12"/>
-    <p:sldId id="356" r:id="rId13"/>
-    <p:sldId id="358" r:id="rId14"/>
-    <p:sldId id="359" r:id="rId15"/>
-    <p:sldId id="320" r:id="rId16"/>
-    <p:sldId id="321" r:id="rId17"/>
-    <p:sldId id="336" r:id="rId18"/>
-    <p:sldId id="337" r:id="rId19"/>
+    <p:sldId id="360" r:id="rId4"/>
+    <p:sldId id="285" r:id="rId5"/>
+    <p:sldId id="314" r:id="rId6"/>
+    <p:sldId id="315" r:id="rId7"/>
+    <p:sldId id="316" r:id="rId8"/>
+    <p:sldId id="317" r:id="rId9"/>
+    <p:sldId id="352" r:id="rId10"/>
+    <p:sldId id="353" r:id="rId11"/>
+    <p:sldId id="355" r:id="rId12"/>
+    <p:sldId id="354" r:id="rId13"/>
+    <p:sldId id="356" r:id="rId14"/>
+    <p:sldId id="358" r:id="rId15"/>
+    <p:sldId id="359" r:id="rId16"/>
+    <p:sldId id="320" r:id="rId17"/>
+    <p:sldId id="321" r:id="rId18"/>
+    <p:sldId id="361" r:id="rId19"/>
+    <p:sldId id="336" r:id="rId20"/>
+    <p:sldId id="337" r:id="rId21"/>
   </p:sldIdLst>
   <p:sldSz cx="9144000" cy="6858000" type="screen4x3"/>
   <p:notesSz cx="6858000" cy="9144000"/>
@@ -234,7 +236,7 @@
           <a:p>
             <a:fld id="{43492DA4-7033-254B-9755-02E963D2D60B}" type="datetimeFigureOut">
               <a:rPr lang="en-US" smtClean="0"/>
-              <a:t>10/10/17</a:t>
+              <a:t>10/12/17</a:t>
             </a:fld>
             <a:endParaRPr lang="en-US"/>
           </a:p>
@@ -400,7 +402,7 @@
           <a:p>
             <a:fld id="{3233186B-3F56-2747-A708-0F062C13EF5A}" type="datetimeFigureOut">
               <a:rPr lang="en-US" smtClean="0"/>
-              <a:t>10/10/17</a:t>
+              <a:t>10/12/17</a:t>
             </a:fld>
             <a:endParaRPr lang="en-US"/>
           </a:p>
@@ -4107,6 +4109,159 @@
         </p:nvSpPr>
         <p:spPr/>
         <p:txBody>
+          <a:bodyPr/>
+          <a:lstStyle/>
+          <a:p>
+            <a:r>
+              <a:rPr lang="en-US" altLang="en-US" dirty="0" smtClean="0">
+                <a:latin typeface="Corbel" charset="0"/>
+                <a:ea typeface="Corbel" charset="0"/>
+                <a:cs typeface="Corbel" charset="0"/>
+              </a:rPr>
+              <a:t>P(H): Prior Probability</a:t>
+            </a:r>
+            <a:endParaRPr lang="en-US" dirty="0"/>
+          </a:p>
+        </p:txBody>
+      </p:sp>
+      <p:sp>
+        <p:nvSpPr>
+          <p:cNvPr id="3" name="Content Placeholder 2"/>
+          <p:cNvSpPr>
+            <a:spLocks noGrp="1"/>
+          </p:cNvSpPr>
+          <p:nvPr>
+            <p:ph idx="1"/>
+          </p:nvPr>
+        </p:nvSpPr>
+        <p:spPr/>
+        <p:txBody>
+          <a:bodyPr/>
+          <a:lstStyle/>
+          <a:p>
+            <a:pPr marL="0" indent="0">
+              <a:spcBef>
+                <a:spcPts val="300"/>
+              </a:spcBef>
+              <a:buNone/>
+            </a:pPr>
+            <a:r>
+              <a:rPr lang="en-US" altLang="en-US" dirty="0" smtClean="0"/>
+              <a:t>P(C</a:t>
+            </a:r>
+            <a:r>
+              <a:rPr lang="en-US" altLang="en-US" baseline="-25000" dirty="0" smtClean="0"/>
+              <a:t>i</a:t>
+            </a:r>
+            <a:r>
+              <a:rPr lang="en-US" altLang="en-US" dirty="0" smtClean="0"/>
+              <a:t>)</a:t>
+            </a:r>
+          </a:p>
+          <a:p>
+            <a:pPr>
+              <a:spcBef>
+                <a:spcPts val="300"/>
+              </a:spcBef>
+            </a:pPr>
+            <a:r>
+              <a:rPr lang="en-US" altLang="en-US" dirty="0" smtClean="0"/>
+              <a:t>P(Play? </a:t>
+            </a:r>
+            <a:r>
+              <a:rPr lang="en-US" altLang="en-US" dirty="0"/>
+              <a:t>= “yes”)  = 9/14 = </a:t>
+            </a:r>
+            <a:r>
+              <a:rPr lang="en-US" altLang="en-US" dirty="0" smtClean="0"/>
+              <a:t>0.643</a:t>
+            </a:r>
+          </a:p>
+          <a:p>
+            <a:pPr>
+              <a:spcBef>
+                <a:spcPts val="300"/>
+              </a:spcBef>
+            </a:pPr>
+            <a:r>
+              <a:rPr lang="en-US" altLang="en-US" dirty="0" smtClean="0"/>
+              <a:t>P(Play? </a:t>
+            </a:r>
+            <a:r>
+              <a:rPr lang="en-US" altLang="en-US" dirty="0"/>
+              <a:t>= “no”) = 5/14= 0.357</a:t>
+            </a:r>
+          </a:p>
+          <a:p>
+            <a:endParaRPr lang="en-US" dirty="0"/>
+          </a:p>
+        </p:txBody>
+      </p:sp>
+      <p:sp>
+        <p:nvSpPr>
+          <p:cNvPr id="4" name="Slide Number Placeholder 3"/>
+          <p:cNvSpPr>
+            <a:spLocks noGrp="1"/>
+          </p:cNvSpPr>
+          <p:nvPr>
+            <p:ph type="sldNum" sz="quarter" idx="12"/>
+          </p:nvPr>
+        </p:nvSpPr>
+        <p:spPr/>
+        <p:txBody>
+          <a:bodyPr/>
+          <a:lstStyle/>
+          <a:p>
+            <a:fld id="{18A68613-FF0B-4246-B613-8295211CFAFA}" type="slidenum">
+              <a:rPr lang="en-US" smtClean="0"/>
+              <a:t>10</a:t>
+            </a:fld>
+            <a:endParaRPr lang="en-US"/>
+          </a:p>
+        </p:txBody>
+      </p:sp>
+    </p:spTree>
+    <p:extLst>
+      <p:ext uri="{BB962C8B-B14F-4D97-AF65-F5344CB8AC3E}">
+        <p14:creationId xmlns:p14="http://schemas.microsoft.com/office/powerpoint/2010/main" val="1218342715"/>
+      </p:ext>
+    </p:extLst>
+  </p:cSld>
+  <p:clrMapOvr>
+    <a:masterClrMapping/>
+  </p:clrMapOvr>
+</p:sld>
+</file>
+
+<file path=ppt/slides/slide11.xml><?xml version="1.0" encoding="utf-8"?>
+<p:sld xmlns:a="http://schemas.openxmlformats.org/drawingml/2006/main" xmlns:r="http://schemas.openxmlformats.org/officeDocument/2006/relationships" xmlns:p="http://schemas.openxmlformats.org/presentationml/2006/main">
+  <p:cSld>
+    <p:spTree>
+      <p:nvGrpSpPr>
+        <p:cNvPr id="1" name=""/>
+        <p:cNvGrpSpPr/>
+        <p:nvPr/>
+      </p:nvGrpSpPr>
+      <p:grpSpPr>
+        <a:xfrm>
+          <a:off x="0" y="0"/>
+          <a:ext cx="0" cy="0"/>
+          <a:chOff x="0" y="0"/>
+          <a:chExt cx="0" cy="0"/>
+        </a:xfrm>
+      </p:grpSpPr>
+      <p:sp>
+        <p:nvSpPr>
+          <p:cNvPr id="2" name="Title 1"/>
+          <p:cNvSpPr>
+            <a:spLocks noGrp="1"/>
+          </p:cNvSpPr>
+          <p:nvPr>
+            <p:ph type="title"/>
+          </p:nvPr>
+        </p:nvSpPr>
+        <p:spPr/>
+        <p:txBody>
           <a:bodyPr>
             <a:normAutofit/>
           </a:bodyPr>
@@ -4169,7 +4324,7 @@
           <a:p>
             <a:fld id="{18A68613-FF0B-4246-B613-8295211CFAFA}" type="slidenum">
               <a:rPr lang="en-US" smtClean="0"/>
-              <a:t>10</a:t>
+              <a:t>11</a:t>
             </a:fld>
             <a:endParaRPr lang="en-US"/>
           </a:p>
@@ -11503,444 +11658,6 @@
 </p:sld>
 </file>
 
-<file path=ppt/slides/slide11.xml><?xml version="1.0" encoding="utf-8"?>
-<p:sld xmlns:a="http://schemas.openxmlformats.org/drawingml/2006/main" xmlns:r="http://schemas.openxmlformats.org/officeDocument/2006/relationships" xmlns:p="http://schemas.openxmlformats.org/presentationml/2006/main">
-  <p:cSld>
-    <p:spTree>
-      <p:nvGrpSpPr>
-        <p:cNvPr id="1" name=""/>
-        <p:cNvGrpSpPr/>
-        <p:nvPr/>
-      </p:nvGrpSpPr>
-      <p:grpSpPr>
-        <a:xfrm>
-          <a:off x="0" y="0"/>
-          <a:ext cx="0" cy="0"/>
-          <a:chOff x="0" y="0"/>
-          <a:chExt cx="0" cy="0"/>
-        </a:xfrm>
-      </p:grpSpPr>
-      <p:sp>
-        <p:nvSpPr>
-          <p:cNvPr id="2" name="Title 1"/>
-          <p:cNvSpPr>
-            <a:spLocks noGrp="1"/>
-          </p:cNvSpPr>
-          <p:nvPr>
-            <p:ph type="title"/>
-          </p:nvPr>
-        </p:nvSpPr>
-        <p:spPr/>
-        <p:txBody>
-          <a:bodyPr/>
-          <a:lstStyle/>
-          <a:p>
-            <a:r>
-              <a:rPr lang="en-US" altLang="en-US" dirty="0" smtClean="0">
-                <a:latin typeface="Corbel" charset="0"/>
-                <a:ea typeface="Corbel" charset="0"/>
-                <a:cs typeface="Corbel" charset="0"/>
-              </a:rPr>
-              <a:t>P(</a:t>
-            </a:r>
-            <a:r>
-              <a:rPr lang="en-US" altLang="en-US" b="1" dirty="0" smtClean="0">
-                <a:latin typeface="Corbel" charset="0"/>
-                <a:ea typeface="Corbel" charset="0"/>
-                <a:cs typeface="Corbel" charset="0"/>
-              </a:rPr>
-              <a:t>X</a:t>
-            </a:r>
-            <a:r>
-              <a:rPr lang="en-US" altLang="en-US" dirty="0" smtClean="0">
-                <a:latin typeface="Corbel" charset="0"/>
-                <a:ea typeface="Corbel" charset="0"/>
-                <a:cs typeface="Corbel" charset="0"/>
-              </a:rPr>
-              <a:t>|H): Likelihood</a:t>
-            </a:r>
-            <a:endParaRPr lang="en-US" dirty="0"/>
-          </a:p>
-        </p:txBody>
-      </p:sp>
-      <p:sp>
-        <p:nvSpPr>
-          <p:cNvPr id="3" name="Content Placeholder 2"/>
-          <p:cNvSpPr>
-            <a:spLocks noGrp="1"/>
-          </p:cNvSpPr>
-          <p:nvPr>
-            <p:ph idx="1"/>
-          </p:nvPr>
-        </p:nvSpPr>
-        <p:spPr/>
-        <p:txBody>
-          <a:bodyPr>
-            <a:normAutofit fontScale="85000" lnSpcReduction="20000"/>
-          </a:bodyPr>
-          <a:lstStyle/>
-          <a:p>
-            <a:pPr>
-              <a:spcBef>
-                <a:spcPts val="0"/>
-              </a:spcBef>
-              <a:buNone/>
-            </a:pPr>
-            <a:r>
-              <a:rPr lang="en-US" altLang="en-US" dirty="0" smtClean="0"/>
-              <a:t>Compute </a:t>
-            </a:r>
-            <a:r>
-              <a:rPr lang="en-US" altLang="en-US" dirty="0"/>
-              <a:t>P(</a:t>
-            </a:r>
-            <a:r>
-              <a:rPr lang="en-US" altLang="en-US" dirty="0" err="1"/>
-              <a:t>X|C</a:t>
-            </a:r>
-            <a:r>
-              <a:rPr lang="en-US" altLang="en-US" baseline="-25000" dirty="0" err="1"/>
-              <a:t>i</a:t>
-            </a:r>
-            <a:r>
-              <a:rPr lang="en-US" altLang="en-US" dirty="0"/>
-              <a:t>) for each </a:t>
-            </a:r>
-            <a:r>
-              <a:rPr lang="en-US" altLang="en-US" dirty="0" smtClean="0"/>
-              <a:t>class</a:t>
-            </a:r>
-          </a:p>
-          <a:p>
-            <a:pPr>
-              <a:spcBef>
-                <a:spcPts val="0"/>
-              </a:spcBef>
-              <a:buNone/>
-            </a:pPr>
-            <a:endParaRPr lang="en-US" altLang="en-US" dirty="0" smtClean="0"/>
-          </a:p>
-          <a:p>
-            <a:pPr>
-              <a:spcBef>
-                <a:spcPts val="0"/>
-              </a:spcBef>
-            </a:pPr>
-            <a:r>
-              <a:rPr lang="en-US" altLang="en-US" dirty="0" smtClean="0"/>
-              <a:t>P(Outlook = Rainy | Play? = </a:t>
-            </a:r>
-            <a:r>
-              <a:rPr lang="en-US" altLang="en-US" dirty="0"/>
-              <a:t>“yes”) = </a:t>
-            </a:r>
-            <a:r>
-              <a:rPr lang="en-US" altLang="en-US" dirty="0" smtClean="0"/>
-              <a:t>3/9 </a:t>
-            </a:r>
-            <a:r>
-              <a:rPr lang="en-US" altLang="en-US" dirty="0"/>
-              <a:t>= </a:t>
-            </a:r>
-            <a:r>
-              <a:rPr lang="en-US" altLang="en-US" dirty="0" smtClean="0"/>
-              <a:t>0.333</a:t>
-            </a:r>
-            <a:endParaRPr lang="en-US" altLang="en-US" dirty="0"/>
-          </a:p>
-          <a:p>
-            <a:pPr>
-              <a:spcBef>
-                <a:spcPts val="0"/>
-              </a:spcBef>
-            </a:pPr>
-            <a:r>
-              <a:rPr lang="en-US" altLang="en-US" dirty="0" smtClean="0"/>
-              <a:t>P(Outlook </a:t>
-            </a:r>
-            <a:r>
-              <a:rPr lang="en-US" altLang="en-US" dirty="0"/>
-              <a:t>= </a:t>
-            </a:r>
-            <a:r>
-              <a:rPr lang="en-US" altLang="en-US" dirty="0" smtClean="0"/>
-              <a:t>Rainy | </a:t>
-            </a:r>
-            <a:r>
-              <a:rPr lang="en-US" altLang="en-US" dirty="0"/>
-              <a:t>Play? </a:t>
-            </a:r>
-            <a:r>
-              <a:rPr lang="en-US" altLang="en-US" dirty="0" smtClean="0"/>
-              <a:t>= </a:t>
-            </a:r>
-            <a:r>
-              <a:rPr lang="en-US" altLang="en-US" dirty="0"/>
-              <a:t>“no”) = </a:t>
-            </a:r>
-            <a:r>
-              <a:rPr lang="en-US" altLang="en-US" dirty="0" smtClean="0"/>
-              <a:t>2/5 </a:t>
-            </a:r>
-            <a:r>
-              <a:rPr lang="en-US" altLang="en-US" dirty="0"/>
-              <a:t>= </a:t>
-            </a:r>
-            <a:r>
-              <a:rPr lang="en-US" altLang="en-US" dirty="0" smtClean="0"/>
-              <a:t>0.4</a:t>
-            </a:r>
-          </a:p>
-          <a:p>
-            <a:pPr>
-              <a:spcBef>
-                <a:spcPts val="0"/>
-              </a:spcBef>
-            </a:pPr>
-            <a:endParaRPr lang="en-US" altLang="en-US" dirty="0" smtClean="0"/>
-          </a:p>
-          <a:p>
-            <a:pPr>
-              <a:spcBef>
-                <a:spcPts val="0"/>
-              </a:spcBef>
-            </a:pPr>
-            <a:r>
-              <a:rPr lang="en-US" altLang="en-US" dirty="0" smtClean="0"/>
-              <a:t>P(Temperature </a:t>
-            </a:r>
-            <a:r>
-              <a:rPr lang="en-US" altLang="en-US" dirty="0"/>
-              <a:t>= </a:t>
-            </a:r>
-            <a:r>
-              <a:rPr lang="en-US" altLang="en-US" dirty="0" smtClean="0"/>
-              <a:t>Hot </a:t>
-            </a:r>
-            <a:r>
-              <a:rPr lang="en-US" altLang="en-US" dirty="0"/>
-              <a:t>| Play? </a:t>
-            </a:r>
-            <a:r>
-              <a:rPr lang="en-US" altLang="en-US" dirty="0" smtClean="0"/>
-              <a:t>= </a:t>
-            </a:r>
-            <a:r>
-              <a:rPr lang="en-US" altLang="en-US" dirty="0"/>
-              <a:t>“yes) = </a:t>
-            </a:r>
-            <a:r>
-              <a:rPr lang="en-US" altLang="en-US" dirty="0" smtClean="0"/>
-              <a:t>2/9 </a:t>
-            </a:r>
-            <a:r>
-              <a:rPr lang="en-US" altLang="en-US" dirty="0"/>
-              <a:t>= </a:t>
-            </a:r>
-            <a:r>
-              <a:rPr lang="en-US" altLang="en-US" dirty="0" smtClean="0"/>
-              <a:t>0.222</a:t>
-            </a:r>
-            <a:endParaRPr lang="en-US" altLang="en-US" dirty="0"/>
-          </a:p>
-          <a:p>
-            <a:pPr>
-              <a:spcBef>
-                <a:spcPts val="0"/>
-              </a:spcBef>
-            </a:pPr>
-            <a:r>
-              <a:rPr lang="en-US" altLang="en-US" dirty="0" smtClean="0"/>
-              <a:t>P(Temperature = Hot </a:t>
-            </a:r>
-            <a:r>
-              <a:rPr lang="en-US" altLang="en-US" dirty="0"/>
-              <a:t>| Play? </a:t>
-            </a:r>
-            <a:r>
-              <a:rPr lang="en-US" altLang="en-US" dirty="0" smtClean="0"/>
-              <a:t>= </a:t>
-            </a:r>
-            <a:r>
-              <a:rPr lang="en-US" altLang="en-US" dirty="0"/>
-              <a:t>“no”) = </a:t>
-            </a:r>
-            <a:r>
-              <a:rPr lang="en-US" altLang="en-US" dirty="0" smtClean="0"/>
-              <a:t>2/5 </a:t>
-            </a:r>
-            <a:r>
-              <a:rPr lang="en-US" altLang="en-US" dirty="0"/>
-              <a:t>= </a:t>
-            </a:r>
-            <a:r>
-              <a:rPr lang="en-US" altLang="en-US" dirty="0" smtClean="0"/>
-              <a:t>0.4</a:t>
-            </a:r>
-          </a:p>
-          <a:p>
-            <a:pPr>
-              <a:spcBef>
-                <a:spcPts val="0"/>
-              </a:spcBef>
-            </a:pPr>
-            <a:endParaRPr lang="en-US" altLang="en-US" dirty="0" smtClean="0"/>
-          </a:p>
-          <a:p>
-            <a:pPr>
-              <a:spcBef>
-                <a:spcPts val="0"/>
-              </a:spcBef>
-            </a:pPr>
-            <a:r>
-              <a:rPr lang="en-US" altLang="en-US" dirty="0" smtClean="0"/>
-              <a:t>P(Humidity = High </a:t>
-            </a:r>
-            <a:r>
-              <a:rPr lang="en-US" altLang="en-US" dirty="0"/>
-              <a:t>| Play? = “yes”) = 3</a:t>
-            </a:r>
-            <a:r>
-              <a:rPr lang="en-US" altLang="en-US" dirty="0" smtClean="0"/>
-              <a:t>/9 </a:t>
-            </a:r>
-            <a:r>
-              <a:rPr lang="en-US" altLang="en-US" dirty="0"/>
-              <a:t>= </a:t>
-            </a:r>
-            <a:r>
-              <a:rPr lang="en-US" altLang="en-US" dirty="0" smtClean="0"/>
-              <a:t>0.333</a:t>
-            </a:r>
-            <a:endParaRPr lang="en-US" altLang="en-US" dirty="0"/>
-          </a:p>
-          <a:p>
-            <a:pPr>
-              <a:spcBef>
-                <a:spcPts val="0"/>
-              </a:spcBef>
-            </a:pPr>
-            <a:r>
-              <a:rPr lang="en-US" altLang="en-US" dirty="0" smtClean="0"/>
-              <a:t>P(Humidity = High | </a:t>
-            </a:r>
-            <a:r>
-              <a:rPr lang="en-US" altLang="en-US" dirty="0"/>
-              <a:t>Play? = “no”) = </a:t>
-            </a:r>
-            <a:r>
-              <a:rPr lang="en-US" altLang="en-US" dirty="0" smtClean="0"/>
-              <a:t>4/5 </a:t>
-            </a:r>
-            <a:r>
-              <a:rPr lang="en-US" altLang="en-US" dirty="0"/>
-              <a:t>= </a:t>
-            </a:r>
-            <a:r>
-              <a:rPr lang="en-US" altLang="en-US" dirty="0" smtClean="0"/>
-              <a:t>0.8</a:t>
-            </a:r>
-            <a:endParaRPr lang="en-US" altLang="en-US" dirty="0"/>
-          </a:p>
-          <a:p>
-            <a:pPr>
-              <a:spcBef>
-                <a:spcPts val="0"/>
-              </a:spcBef>
-            </a:pPr>
-            <a:endParaRPr lang="en-US" altLang="en-US" dirty="0"/>
-          </a:p>
-          <a:p>
-            <a:pPr>
-              <a:spcBef>
-                <a:spcPts val="0"/>
-              </a:spcBef>
-            </a:pPr>
-            <a:r>
-              <a:rPr lang="en-US" altLang="en-US" dirty="0" smtClean="0"/>
-              <a:t>P(Windy = “False” </a:t>
-            </a:r>
-            <a:r>
-              <a:rPr lang="en-US" altLang="en-US" dirty="0"/>
-              <a:t>| Play? </a:t>
-            </a:r>
-            <a:r>
-              <a:rPr lang="en-US" altLang="en-US" dirty="0" smtClean="0"/>
-              <a:t>= </a:t>
-            </a:r>
-            <a:r>
-              <a:rPr lang="en-US" altLang="en-US" dirty="0"/>
-              <a:t>“yes”) = 6/9 = 0.667</a:t>
-            </a:r>
-          </a:p>
-          <a:p>
-            <a:pPr>
-              <a:spcBef>
-                <a:spcPts val="0"/>
-              </a:spcBef>
-            </a:pPr>
-            <a:r>
-              <a:rPr lang="en-US" altLang="zh-CN" dirty="0" smtClean="0"/>
-              <a:t>P</a:t>
-            </a:r>
-            <a:r>
-              <a:rPr lang="en-US" altLang="en-US" dirty="0" smtClean="0"/>
-              <a:t>(Windy= “False” </a:t>
-            </a:r>
-            <a:r>
-              <a:rPr lang="en-US" altLang="en-US" dirty="0"/>
-              <a:t>| Play? </a:t>
-            </a:r>
-            <a:r>
-              <a:rPr lang="en-US" altLang="en-US" dirty="0" smtClean="0"/>
-              <a:t>= </a:t>
-            </a:r>
-            <a:r>
-              <a:rPr lang="en-US" altLang="en-US" dirty="0"/>
-              <a:t>“no”) = 2/5 = 0.4</a:t>
-            </a:r>
-          </a:p>
-          <a:p>
-            <a:endParaRPr lang="en-US" dirty="0"/>
-          </a:p>
-        </p:txBody>
-      </p:sp>
-      <p:sp>
-        <p:nvSpPr>
-          <p:cNvPr id="4" name="Slide Number Placeholder 3"/>
-          <p:cNvSpPr>
-            <a:spLocks noGrp="1"/>
-          </p:cNvSpPr>
-          <p:nvPr>
-            <p:ph type="sldNum" sz="quarter" idx="12"/>
-          </p:nvPr>
-        </p:nvSpPr>
-        <p:spPr/>
-        <p:txBody>
-          <a:bodyPr/>
-          <a:lstStyle/>
-          <a:p>
-            <a:fld id="{18A68613-FF0B-4246-B613-8295211CFAFA}" type="slidenum">
-              <a:rPr lang="en-US" smtClean="0"/>
-              <a:t>11</a:t>
-            </a:fld>
-            <a:endParaRPr lang="en-US"/>
-          </a:p>
-        </p:txBody>
-      </p:sp>
-    </p:spTree>
-    <p:extLst>
-      <p:ext uri="{BB962C8B-B14F-4D97-AF65-F5344CB8AC3E}">
-        <p14:creationId xmlns:p14="http://schemas.microsoft.com/office/powerpoint/2010/main" val="1469017126"/>
-      </p:ext>
-    </p:extLst>
-  </p:cSld>
-  <p:clrMapOvr>
-    <a:masterClrMapping/>
-  </p:clrMapOvr>
-</p:sld>
-</file>
-
 <file path=ppt/slides/slide12.xml><?xml version="1.0" encoding="utf-8"?>
 <p:sld xmlns:a="http://schemas.openxmlformats.org/drawingml/2006/main" xmlns:r="http://schemas.openxmlformats.org/officeDocument/2006/relationships" xmlns:p="http://schemas.openxmlformats.org/presentationml/2006/main">
   <p:cSld>
@@ -11979,7 +11696,7 @@
                 <a:ea typeface="Corbel" charset="0"/>
                 <a:cs typeface="Corbel" charset="0"/>
               </a:rPr>
-              <a:t>P(H|</a:t>
+              <a:t>P(</a:t>
             </a:r>
             <a:r>
               <a:rPr lang="en-US" altLang="en-US" b="1" dirty="0" smtClean="0">
@@ -11995,23 +11712,7 @@
                 <a:ea typeface="Corbel" charset="0"/>
                 <a:cs typeface="Corbel" charset="0"/>
               </a:rPr>
-              <a:t>): Posteriori </a:t>
-            </a:r>
-            <a:r>
-              <a:rPr lang="en-US" altLang="en-US" dirty="0">
-                <a:latin typeface="Corbel" charset="0"/>
-                <a:ea typeface="Corbel" charset="0"/>
-                <a:cs typeface="Corbel" charset="0"/>
-              </a:rPr>
-              <a:t>P</a:t>
-            </a:r>
-            <a:r>
-              <a:rPr lang="en-US" altLang="en-US" dirty="0" smtClean="0">
-                <a:latin typeface="Corbel" charset="0"/>
-                <a:ea typeface="Corbel" charset="0"/>
-                <a:cs typeface="Corbel" charset="0"/>
-              </a:rPr>
-              <a:t>robability</a:t>
+              <a:t>|H): Likelihood</a:t>
             </a:r>
             <a:endParaRPr lang="en-US" dirty="0"/>
           </a:p>
@@ -12027,164 +11728,106 @@
             <p:ph idx="1"/>
           </p:nvPr>
         </p:nvSpPr>
-        <p:spPr>
-          <a:xfrm>
-            <a:off x="457200" y="1600200"/>
-            <a:ext cx="8229600" cy="5121275"/>
-          </a:xfrm>
-        </p:spPr>
+        <p:spPr/>
         <p:txBody>
           <a:bodyPr>
-            <a:normAutofit fontScale="70000" lnSpcReduction="20000"/>
+            <a:normAutofit fontScale="85000" lnSpcReduction="20000"/>
           </a:bodyPr>
           <a:lstStyle/>
           <a:p>
-            <a:pPr marL="0" indent="0">
+            <a:pPr>
               <a:spcBef>
-                <a:spcPts val="300"/>
+                <a:spcPts val="0"/>
               </a:spcBef>
               <a:buNone/>
             </a:pPr>
             <a:r>
-              <a:rPr lang="en-US" altLang="en-US" sz="3500" b="1" dirty="0"/>
-              <a:t>X</a:t>
-            </a:r>
-            <a:r>
-              <a:rPr lang="en-US" altLang="en-US" sz="3500" dirty="0"/>
-              <a:t> = </a:t>
-            </a:r>
-            <a:r>
-              <a:rPr lang="en-US" altLang="en-US" sz="3500" dirty="0" smtClean="0"/>
-              <a:t>(Outlook=Rainy, Temperature=Hot, Humidity=High, Windy=“False”)</a:t>
-            </a:r>
-          </a:p>
-          <a:p>
-            <a:pPr marL="0" indent="0">
-              <a:spcBef>
-                <a:spcPts val="300"/>
-              </a:spcBef>
-              <a:buNone/>
-            </a:pPr>
-            <a:r>
-              <a:rPr lang="en-US" altLang="en-US" sz="3500" dirty="0" smtClean="0"/>
+              <a:rPr lang="en-US" altLang="en-US" dirty="0" smtClean="0"/>
+              <a:t>Compute </a:t>
+            </a:r>
+            <a:r>
+              <a:rPr lang="en-US" altLang="en-US" dirty="0"/>
               <a:t>P(</a:t>
             </a:r>
             <a:r>
-              <a:rPr lang="en-US" altLang="en-US" sz="3500" b="1" dirty="0" smtClean="0"/>
-              <a:t>X</a:t>
-            </a:r>
-            <a:r>
-              <a:rPr lang="en-US" altLang="en-US" sz="3500" dirty="0" smtClean="0"/>
-              <a:t>) = (5/14) x (4/14) x (7/14) x (8/14) = 0.02915</a:t>
-            </a:r>
-          </a:p>
-          <a:p>
-            <a:pPr marL="0" indent="0">
-              <a:spcBef>
-                <a:spcPts val="300"/>
-              </a:spcBef>
-              <a:buNone/>
-            </a:pPr>
-            <a:endParaRPr lang="en-US" altLang="en-US" sz="3500" dirty="0"/>
+              <a:rPr lang="en-US" altLang="en-US" dirty="0" err="1"/>
+              <a:t>X|C</a:t>
+            </a:r>
+            <a:r>
+              <a:rPr lang="en-US" altLang="en-US" baseline="-25000" dirty="0" err="1"/>
+              <a:t>i</a:t>
+            </a:r>
+            <a:r>
+              <a:rPr lang="en-US" altLang="en-US" dirty="0"/>
+              <a:t>) for each </a:t>
+            </a:r>
+            <a:r>
+              <a:rPr lang="en-US" altLang="en-US" dirty="0" smtClean="0"/>
+              <a:t>class</a:t>
+            </a:r>
           </a:p>
           <a:p>
             <a:pPr>
               <a:spcBef>
-                <a:spcPts val="300"/>
+                <a:spcPts val="0"/>
               </a:spcBef>
               <a:buNone/>
             </a:pPr>
-            <a:r>
-              <a:rPr lang="en-US" altLang="en-US" dirty="0" smtClean="0"/>
-              <a:t>P(</a:t>
-            </a:r>
-            <a:r>
-              <a:rPr lang="en-US" altLang="en-US" b="1" dirty="0" err="1" smtClean="0"/>
-              <a:t>X</a:t>
-            </a:r>
-            <a:r>
-              <a:rPr lang="en-US" altLang="en-US" dirty="0" err="1" smtClean="0"/>
-              <a:t>|C</a:t>
-            </a:r>
-            <a:r>
-              <a:rPr lang="en-US" altLang="en-US" baseline="-25000" dirty="0" err="1" smtClean="0"/>
-              <a:t>i</a:t>
-            </a:r>
-            <a:r>
-              <a:rPr lang="en-US" altLang="en-US" dirty="0" smtClean="0"/>
-              <a:t>):</a:t>
-            </a:r>
+            <a:endParaRPr lang="en-US" altLang="en-US" dirty="0" smtClean="0"/>
           </a:p>
           <a:p>
             <a:pPr>
               <a:spcBef>
-                <a:spcPts val="300"/>
+                <a:spcPts val="0"/>
               </a:spcBef>
-              <a:buNone/>
             </a:pPr>
             <a:r>
               <a:rPr lang="en-US" altLang="en-US" dirty="0" smtClean="0"/>
-              <a:t>P(</a:t>
-            </a:r>
-            <a:r>
-              <a:rPr lang="en-US" altLang="en-US" b="1" dirty="0" smtClean="0"/>
-              <a:t>X</a:t>
+              <a:t>P(Outlook = Rainy | Play? = </a:t>
+            </a:r>
+            <a:r>
+              <a:rPr lang="en-US" altLang="en-US" dirty="0"/>
+              <a:t>“yes”) = </a:t>
             </a:r>
             <a:r>
               <a:rPr lang="en-US" altLang="en-US" dirty="0" smtClean="0"/>
-              <a:t> | Play? </a:t>
+              <a:t>3/9 </a:t>
             </a:r>
             <a:r>
               <a:rPr lang="en-US" altLang="en-US" dirty="0"/>
-              <a:t>= “yes”) = </a:t>
+              <a:t>= </a:t>
             </a:r>
             <a:r>
               <a:rPr lang="en-US" altLang="en-US" dirty="0" smtClean="0"/>
-              <a:t>0.333 </a:t>
-            </a:r>
-            <a:r>
-              <a:rPr lang="en-US" altLang="en-US" dirty="0"/>
-              <a:t>x </a:t>
-            </a:r>
-            <a:r>
-              <a:rPr lang="en-US" altLang="en-US" dirty="0" smtClean="0"/>
-              <a:t>0.222 </a:t>
-            </a:r>
-            <a:r>
-              <a:rPr lang="en-US" altLang="en-US" dirty="0"/>
-              <a:t>x </a:t>
-            </a:r>
-            <a:r>
-              <a:rPr lang="en-US" altLang="en-US" dirty="0" smtClean="0"/>
-              <a:t>0.333 </a:t>
-            </a:r>
-            <a:r>
-              <a:rPr lang="en-US" altLang="en-US" dirty="0"/>
-              <a:t>x 0.667 = </a:t>
-            </a:r>
-            <a:r>
-              <a:rPr lang="en-US" altLang="en-US" dirty="0" smtClean="0"/>
-              <a:t>0.01642</a:t>
-            </a:r>
+              <a:t>0.333</a:t>
+            </a:r>
+            <a:endParaRPr lang="en-US" altLang="en-US" dirty="0"/>
           </a:p>
           <a:p>
             <a:pPr>
               <a:spcBef>
-                <a:spcPts val="300"/>
+                <a:spcPts val="0"/>
               </a:spcBef>
-              <a:buNone/>
             </a:pPr>
             <a:r>
               <a:rPr lang="en-US" altLang="en-US" dirty="0" smtClean="0"/>
-              <a:t>P(</a:t>
-            </a:r>
-            <a:r>
-              <a:rPr lang="en-US" altLang="en-US" b="1" dirty="0" smtClean="0"/>
-              <a:t>X</a:t>
+              <a:t>P(Outlook </a:t>
+            </a:r>
+            <a:r>
+              <a:rPr lang="en-US" altLang="en-US" dirty="0"/>
+              <a:t>= </a:t>
             </a:r>
             <a:r>
               <a:rPr lang="en-US" altLang="en-US" dirty="0" smtClean="0"/>
-              <a:t> | Play? = </a:t>
+              <a:t>Rainy | </a:t>
+            </a:r>
+            <a:r>
+              <a:rPr lang="en-US" altLang="en-US" dirty="0"/>
+              <a:t>Play? </a:t>
+            </a:r>
+            <a:r>
+              <a:rPr lang="en-US" altLang="en-US" dirty="0" smtClean="0"/>
+              <a:t>= </a:t>
             </a:r>
             <a:r>
               <a:rPr lang="en-US" altLang="en-US" dirty="0"/>
@@ -12192,287 +11835,228 @@
             </a:r>
             <a:r>
               <a:rPr lang="en-US" altLang="en-US" dirty="0" smtClean="0"/>
-              <a:t>0.4 </a:t>
+              <a:t>2/5 </a:t>
             </a:r>
             <a:r>
               <a:rPr lang="en-US" altLang="en-US" dirty="0"/>
-              <a:t>x </a:t>
+              <a:t>= </a:t>
             </a:r>
             <a:r>
               <a:rPr lang="en-US" altLang="en-US" dirty="0" smtClean="0"/>
-              <a:t>0.4 </a:t>
-            </a:r>
-            <a:r>
-              <a:rPr lang="en-US" altLang="en-US" dirty="0"/>
-              <a:t>x </a:t>
-            </a:r>
-            <a:r>
-              <a:rPr lang="en-US" altLang="en-US" dirty="0" smtClean="0"/>
-              <a:t>0.8 </a:t>
-            </a:r>
-            <a:r>
-              <a:rPr lang="en-US" altLang="en-US" dirty="0"/>
-              <a:t>x 0.4 = </a:t>
-            </a:r>
-            <a:r>
-              <a:rPr lang="en-US" altLang="en-US" dirty="0" smtClean="0"/>
-              <a:t>0.0512</a:t>
+              <a:t>0.4</a:t>
             </a:r>
           </a:p>
           <a:p>
             <a:pPr>
               <a:spcBef>
-                <a:spcPts val="300"/>
+                <a:spcPts val="0"/>
               </a:spcBef>
-              <a:buNone/>
+            </a:pPr>
+            <a:endParaRPr lang="en-US" altLang="en-US" dirty="0" smtClean="0"/>
+          </a:p>
+          <a:p>
+            <a:pPr>
+              <a:spcBef>
+                <a:spcPts val="0"/>
+              </a:spcBef>
+            </a:pPr>
+            <a:r>
+              <a:rPr lang="en-US" altLang="en-US" dirty="0" smtClean="0"/>
+              <a:t>P(Temperature </a:t>
+            </a:r>
+            <a:r>
+              <a:rPr lang="en-US" altLang="en-US" dirty="0"/>
+              <a:t>= </a:t>
+            </a:r>
+            <a:r>
+              <a:rPr lang="en-US" altLang="en-US" dirty="0" smtClean="0"/>
+              <a:t>Hot </a:t>
+            </a:r>
+            <a:r>
+              <a:rPr lang="en-US" altLang="en-US" dirty="0"/>
+              <a:t>| Play? </a:t>
+            </a:r>
+            <a:r>
+              <a:rPr lang="en-US" altLang="en-US" dirty="0" smtClean="0"/>
+              <a:t>= </a:t>
+            </a:r>
+            <a:r>
+              <a:rPr lang="en-US" altLang="en-US" dirty="0"/>
+              <a:t>“yes) = </a:t>
+            </a:r>
+            <a:r>
+              <a:rPr lang="en-US" altLang="en-US" dirty="0" smtClean="0"/>
+              <a:t>2/9 </a:t>
+            </a:r>
+            <a:r>
+              <a:rPr lang="en-US" altLang="en-US" dirty="0"/>
+              <a:t>= </a:t>
+            </a:r>
+            <a:r>
+              <a:rPr lang="en-US" altLang="en-US" dirty="0" smtClean="0"/>
+              <a:t>0.222</a:t>
+            </a:r>
+            <a:endParaRPr lang="en-US" altLang="en-US" dirty="0"/>
+          </a:p>
+          <a:p>
+            <a:pPr>
+              <a:spcBef>
+                <a:spcPts val="0"/>
+              </a:spcBef>
+            </a:pPr>
+            <a:r>
+              <a:rPr lang="en-US" altLang="en-US" dirty="0" smtClean="0"/>
+              <a:t>P(Temperature = Hot </a:t>
+            </a:r>
+            <a:r>
+              <a:rPr lang="en-US" altLang="en-US" dirty="0"/>
+              <a:t>| Play? </a:t>
+            </a:r>
+            <a:r>
+              <a:rPr lang="en-US" altLang="en-US" dirty="0" smtClean="0"/>
+              <a:t>= </a:t>
+            </a:r>
+            <a:r>
+              <a:rPr lang="en-US" altLang="en-US" dirty="0"/>
+              <a:t>“no”) = </a:t>
+            </a:r>
+            <a:r>
+              <a:rPr lang="en-US" altLang="en-US" dirty="0" smtClean="0"/>
+              <a:t>2/5 </a:t>
+            </a:r>
+            <a:r>
+              <a:rPr lang="en-US" altLang="en-US" dirty="0"/>
+              <a:t>= </a:t>
+            </a:r>
+            <a:r>
+              <a:rPr lang="en-US" altLang="en-US" dirty="0" smtClean="0"/>
+              <a:t>0.4</a:t>
+            </a:r>
+          </a:p>
+          <a:p>
+            <a:pPr>
+              <a:spcBef>
+                <a:spcPts val="0"/>
+              </a:spcBef>
+            </a:pPr>
+            <a:endParaRPr lang="en-US" altLang="en-US" dirty="0" smtClean="0"/>
+          </a:p>
+          <a:p>
+            <a:pPr>
+              <a:spcBef>
+                <a:spcPts val="0"/>
+              </a:spcBef>
+            </a:pPr>
+            <a:r>
+              <a:rPr lang="en-US" altLang="en-US" dirty="0" smtClean="0"/>
+              <a:t>P(Humidity = High </a:t>
+            </a:r>
+            <a:r>
+              <a:rPr lang="en-US" altLang="en-US" dirty="0"/>
+              <a:t>| Play? = “yes”) = 3</a:t>
+            </a:r>
+            <a:r>
+              <a:rPr lang="en-US" altLang="en-US" dirty="0" smtClean="0"/>
+              <a:t>/9 </a:t>
+            </a:r>
+            <a:r>
+              <a:rPr lang="en-US" altLang="en-US" dirty="0"/>
+              <a:t>= </a:t>
+            </a:r>
+            <a:r>
+              <a:rPr lang="en-US" altLang="en-US" dirty="0" smtClean="0"/>
+              <a:t>0.333</a:t>
+            </a:r>
+            <a:endParaRPr lang="en-US" altLang="en-US" dirty="0"/>
+          </a:p>
+          <a:p>
+            <a:pPr>
+              <a:spcBef>
+                <a:spcPts val="0"/>
+              </a:spcBef>
+            </a:pPr>
+            <a:r>
+              <a:rPr lang="en-US" altLang="en-US" dirty="0" smtClean="0"/>
+              <a:t>P(Humidity = High | </a:t>
+            </a:r>
+            <a:r>
+              <a:rPr lang="en-US" altLang="en-US" dirty="0"/>
+              <a:t>Play? = “no”) = </a:t>
+            </a:r>
+            <a:r>
+              <a:rPr lang="en-US" altLang="en-US" dirty="0" smtClean="0"/>
+              <a:t>4/5 </a:t>
+            </a:r>
+            <a:r>
+              <a:rPr lang="en-US" altLang="en-US" dirty="0"/>
+              <a:t>= </a:t>
+            </a:r>
+            <a:r>
+              <a:rPr lang="en-US" altLang="en-US" dirty="0" smtClean="0"/>
+              <a:t>0.8</a:t>
+            </a:r>
+            <a:endParaRPr lang="en-US" altLang="en-US" dirty="0"/>
+          </a:p>
+          <a:p>
+            <a:pPr>
+              <a:spcBef>
+                <a:spcPts val="0"/>
+              </a:spcBef>
             </a:pPr>
             <a:endParaRPr lang="en-US" altLang="en-US" dirty="0"/>
           </a:p>
           <a:p>
             <a:pPr>
               <a:spcBef>
-                <a:spcPts val="300"/>
+                <a:spcPts val="0"/>
               </a:spcBef>
-              <a:buNone/>
             </a:pPr>
             <a:r>
               <a:rPr lang="en-US" altLang="en-US" dirty="0" smtClean="0"/>
-              <a:t>P(</a:t>
-            </a:r>
-            <a:r>
-              <a:rPr lang="en-US" altLang="en-US" dirty="0" err="1"/>
-              <a:t>C</a:t>
-            </a:r>
-            <a:r>
-              <a:rPr lang="en-US" altLang="en-US" baseline="-25000" dirty="0" err="1"/>
-              <a:t>i</a:t>
-            </a:r>
-            <a:r>
-              <a:rPr lang="en-US" altLang="en-US" dirty="0" err="1" smtClean="0"/>
-              <a:t>|</a:t>
-            </a:r>
-            <a:r>
-              <a:rPr lang="en-US" altLang="en-US" b="1" dirty="0" err="1" smtClean="0"/>
-              <a:t>X</a:t>
+              <a:t>P(Windy = “False” </a:t>
+            </a:r>
+            <a:r>
+              <a:rPr lang="en-US" altLang="en-US" dirty="0"/>
+              <a:t>| Play? </a:t>
             </a:r>
             <a:r>
               <a:rPr lang="en-US" altLang="en-US" dirty="0" smtClean="0"/>
-              <a:t>) = P(</a:t>
-            </a:r>
-            <a:r>
-              <a:rPr lang="en-US" altLang="en-US" b="1" dirty="0" err="1" smtClean="0"/>
-              <a:t>X</a:t>
-            </a:r>
-            <a:r>
-              <a:rPr lang="en-US" altLang="en-US" dirty="0" err="1" smtClean="0"/>
-              <a:t>|C</a:t>
-            </a:r>
-            <a:r>
-              <a:rPr lang="en-US" altLang="en-US" baseline="-25000" dirty="0" err="1" smtClean="0"/>
-              <a:t>i</a:t>
+              <a:t>= </a:t>
             </a:r>
             <a:r>
               <a:rPr lang="en-US" altLang="en-US" dirty="0"/>
-              <a:t>)*P(C</a:t>
-            </a:r>
-            <a:r>
-              <a:rPr lang="en-US" altLang="en-US" baseline="-25000" dirty="0"/>
-              <a:t>i</a:t>
-            </a:r>
-            <a:r>
-              <a:rPr lang="en-US" altLang="en-US" dirty="0" smtClean="0"/>
-              <a:t>)/P(</a:t>
-            </a:r>
-            <a:r>
-              <a:rPr lang="en-US" altLang="en-US" b="1" dirty="0" smtClean="0"/>
-              <a:t>X</a:t>
-            </a:r>
-            <a:r>
-              <a:rPr lang="en-US" altLang="en-US" dirty="0" smtClean="0"/>
-              <a:t>):</a:t>
+              <a:t>“yes”) = 6/9 = 0.667</a:t>
             </a:r>
           </a:p>
           <a:p>
             <a:pPr>
               <a:spcBef>
-                <a:spcPts val="300"/>
+                <a:spcPts val="0"/>
               </a:spcBef>
-              <a:buNone/>
             </a:pPr>
             <a:r>
+              <a:rPr lang="en-US" altLang="zh-CN" dirty="0" smtClean="0"/>
+              <a:t>P</a:t>
+            </a:r>
+            <a:r>
               <a:rPr lang="en-US" altLang="en-US" dirty="0" smtClean="0"/>
-              <a:t>P(</a:t>
+              <a:t>(Windy= “False” </a:t>
             </a:r>
             <a:r>
               <a:rPr lang="en-US" altLang="en-US" dirty="0"/>
-              <a:t>Play? = “yes</a:t>
+              <a:t>| Play? </a:t>
             </a:r>
             <a:r>
               <a:rPr lang="en-US" altLang="en-US" dirty="0" smtClean="0"/>
-              <a:t>” | </a:t>
-            </a:r>
-            <a:r>
-              <a:rPr lang="en-US" altLang="en-US" b="1" dirty="0" smtClean="0"/>
-              <a:t>X</a:t>
-            </a:r>
-            <a:r>
-              <a:rPr lang="en-US" altLang="en-US" dirty="0" smtClean="0"/>
-              <a:t>) = P(</a:t>
-            </a:r>
-            <a:r>
-              <a:rPr lang="en-US" altLang="en-US" b="1" dirty="0"/>
-              <a:t>X</a:t>
+              <a:t>= </a:t>
             </a:r>
             <a:r>
               <a:rPr lang="en-US" altLang="en-US" dirty="0"/>
-              <a:t> </a:t>
-            </a:r>
-            <a:r>
-              <a:rPr lang="en-US" altLang="en-US" dirty="0" smtClean="0"/>
-              <a:t>| Play</a:t>
-            </a:r>
-            <a:r>
-              <a:rPr lang="en-US" altLang="en-US" dirty="0"/>
-              <a:t>? = “yes</a:t>
-            </a:r>
-            <a:r>
-              <a:rPr lang="en-US" altLang="en-US" dirty="0" smtClean="0"/>
-              <a:t>”) * P(Play</a:t>
-            </a:r>
-            <a:r>
-              <a:rPr lang="en-US" altLang="en-US" dirty="0"/>
-              <a:t>? = “yes</a:t>
-            </a:r>
-            <a:r>
-              <a:rPr lang="en-US" altLang="en-US" dirty="0" smtClean="0"/>
-              <a:t>”) / P(</a:t>
-            </a:r>
-            <a:r>
-              <a:rPr lang="en-US" altLang="en-US" b="1" dirty="0" smtClean="0"/>
-              <a:t>X</a:t>
-            </a:r>
-            <a:r>
-              <a:rPr lang="en-US" altLang="en-US" dirty="0" smtClean="0"/>
-              <a:t>)</a:t>
+              <a:t>“no”) = 2/5 = 0.4</a:t>
             </a:r>
           </a:p>
           <a:p>
-            <a:pPr>
-              <a:spcBef>
-                <a:spcPts val="300"/>
-              </a:spcBef>
-              <a:buNone/>
-            </a:pPr>
-            <a:r>
-              <a:rPr lang="en-US" altLang="en-US" dirty="0" smtClean="0"/>
-              <a:t>= 0.01642 </a:t>
-            </a:r>
-            <a:r>
-              <a:rPr lang="en-US" altLang="en-US" dirty="0"/>
-              <a:t>x </a:t>
-            </a:r>
-            <a:r>
-              <a:rPr lang="en-US" altLang="en-US" dirty="0" smtClean="0"/>
-              <a:t>0.643 / 0.02915 = 0.36</a:t>
-            </a:r>
-          </a:p>
-          <a:p>
-            <a:pPr>
-              <a:spcBef>
-                <a:spcPts val="300"/>
-              </a:spcBef>
-              <a:buNone/>
-            </a:pPr>
-            <a:r>
-              <a:rPr lang="en-US" altLang="en-US" dirty="0"/>
-              <a:t>P(Play? = </a:t>
-            </a:r>
-            <a:r>
-              <a:rPr lang="en-US" altLang="en-US" dirty="0" smtClean="0"/>
-              <a:t>“no” </a:t>
-            </a:r>
-            <a:r>
-              <a:rPr lang="en-US" altLang="en-US" dirty="0"/>
-              <a:t>| </a:t>
-            </a:r>
-            <a:r>
-              <a:rPr lang="en-US" altLang="en-US" b="1" dirty="0"/>
-              <a:t>X</a:t>
-            </a:r>
-            <a:r>
-              <a:rPr lang="en-US" altLang="en-US" dirty="0"/>
-              <a:t>) = P(</a:t>
-            </a:r>
-            <a:r>
-              <a:rPr lang="en-US" altLang="en-US" b="1" dirty="0"/>
-              <a:t>X</a:t>
-            </a:r>
-            <a:r>
-              <a:rPr lang="en-US" altLang="en-US" dirty="0"/>
-              <a:t> | Play? = </a:t>
-            </a:r>
-            <a:r>
-              <a:rPr lang="en-US" altLang="en-US" dirty="0" smtClean="0"/>
-              <a:t>“no”) </a:t>
-            </a:r>
-            <a:r>
-              <a:rPr lang="en-US" altLang="en-US" dirty="0"/>
-              <a:t>* P(Play? = </a:t>
-            </a:r>
-            <a:r>
-              <a:rPr lang="en-US" altLang="en-US" dirty="0" smtClean="0"/>
-              <a:t>“no”) </a:t>
-            </a:r>
-            <a:r>
-              <a:rPr lang="en-US" altLang="en-US" dirty="0"/>
-              <a:t>/ P(</a:t>
-            </a:r>
-            <a:r>
-              <a:rPr lang="en-US" altLang="en-US" b="1" dirty="0"/>
-              <a:t>X</a:t>
-            </a:r>
-            <a:r>
-              <a:rPr lang="en-US" altLang="en-US" dirty="0" smtClean="0"/>
-              <a:t>)</a:t>
-            </a:r>
-            <a:endParaRPr lang="en-US" altLang="en-US" dirty="0"/>
-          </a:p>
-          <a:p>
-            <a:pPr>
-              <a:spcBef>
-                <a:spcPts val="300"/>
-              </a:spcBef>
-              <a:buNone/>
-            </a:pPr>
-            <a:r>
-              <a:rPr lang="en-US" altLang="en-US" dirty="0" smtClean="0"/>
-              <a:t>= 0.0512 x 0.357 / 0.02915 =  0.63</a:t>
-            </a:r>
-          </a:p>
-          <a:p>
-            <a:pPr>
-              <a:spcBef>
-                <a:spcPts val="300"/>
-              </a:spcBef>
-              <a:buNone/>
-            </a:pPr>
-            <a:endParaRPr lang="en-US" altLang="en-US" dirty="0"/>
-          </a:p>
-          <a:p>
-            <a:pPr>
-              <a:spcBef>
-                <a:spcPts val="300"/>
-              </a:spcBef>
-              <a:buNone/>
-            </a:pPr>
-            <a:r>
-              <a:rPr lang="en-US" altLang="en-US" dirty="0" smtClean="0"/>
-              <a:t>So, the conclusion is </a:t>
-            </a:r>
-            <a:r>
-              <a:rPr lang="en-US" altLang="en-US" i="1" dirty="0" smtClean="0"/>
-              <a:t>Play? = “no”.</a:t>
-            </a:r>
+            <a:endParaRPr lang="en-US" dirty="0"/>
           </a:p>
         </p:txBody>
       </p:sp>
@@ -12502,7 +12086,7 @@
     </p:spTree>
     <p:extLst>
       <p:ext uri="{BB962C8B-B14F-4D97-AF65-F5344CB8AC3E}">
-        <p14:creationId xmlns:p14="http://schemas.microsoft.com/office/powerpoint/2010/main" val="1418584719"/>
+        <p14:creationId xmlns:p14="http://schemas.microsoft.com/office/powerpoint/2010/main" val="1469017126"/>
       </p:ext>
     </p:extLst>
   </p:cSld>
@@ -12545,6 +12129,577 @@
           <a:lstStyle/>
           <a:p>
             <a:r>
+              <a:rPr lang="en-US" altLang="en-US" dirty="0" smtClean="0">
+                <a:latin typeface="Corbel" charset="0"/>
+                <a:ea typeface="Corbel" charset="0"/>
+                <a:cs typeface="Corbel" charset="0"/>
+              </a:rPr>
+              <a:t>P(H|</a:t>
+            </a:r>
+            <a:r>
+              <a:rPr lang="en-US" altLang="en-US" b="1" dirty="0" smtClean="0">
+                <a:latin typeface="Corbel" charset="0"/>
+                <a:ea typeface="Corbel" charset="0"/>
+                <a:cs typeface="Corbel" charset="0"/>
+              </a:rPr>
+              <a:t>X</a:t>
+            </a:r>
+            <a:r>
+              <a:rPr lang="en-US" altLang="en-US" dirty="0" smtClean="0">
+                <a:latin typeface="Corbel" charset="0"/>
+                <a:ea typeface="Corbel" charset="0"/>
+                <a:cs typeface="Corbel" charset="0"/>
+              </a:rPr>
+              <a:t>): Posteriori </a:t>
+            </a:r>
+            <a:r>
+              <a:rPr lang="en-US" altLang="en-US" dirty="0">
+                <a:latin typeface="Corbel" charset="0"/>
+                <a:ea typeface="Corbel" charset="0"/>
+                <a:cs typeface="Corbel" charset="0"/>
+              </a:rPr>
+              <a:t>P</a:t>
+            </a:r>
+            <a:r>
+              <a:rPr lang="en-US" altLang="en-US" dirty="0" smtClean="0">
+                <a:latin typeface="Corbel" charset="0"/>
+                <a:ea typeface="Corbel" charset="0"/>
+                <a:cs typeface="Corbel" charset="0"/>
+              </a:rPr>
+              <a:t>robability</a:t>
+            </a:r>
+            <a:endParaRPr lang="en-US" dirty="0"/>
+          </a:p>
+        </p:txBody>
+      </p:sp>
+      <p:sp>
+        <p:nvSpPr>
+          <p:cNvPr id="3" name="Content Placeholder 2"/>
+          <p:cNvSpPr>
+            <a:spLocks noGrp="1"/>
+          </p:cNvSpPr>
+          <p:nvPr>
+            <p:ph idx="1"/>
+          </p:nvPr>
+        </p:nvSpPr>
+        <p:spPr>
+          <a:xfrm>
+            <a:off x="457200" y="1600200"/>
+            <a:ext cx="8229600" cy="5121275"/>
+          </a:xfrm>
+        </p:spPr>
+        <p:txBody>
+          <a:bodyPr>
+            <a:normAutofit fontScale="70000" lnSpcReduction="20000"/>
+          </a:bodyPr>
+          <a:lstStyle/>
+          <a:p>
+            <a:pPr marL="0" indent="0">
+              <a:spcBef>
+                <a:spcPts val="300"/>
+              </a:spcBef>
+              <a:buNone/>
+            </a:pPr>
+            <a:r>
+              <a:rPr lang="en-US" altLang="en-US" sz="3500" b="1" dirty="0"/>
+              <a:t>X</a:t>
+            </a:r>
+            <a:r>
+              <a:rPr lang="en-US" altLang="en-US" sz="3500" dirty="0"/>
+              <a:t> = </a:t>
+            </a:r>
+            <a:r>
+              <a:rPr lang="en-US" altLang="en-US" sz="3500" dirty="0" smtClean="0"/>
+              <a:t>(Outlook=Rainy, Temperature=Hot, Humidity=High, Windy=“False”)</a:t>
+            </a:r>
+          </a:p>
+          <a:p>
+            <a:pPr marL="0" indent="0">
+              <a:spcBef>
+                <a:spcPts val="300"/>
+              </a:spcBef>
+              <a:buNone/>
+            </a:pPr>
+            <a:r>
+              <a:rPr lang="en-US" altLang="en-US" sz="3500" dirty="0" smtClean="0"/>
+              <a:t>P(</a:t>
+            </a:r>
+            <a:r>
+              <a:rPr lang="en-US" altLang="en-US" sz="3500" b="1" dirty="0" smtClean="0"/>
+              <a:t>X</a:t>
+            </a:r>
+            <a:r>
+              <a:rPr lang="en-US" altLang="en-US" sz="3500" dirty="0" smtClean="0"/>
+              <a:t>) = (5/14) x (4/14) x (7/14) x (8/14) = 0.02915</a:t>
+            </a:r>
+          </a:p>
+          <a:p>
+            <a:pPr marL="0" indent="0">
+              <a:spcBef>
+                <a:spcPts val="300"/>
+              </a:spcBef>
+              <a:buNone/>
+            </a:pPr>
+            <a:endParaRPr lang="en-US" altLang="en-US" sz="3500" dirty="0"/>
+          </a:p>
+          <a:p>
+            <a:pPr>
+              <a:spcBef>
+                <a:spcPts val="300"/>
+              </a:spcBef>
+              <a:buNone/>
+            </a:pPr>
+            <a:r>
+              <a:rPr lang="en-US" altLang="en-US" dirty="0" smtClean="0"/>
+              <a:t>P(</a:t>
+            </a:r>
+            <a:r>
+              <a:rPr lang="en-US" altLang="en-US" b="1" dirty="0" err="1" smtClean="0"/>
+              <a:t>X</a:t>
+            </a:r>
+            <a:r>
+              <a:rPr lang="en-US" altLang="en-US" dirty="0" err="1" smtClean="0"/>
+              <a:t>|C</a:t>
+            </a:r>
+            <a:r>
+              <a:rPr lang="en-US" altLang="en-US" baseline="-25000" dirty="0" err="1" smtClean="0"/>
+              <a:t>i</a:t>
+            </a:r>
+            <a:r>
+              <a:rPr lang="en-US" altLang="en-US" dirty="0" smtClean="0"/>
+              <a:t>):</a:t>
+            </a:r>
+          </a:p>
+          <a:p>
+            <a:pPr>
+              <a:spcBef>
+                <a:spcPts val="300"/>
+              </a:spcBef>
+              <a:buNone/>
+            </a:pPr>
+            <a:r>
+              <a:rPr lang="en-US" altLang="en-US" dirty="0" smtClean="0"/>
+              <a:t>P(</a:t>
+            </a:r>
+            <a:r>
+              <a:rPr lang="en-US" altLang="en-US" b="1" dirty="0" smtClean="0"/>
+              <a:t>X</a:t>
+            </a:r>
+            <a:r>
+              <a:rPr lang="en-US" altLang="en-US" dirty="0" smtClean="0"/>
+              <a:t> | Play? </a:t>
+            </a:r>
+            <a:r>
+              <a:rPr lang="en-US" altLang="en-US" dirty="0"/>
+              <a:t>= “yes”) = </a:t>
+            </a:r>
+            <a:r>
+              <a:rPr lang="en-US" altLang="en-US" dirty="0" smtClean="0"/>
+              <a:t>0.333 </a:t>
+            </a:r>
+            <a:r>
+              <a:rPr lang="en-US" altLang="en-US" dirty="0"/>
+              <a:t>x </a:t>
+            </a:r>
+            <a:r>
+              <a:rPr lang="en-US" altLang="en-US" dirty="0" smtClean="0"/>
+              <a:t>0.222 </a:t>
+            </a:r>
+            <a:r>
+              <a:rPr lang="en-US" altLang="en-US" dirty="0"/>
+              <a:t>x </a:t>
+            </a:r>
+            <a:r>
+              <a:rPr lang="en-US" altLang="en-US" dirty="0" smtClean="0"/>
+              <a:t>0.333 </a:t>
+            </a:r>
+            <a:r>
+              <a:rPr lang="en-US" altLang="en-US" dirty="0"/>
+              <a:t>x 0.667 = </a:t>
+            </a:r>
+            <a:r>
+              <a:rPr lang="en-US" altLang="en-US" dirty="0" smtClean="0"/>
+              <a:t>0.01642</a:t>
+            </a:r>
+          </a:p>
+          <a:p>
+            <a:pPr>
+              <a:spcBef>
+                <a:spcPts val="300"/>
+              </a:spcBef>
+              <a:buNone/>
+            </a:pPr>
+            <a:r>
+              <a:rPr lang="en-US" altLang="en-US" dirty="0" smtClean="0"/>
+              <a:t>P(</a:t>
+            </a:r>
+            <a:r>
+              <a:rPr lang="en-US" altLang="en-US" b="1" dirty="0" smtClean="0"/>
+              <a:t>X</a:t>
+            </a:r>
+            <a:r>
+              <a:rPr lang="en-US" altLang="en-US" dirty="0" smtClean="0"/>
+              <a:t> | Play? = </a:t>
+            </a:r>
+            <a:r>
+              <a:rPr lang="en-US" altLang="en-US" dirty="0"/>
+              <a:t>“no”) = </a:t>
+            </a:r>
+            <a:r>
+              <a:rPr lang="en-US" altLang="en-US" dirty="0" smtClean="0"/>
+              <a:t>0.4 </a:t>
+            </a:r>
+            <a:r>
+              <a:rPr lang="en-US" altLang="en-US" dirty="0"/>
+              <a:t>x </a:t>
+            </a:r>
+            <a:r>
+              <a:rPr lang="en-US" altLang="en-US" dirty="0" smtClean="0"/>
+              <a:t>0.4 </a:t>
+            </a:r>
+            <a:r>
+              <a:rPr lang="en-US" altLang="en-US" dirty="0"/>
+              <a:t>x </a:t>
+            </a:r>
+            <a:r>
+              <a:rPr lang="en-US" altLang="en-US" dirty="0" smtClean="0"/>
+              <a:t>0.8 </a:t>
+            </a:r>
+            <a:r>
+              <a:rPr lang="en-US" altLang="en-US" dirty="0"/>
+              <a:t>x 0.4 = </a:t>
+            </a:r>
+            <a:r>
+              <a:rPr lang="en-US" altLang="en-US" dirty="0" smtClean="0"/>
+              <a:t>0.0512</a:t>
+            </a:r>
+          </a:p>
+          <a:p>
+            <a:pPr>
+              <a:spcBef>
+                <a:spcPts val="300"/>
+              </a:spcBef>
+              <a:buNone/>
+            </a:pPr>
+            <a:endParaRPr lang="en-US" altLang="en-US" dirty="0"/>
+          </a:p>
+          <a:p>
+            <a:pPr>
+              <a:spcBef>
+                <a:spcPts val="300"/>
+              </a:spcBef>
+              <a:buNone/>
+            </a:pPr>
+            <a:r>
+              <a:rPr lang="en-US" altLang="en-US" dirty="0" smtClean="0"/>
+              <a:t>P(</a:t>
+            </a:r>
+            <a:r>
+              <a:rPr lang="en-US" altLang="en-US" dirty="0" err="1"/>
+              <a:t>C</a:t>
+            </a:r>
+            <a:r>
+              <a:rPr lang="en-US" altLang="en-US" baseline="-25000" dirty="0" err="1"/>
+              <a:t>i</a:t>
+            </a:r>
+            <a:r>
+              <a:rPr lang="en-US" altLang="en-US" dirty="0" err="1" smtClean="0"/>
+              <a:t>|</a:t>
+            </a:r>
+            <a:r>
+              <a:rPr lang="en-US" altLang="en-US" b="1" dirty="0" err="1" smtClean="0"/>
+              <a:t>X</a:t>
+            </a:r>
+            <a:r>
+              <a:rPr lang="en-US" altLang="en-US" dirty="0" smtClean="0"/>
+              <a:t>) = P(</a:t>
+            </a:r>
+            <a:r>
+              <a:rPr lang="en-US" altLang="en-US" b="1" dirty="0" err="1" smtClean="0"/>
+              <a:t>X</a:t>
+            </a:r>
+            <a:r>
+              <a:rPr lang="en-US" altLang="en-US" dirty="0" err="1" smtClean="0"/>
+              <a:t>|C</a:t>
+            </a:r>
+            <a:r>
+              <a:rPr lang="en-US" altLang="en-US" baseline="-25000" dirty="0" err="1" smtClean="0"/>
+              <a:t>i</a:t>
+            </a:r>
+            <a:r>
+              <a:rPr lang="en-US" altLang="en-US" dirty="0"/>
+              <a:t>)*P(C</a:t>
+            </a:r>
+            <a:r>
+              <a:rPr lang="en-US" altLang="en-US" baseline="-25000" dirty="0"/>
+              <a:t>i</a:t>
+            </a:r>
+            <a:r>
+              <a:rPr lang="en-US" altLang="en-US" dirty="0" smtClean="0"/>
+              <a:t>)/P(</a:t>
+            </a:r>
+            <a:r>
+              <a:rPr lang="en-US" altLang="en-US" b="1" dirty="0" smtClean="0"/>
+              <a:t>X</a:t>
+            </a:r>
+            <a:r>
+              <a:rPr lang="en-US" altLang="en-US" dirty="0" smtClean="0"/>
+              <a:t>):</a:t>
+            </a:r>
+          </a:p>
+          <a:p>
+            <a:pPr>
+              <a:spcBef>
+                <a:spcPts val="300"/>
+              </a:spcBef>
+              <a:buNone/>
+            </a:pPr>
+            <a:r>
+              <a:rPr lang="en-US" altLang="en-US" dirty="0" smtClean="0"/>
+              <a:t>P(</a:t>
+            </a:r>
+            <a:r>
+              <a:rPr lang="en-US" altLang="en-US" dirty="0"/>
+              <a:t>Play? = “yes</a:t>
+            </a:r>
+            <a:r>
+              <a:rPr lang="en-US" altLang="en-US" dirty="0" smtClean="0"/>
+              <a:t>” | </a:t>
+            </a:r>
+            <a:r>
+              <a:rPr lang="en-US" altLang="en-US" b="1" dirty="0" smtClean="0"/>
+              <a:t>X</a:t>
+            </a:r>
+            <a:r>
+              <a:rPr lang="en-US" altLang="en-US" dirty="0" smtClean="0"/>
+              <a:t>) = P(</a:t>
+            </a:r>
+            <a:r>
+              <a:rPr lang="en-US" altLang="en-US" b="1" dirty="0"/>
+              <a:t>X</a:t>
+            </a:r>
+            <a:r>
+              <a:rPr lang="en-US" altLang="en-US" dirty="0"/>
+              <a:t> </a:t>
+            </a:r>
+            <a:r>
+              <a:rPr lang="en-US" altLang="en-US" dirty="0" smtClean="0"/>
+              <a:t>| Play</a:t>
+            </a:r>
+            <a:r>
+              <a:rPr lang="en-US" altLang="en-US" dirty="0"/>
+              <a:t>? = “yes</a:t>
+            </a:r>
+            <a:r>
+              <a:rPr lang="en-US" altLang="en-US" dirty="0" smtClean="0"/>
+              <a:t>”) * P(Play</a:t>
+            </a:r>
+            <a:r>
+              <a:rPr lang="en-US" altLang="en-US" dirty="0"/>
+              <a:t>? = “yes</a:t>
+            </a:r>
+            <a:r>
+              <a:rPr lang="en-US" altLang="en-US" dirty="0" smtClean="0"/>
+              <a:t>”) / P(</a:t>
+            </a:r>
+            <a:r>
+              <a:rPr lang="en-US" altLang="en-US" b="1" dirty="0" smtClean="0"/>
+              <a:t>X</a:t>
+            </a:r>
+            <a:r>
+              <a:rPr lang="en-US" altLang="en-US" dirty="0" smtClean="0"/>
+              <a:t>)</a:t>
+            </a:r>
+          </a:p>
+          <a:p>
+            <a:pPr>
+              <a:spcBef>
+                <a:spcPts val="300"/>
+              </a:spcBef>
+              <a:buNone/>
+            </a:pPr>
+            <a:r>
+              <a:rPr lang="en-US" altLang="en-US" dirty="0" smtClean="0"/>
+              <a:t>= 0.01642 </a:t>
+            </a:r>
+            <a:r>
+              <a:rPr lang="en-US" altLang="en-US" dirty="0"/>
+              <a:t>x </a:t>
+            </a:r>
+            <a:r>
+              <a:rPr lang="en-US" altLang="en-US" dirty="0" smtClean="0"/>
+              <a:t>0.643 / 0.02915 = 0.36</a:t>
+            </a:r>
+          </a:p>
+          <a:p>
+            <a:pPr>
+              <a:spcBef>
+                <a:spcPts val="300"/>
+              </a:spcBef>
+              <a:buNone/>
+            </a:pPr>
+            <a:r>
+              <a:rPr lang="en-US" altLang="en-US" dirty="0"/>
+              <a:t>P(Play? = </a:t>
+            </a:r>
+            <a:r>
+              <a:rPr lang="en-US" altLang="en-US" dirty="0" smtClean="0"/>
+              <a:t>“no” </a:t>
+            </a:r>
+            <a:r>
+              <a:rPr lang="en-US" altLang="en-US" dirty="0"/>
+              <a:t>| </a:t>
+            </a:r>
+            <a:r>
+              <a:rPr lang="en-US" altLang="en-US" b="1" dirty="0"/>
+              <a:t>X</a:t>
+            </a:r>
+            <a:r>
+              <a:rPr lang="en-US" altLang="en-US" dirty="0"/>
+              <a:t>) = P(</a:t>
+            </a:r>
+            <a:r>
+              <a:rPr lang="en-US" altLang="en-US" b="1" dirty="0"/>
+              <a:t>X</a:t>
+            </a:r>
+            <a:r>
+              <a:rPr lang="en-US" altLang="en-US" dirty="0"/>
+              <a:t> | Play? = </a:t>
+            </a:r>
+            <a:r>
+              <a:rPr lang="en-US" altLang="en-US" dirty="0" smtClean="0"/>
+              <a:t>“no”) </a:t>
+            </a:r>
+            <a:r>
+              <a:rPr lang="en-US" altLang="en-US" dirty="0"/>
+              <a:t>* P(Play? = </a:t>
+            </a:r>
+            <a:r>
+              <a:rPr lang="en-US" altLang="en-US" dirty="0" smtClean="0"/>
+              <a:t>“no”) </a:t>
+            </a:r>
+            <a:r>
+              <a:rPr lang="en-US" altLang="en-US" dirty="0"/>
+              <a:t>/ P(</a:t>
+            </a:r>
+            <a:r>
+              <a:rPr lang="en-US" altLang="en-US" b="1" dirty="0"/>
+              <a:t>X</a:t>
+            </a:r>
+            <a:r>
+              <a:rPr lang="en-US" altLang="en-US" dirty="0" smtClean="0"/>
+              <a:t>)</a:t>
+            </a:r>
+            <a:endParaRPr lang="en-US" altLang="en-US" dirty="0"/>
+          </a:p>
+          <a:p>
+            <a:pPr>
+              <a:spcBef>
+                <a:spcPts val="300"/>
+              </a:spcBef>
+              <a:buNone/>
+            </a:pPr>
+            <a:r>
+              <a:rPr lang="en-US" altLang="en-US" dirty="0" smtClean="0"/>
+              <a:t>= 0.0512 x 0.357 / 0.02915 =  0.63</a:t>
+            </a:r>
+          </a:p>
+          <a:p>
+            <a:pPr>
+              <a:spcBef>
+                <a:spcPts val="300"/>
+              </a:spcBef>
+              <a:buNone/>
+            </a:pPr>
+            <a:endParaRPr lang="en-US" altLang="en-US" dirty="0"/>
+          </a:p>
+          <a:p>
+            <a:pPr>
+              <a:spcBef>
+                <a:spcPts val="300"/>
+              </a:spcBef>
+              <a:buNone/>
+            </a:pPr>
+            <a:r>
+              <a:rPr lang="en-US" altLang="en-US" dirty="0" smtClean="0"/>
+              <a:t>So, the conclusion is </a:t>
+            </a:r>
+            <a:r>
+              <a:rPr lang="en-US" altLang="en-US" i="1" dirty="0" smtClean="0"/>
+              <a:t>Play? = “no”.</a:t>
+            </a:r>
+          </a:p>
+        </p:txBody>
+      </p:sp>
+      <p:sp>
+        <p:nvSpPr>
+          <p:cNvPr id="4" name="Slide Number Placeholder 3"/>
+          <p:cNvSpPr>
+            <a:spLocks noGrp="1"/>
+          </p:cNvSpPr>
+          <p:nvPr>
+            <p:ph type="sldNum" sz="quarter" idx="12"/>
+          </p:nvPr>
+        </p:nvSpPr>
+        <p:spPr/>
+        <p:txBody>
+          <a:bodyPr/>
+          <a:lstStyle/>
+          <a:p>
+            <a:fld id="{18A68613-FF0B-4246-B613-8295211CFAFA}" type="slidenum">
+              <a:rPr lang="en-US" smtClean="0"/>
+              <a:t>13</a:t>
+            </a:fld>
+            <a:endParaRPr lang="en-US"/>
+          </a:p>
+        </p:txBody>
+      </p:sp>
+    </p:spTree>
+    <p:extLst>
+      <p:ext uri="{BB962C8B-B14F-4D97-AF65-F5344CB8AC3E}">
+        <p14:creationId xmlns:p14="http://schemas.microsoft.com/office/powerpoint/2010/main" val="1418584719"/>
+      </p:ext>
+    </p:extLst>
+  </p:cSld>
+  <p:clrMapOvr>
+    <a:masterClrMapping/>
+  </p:clrMapOvr>
+</p:sld>
+</file>
+
+<file path=ppt/slides/slide14.xml><?xml version="1.0" encoding="utf-8"?>
+<p:sld xmlns:a="http://schemas.openxmlformats.org/drawingml/2006/main" xmlns:r="http://schemas.openxmlformats.org/officeDocument/2006/relationships" xmlns:p="http://schemas.openxmlformats.org/presentationml/2006/main">
+  <p:cSld>
+    <p:spTree>
+      <p:nvGrpSpPr>
+        <p:cNvPr id="1" name=""/>
+        <p:cNvGrpSpPr/>
+        <p:nvPr/>
+      </p:nvGrpSpPr>
+      <p:grpSpPr>
+        <a:xfrm>
+          <a:off x="0" y="0"/>
+          <a:ext cx="0" cy="0"/>
+          <a:chOff x="0" y="0"/>
+          <a:chExt cx="0" cy="0"/>
+        </a:xfrm>
+      </p:grpSpPr>
+      <p:sp>
+        <p:nvSpPr>
+          <p:cNvPr id="2" name="Title 1"/>
+          <p:cNvSpPr>
+            <a:spLocks noGrp="1"/>
+          </p:cNvSpPr>
+          <p:nvPr>
+            <p:ph type="title"/>
+          </p:nvPr>
+        </p:nvSpPr>
+        <p:spPr/>
+        <p:txBody>
+          <a:bodyPr/>
+          <a:lstStyle/>
+          <a:p>
+            <a:r>
               <a:rPr lang="en-US" altLang="zh-CN" dirty="0" smtClean="0"/>
               <a:t>Call Back: Decision Tree-Prediction</a:t>
             </a:r>
@@ -13051,7 +13206,7 @@
           <a:p>
             <a:fld id="{18A68613-FF0B-4246-B613-8295211CFAFA}" type="slidenum">
               <a:rPr lang="en-US" smtClean="0"/>
-              <a:t>13</a:t>
+              <a:t>14</a:t>
             </a:fld>
             <a:endParaRPr lang="en-US"/>
           </a:p>
@@ -13181,7 +13336,7 @@
 </p:sld>
 </file>
 
-<file path=ppt/slides/slide14.xml><?xml version="1.0" encoding="utf-8"?>
+<file path=ppt/slides/slide15.xml><?xml version="1.0" encoding="utf-8"?>
 <p:sld xmlns:a="http://schemas.openxmlformats.org/drawingml/2006/main" xmlns:r="http://schemas.openxmlformats.org/officeDocument/2006/relationships" xmlns:p="http://schemas.openxmlformats.org/presentationml/2006/main">
   <p:cSld>
     <p:spTree>
@@ -13272,7 +13427,7 @@
           <a:p>
             <a:fld id="{18A68613-FF0B-4246-B613-8295211CFAFA}" type="slidenum">
               <a:rPr lang="en-US" smtClean="0"/>
-              <a:t>14</a:t>
+              <a:t>15</a:t>
             </a:fld>
             <a:endParaRPr lang="en-US"/>
           </a:p>
@@ -20528,7 +20683,7 @@
 </p:sld>
 </file>
 
-<file path=ppt/slides/slide15.xml><?xml version="1.0" encoding="utf-8"?>
+<file path=ppt/slides/slide16.xml><?xml version="1.0" encoding="utf-8"?>
 <p:sld xmlns:a="http://schemas.openxmlformats.org/drawingml/2006/main" xmlns:r="http://schemas.openxmlformats.org/officeDocument/2006/relationships" xmlns:p="http://schemas.openxmlformats.org/presentationml/2006/main">
   <p:cSld>
     <p:spTree>
@@ -20735,7 +20890,7 @@
           <a:p>
             <a:fld id="{18A68613-FF0B-4246-B613-8295211CFAFA}" type="slidenum">
               <a:rPr lang="en-US" smtClean="0"/>
-              <a:t>15</a:t>
+              <a:t>16</a:t>
             </a:fld>
             <a:endParaRPr lang="en-US"/>
           </a:p>
@@ -20763,7 +20918,7 @@
           <a:graphicData uri="http://schemas.openxmlformats.org/presentationml/2006/ole">
             <mc:AlternateContent xmlns:mc="http://schemas.openxmlformats.org/markup-compatibility/2006">
               <mc:Choice xmlns:v="urn:schemas-microsoft-com:vml" Requires="v">
-                <p:oleObj spid="_x0000_s48256" name="Equation" r:id="rId3" imgW="1765300" imgH="508000" progId="Equation.3">
+                <p:oleObj spid="_x0000_s48262" name="Equation" r:id="rId3" imgW="1765300" imgH="508000" progId="Equation.3">
                   <p:embed/>
                 </p:oleObj>
               </mc:Choice>
@@ -20826,266 +20981,6 @@
 </p:sld>
 </file>
 
-<file path=ppt/slides/slide16.xml><?xml version="1.0" encoding="utf-8"?>
-<p:sld xmlns:a="http://schemas.openxmlformats.org/drawingml/2006/main" xmlns:r="http://schemas.openxmlformats.org/officeDocument/2006/relationships" xmlns:p="http://schemas.openxmlformats.org/presentationml/2006/main">
-  <p:cSld>
-    <p:spTree>
-      <p:nvGrpSpPr>
-        <p:cNvPr id="1" name=""/>
-        <p:cNvGrpSpPr/>
-        <p:nvPr/>
-      </p:nvGrpSpPr>
-      <p:grpSpPr>
-        <a:xfrm>
-          <a:off x="0" y="0"/>
-          <a:ext cx="0" cy="0"/>
-          <a:chOff x="0" y="0"/>
-          <a:chExt cx="0" cy="0"/>
-        </a:xfrm>
-      </p:grpSpPr>
-      <p:sp>
-        <p:nvSpPr>
-          <p:cNvPr id="2" name="Title 1"/>
-          <p:cNvSpPr>
-            <a:spLocks noGrp="1"/>
-          </p:cNvSpPr>
-          <p:nvPr>
-            <p:ph type="title"/>
-          </p:nvPr>
-        </p:nvSpPr>
-        <p:spPr/>
-        <p:txBody>
-          <a:bodyPr/>
-          <a:lstStyle/>
-          <a:p>
-            <a:r>
-              <a:rPr lang="en-US" altLang="en-US" dirty="0"/>
-              <a:t>Naïve Bayes Classifier: Comments</a:t>
-            </a:r>
-            <a:endParaRPr lang="en-US" dirty="0"/>
-          </a:p>
-        </p:txBody>
-      </p:sp>
-      <p:sp>
-        <p:nvSpPr>
-          <p:cNvPr id="3" name="Content Placeholder 2"/>
-          <p:cNvSpPr>
-            <a:spLocks noGrp="1"/>
-          </p:cNvSpPr>
-          <p:nvPr>
-            <p:ph idx="1"/>
-          </p:nvPr>
-        </p:nvSpPr>
-        <p:spPr>
-          <a:xfrm>
-            <a:off x="457200" y="1600200"/>
-            <a:ext cx="8229600" cy="5121275"/>
-          </a:xfrm>
-        </p:spPr>
-        <p:txBody>
-          <a:bodyPr>
-            <a:normAutofit/>
-          </a:bodyPr>
-          <a:lstStyle/>
-          <a:p>
-            <a:pPr>
-              <a:lnSpc>
-                <a:spcPct val="90000"/>
-              </a:lnSpc>
-            </a:pPr>
-            <a:r>
-              <a:rPr lang="en-US" altLang="en-US" sz="2400" dirty="0"/>
-              <a:t>Advantages </a:t>
-            </a:r>
-          </a:p>
-          <a:p>
-            <a:pPr lvl="1">
-              <a:lnSpc>
-                <a:spcPct val="90000"/>
-              </a:lnSpc>
-            </a:pPr>
-            <a:r>
-              <a:rPr lang="en-US" altLang="en-US" sz="2400" dirty="0"/>
-              <a:t>Easy to implement </a:t>
-            </a:r>
-          </a:p>
-          <a:p>
-            <a:pPr lvl="1">
-              <a:lnSpc>
-                <a:spcPct val="90000"/>
-              </a:lnSpc>
-            </a:pPr>
-            <a:r>
-              <a:rPr lang="en-US" altLang="en-US" sz="2400" dirty="0"/>
-              <a:t>Good results obtained in most of the cases</a:t>
-            </a:r>
-          </a:p>
-          <a:p>
-            <a:pPr>
-              <a:lnSpc>
-                <a:spcPct val="90000"/>
-              </a:lnSpc>
-            </a:pPr>
-            <a:r>
-              <a:rPr lang="en-US" altLang="en-US" sz="2400" dirty="0"/>
-              <a:t>Disadvantages</a:t>
-            </a:r>
-          </a:p>
-          <a:p>
-            <a:pPr lvl="1">
-              <a:lnSpc>
-                <a:spcPct val="90000"/>
-              </a:lnSpc>
-            </a:pPr>
-            <a:r>
-              <a:rPr lang="en-US" altLang="en-US" sz="2400" dirty="0"/>
-              <a:t>Assumption: class conditional independence, therefore loss of accuracy</a:t>
-            </a:r>
-          </a:p>
-          <a:p>
-            <a:pPr lvl="1">
-              <a:lnSpc>
-                <a:spcPct val="90000"/>
-              </a:lnSpc>
-            </a:pPr>
-            <a:r>
-              <a:rPr lang="en-US" altLang="en-US" sz="2400" dirty="0"/>
-              <a:t>Practically, dependencies exist among variables </a:t>
-            </a:r>
-          </a:p>
-          <a:p>
-            <a:pPr lvl="2">
-              <a:lnSpc>
-                <a:spcPct val="90000"/>
-              </a:lnSpc>
-            </a:pPr>
-            <a:r>
-              <a:rPr lang="en-US" altLang="en-US" dirty="0"/>
-              <a:t>E.g</a:t>
-            </a:r>
-            <a:r>
-              <a:rPr lang="en-US" altLang="en-US" dirty="0" smtClean="0"/>
-              <a:t>., Hospital-patient data</a:t>
-            </a:r>
-            <a:endParaRPr lang="zh-CN" altLang="en-US" dirty="0" smtClean="0"/>
-          </a:p>
-          <a:p>
-            <a:pPr lvl="3">
-              <a:lnSpc>
-                <a:spcPct val="90000"/>
-              </a:lnSpc>
-            </a:pPr>
-            <a:r>
-              <a:rPr lang="en-US" altLang="en-US" dirty="0" smtClean="0"/>
-              <a:t>P</a:t>
-            </a:r>
-            <a:r>
-              <a:rPr lang="en-US" altLang="en-US" dirty="0" smtClean="0"/>
-              <a:t>atient profile</a:t>
-            </a:r>
-            <a:r>
-              <a:rPr lang="en-US" altLang="en-US" dirty="0"/>
-              <a:t>: age, family history, </a:t>
-            </a:r>
-            <a:r>
-              <a:rPr lang="en-US" altLang="en-US" dirty="0" smtClean="0"/>
-              <a:t>etc.</a:t>
-            </a:r>
-            <a:endParaRPr lang="zh-CN" altLang="en-US" dirty="0"/>
-          </a:p>
-          <a:p>
-            <a:pPr lvl="3">
-              <a:lnSpc>
-                <a:spcPct val="90000"/>
-              </a:lnSpc>
-            </a:pPr>
-            <a:r>
-              <a:rPr lang="en-US" altLang="en-US" dirty="0" smtClean="0"/>
-              <a:t>Symptoms</a:t>
-            </a:r>
-            <a:r>
-              <a:rPr lang="en-US" altLang="en-US" dirty="0"/>
-              <a:t>: fever, </a:t>
-            </a:r>
-            <a:r>
-              <a:rPr lang="en-US" altLang="en-US" dirty="0" smtClean="0"/>
-              <a:t>cough, </a:t>
-            </a:r>
-            <a:r>
-              <a:rPr lang="en-US" altLang="en-US" dirty="0" smtClean="0"/>
-              <a:t>etc.</a:t>
-            </a:r>
-            <a:endParaRPr lang="zh-CN" altLang="en-US" dirty="0" smtClean="0"/>
-          </a:p>
-          <a:p>
-            <a:pPr lvl="3">
-              <a:lnSpc>
-                <a:spcPct val="90000"/>
-              </a:lnSpc>
-            </a:pPr>
-            <a:r>
-              <a:rPr lang="en-US" altLang="en-US" dirty="0" smtClean="0"/>
-              <a:t>Disease</a:t>
-            </a:r>
-            <a:r>
-              <a:rPr lang="en-US" altLang="en-US" dirty="0"/>
-              <a:t>: lung cancer, diabetes, etc. </a:t>
-            </a:r>
-          </a:p>
-          <a:p>
-            <a:pPr lvl="2">
-              <a:lnSpc>
-                <a:spcPct val="90000"/>
-              </a:lnSpc>
-            </a:pPr>
-            <a:r>
-              <a:rPr lang="en-US" altLang="en-US" dirty="0"/>
-              <a:t>Dependencies among these cannot be modeled by Naïve Bayes </a:t>
-            </a:r>
-            <a:r>
-              <a:rPr lang="en-US" altLang="en-US" dirty="0" smtClean="0"/>
-              <a:t>Classifier</a:t>
-            </a:r>
-            <a:endParaRPr lang="en-US" altLang="en-US" dirty="0"/>
-          </a:p>
-        </p:txBody>
-      </p:sp>
-      <p:sp>
-        <p:nvSpPr>
-          <p:cNvPr id="4" name="Slide Number Placeholder 3"/>
-          <p:cNvSpPr>
-            <a:spLocks noGrp="1"/>
-          </p:cNvSpPr>
-          <p:nvPr>
-            <p:ph type="sldNum" sz="quarter" idx="12"/>
-          </p:nvPr>
-        </p:nvSpPr>
-        <p:spPr/>
-        <p:txBody>
-          <a:bodyPr/>
-          <a:lstStyle/>
-          <a:p>
-            <a:fld id="{18A68613-FF0B-4246-B613-8295211CFAFA}" type="slidenum">
-              <a:rPr lang="en-US" smtClean="0"/>
-              <a:t>16</a:t>
-            </a:fld>
-            <a:endParaRPr lang="en-US"/>
-          </a:p>
-        </p:txBody>
-      </p:sp>
-    </p:spTree>
-    <p:extLst>
-      <p:ext uri="{BB962C8B-B14F-4D97-AF65-F5344CB8AC3E}">
-        <p14:creationId xmlns:p14="http://schemas.microsoft.com/office/powerpoint/2010/main" val="2110145124"/>
-      </p:ext>
-    </p:extLst>
-  </p:cSld>
-  <p:clrMapOvr>
-    <a:masterClrMapping/>
-  </p:clrMapOvr>
-</p:sld>
-</file>
-
 <file path=ppt/slides/slide17.xml><?xml version="1.0" encoding="utf-8"?>
 <p:sld xmlns:a="http://schemas.openxmlformats.org/drawingml/2006/main" xmlns:r="http://schemas.openxmlformats.org/officeDocument/2006/relationships" xmlns:p="http://schemas.openxmlformats.org/presentationml/2006/main">
   <p:cSld>
@@ -21119,8 +21014,8 @@
           <a:lstStyle/>
           <a:p>
             <a:r>
-              <a:rPr lang="en-US" altLang="zh-CN" smtClean="0"/>
-              <a:t>References</a:t>
+              <a:rPr lang="en-US" altLang="en-US" dirty="0"/>
+              <a:t>Naïve Bayes Classifier: Comments</a:t>
             </a:r>
             <a:endParaRPr lang="en-US" dirty="0"/>
           </a:p>
@@ -21136,176 +21031,169 @@
             <p:ph idx="1"/>
           </p:nvPr>
         </p:nvSpPr>
-        <p:spPr/>
+        <p:spPr>
+          <a:xfrm>
+            <a:off x="457200" y="1600200"/>
+            <a:ext cx="8229600" cy="5121275"/>
+          </a:xfrm>
+        </p:spPr>
         <p:txBody>
           <a:bodyPr>
-            <a:noAutofit/>
+            <a:normAutofit/>
           </a:bodyPr>
           <a:lstStyle/>
           <a:p>
-            <a:r>
-              <a:rPr lang="en-US" altLang="en-US" sz="1600" dirty="0" smtClean="0"/>
-              <a:t>C. </a:t>
-            </a:r>
-            <a:r>
-              <a:rPr lang="en-US" altLang="en-US" sz="1600" dirty="0" err="1" smtClean="0"/>
-              <a:t>Apte</a:t>
-            </a:r>
-            <a:r>
-              <a:rPr lang="en-US" altLang="en-US" sz="1600" dirty="0" smtClean="0"/>
-              <a:t> and S. Weiss. Data mining with decision trees and decision rules. Future Generation Computer Systems, 13, 1997</a:t>
+            <a:pPr>
+              <a:lnSpc>
+                <a:spcPct val="90000"/>
+              </a:lnSpc>
+            </a:pPr>
+            <a:r>
+              <a:rPr lang="en-US" altLang="en-US" sz="2400" dirty="0"/>
+              <a:t>Advantages </a:t>
             </a:r>
           </a:p>
           <a:p>
-            <a:r>
-              <a:rPr lang="en-US" altLang="en-US" sz="1600" dirty="0" smtClean="0"/>
-              <a:t>P. K. Chan and S. J. </a:t>
-            </a:r>
-            <a:r>
-              <a:rPr lang="en-US" altLang="en-US" sz="1600" dirty="0" err="1" smtClean="0"/>
-              <a:t>Stolfo</a:t>
-            </a:r>
-            <a:r>
-              <a:rPr lang="en-US" altLang="en-US" sz="1600" dirty="0" smtClean="0"/>
-              <a:t>. Learning arbiter and combiner trees from partitioned data for scaling machine learning. KDD'95</a:t>
+            <a:pPr lvl="1">
+              <a:lnSpc>
+                <a:spcPct val="90000"/>
+              </a:lnSpc>
+            </a:pPr>
+            <a:r>
+              <a:rPr lang="en-US" altLang="en-US" sz="2400" dirty="0"/>
+              <a:t>Easy to implement </a:t>
             </a:r>
           </a:p>
           <a:p>
-            <a:r>
-              <a:rPr lang="en-US" altLang="en-US" sz="1600" dirty="0" smtClean="0"/>
-              <a:t>A. J. Dobson.  An Introduction to Generalized Linear Models.  Chapman &amp; Hall, 1990.</a:t>
+            <a:pPr lvl="1">
+              <a:lnSpc>
+                <a:spcPct val="90000"/>
+              </a:lnSpc>
+            </a:pPr>
+            <a:r>
+              <a:rPr lang="en-US" altLang="en-US" sz="2400" dirty="0"/>
+              <a:t>Good results obtained in most of the cases</a:t>
             </a:r>
           </a:p>
           <a:p>
-            <a:r>
-              <a:rPr lang="en-US" altLang="en-US" sz="1600" dirty="0" smtClean="0"/>
-              <a:t>R. O. </a:t>
-            </a:r>
-            <a:r>
-              <a:rPr lang="en-US" altLang="en-US" sz="1600" dirty="0" err="1" smtClean="0"/>
-              <a:t>Duda</a:t>
-            </a:r>
-            <a:r>
-              <a:rPr lang="en-US" altLang="en-US" sz="1600" dirty="0" smtClean="0"/>
-              <a:t>, P. E. Hart, and D. G. Stork. Pattern Classification, 2ed. John Wiley, 2001</a:t>
+            <a:pPr>
+              <a:lnSpc>
+                <a:spcPct val="90000"/>
+              </a:lnSpc>
+            </a:pPr>
+            <a:r>
+              <a:rPr lang="en-US" altLang="en-US" sz="2400" dirty="0"/>
+              <a:t>Disadvantages</a:t>
             </a:r>
           </a:p>
           <a:p>
-            <a:r>
-              <a:rPr lang="en-US" altLang="en-US" sz="1600" dirty="0" smtClean="0"/>
-              <a:t>U. M. Fayyad. Branching on attribute values in decision tree generation. AAAI’94.</a:t>
+            <a:pPr lvl="1">
+              <a:lnSpc>
+                <a:spcPct val="90000"/>
+              </a:lnSpc>
+            </a:pPr>
+            <a:r>
+              <a:rPr lang="en-US" altLang="en-US" sz="2400" dirty="0"/>
+              <a:t>Assumption: class conditional independence, therefore loss of accuracy</a:t>
             </a:r>
           </a:p>
           <a:p>
-            <a:r>
-              <a:rPr lang="en-US" altLang="en-US" sz="1600" dirty="0" smtClean="0"/>
-              <a:t>Y. Freund and R. E. </a:t>
-            </a:r>
-            <a:r>
-              <a:rPr lang="en-US" altLang="en-US" sz="1600" dirty="0" err="1" smtClean="0"/>
-              <a:t>Schapire</a:t>
-            </a:r>
-            <a:r>
-              <a:rPr lang="en-US" altLang="en-US" sz="1600" dirty="0" smtClean="0"/>
-              <a:t>. A decision-theoretic generalization of on-line learning and an  application to boosting. J. Computer and System Sciences, 1997.</a:t>
+            <a:pPr lvl="1">
+              <a:lnSpc>
+                <a:spcPct val="90000"/>
+              </a:lnSpc>
+            </a:pPr>
+            <a:r>
+              <a:rPr lang="en-US" altLang="en-US" sz="2400" dirty="0"/>
+              <a:t>Practically, dependencies exist among variables </a:t>
             </a:r>
           </a:p>
           <a:p>
-            <a:r>
-              <a:rPr lang="en-US" altLang="en-US" sz="1600" dirty="0" smtClean="0"/>
-              <a:t>J. </a:t>
-            </a:r>
-            <a:r>
-              <a:rPr lang="en-US" altLang="en-US" sz="1600" dirty="0" err="1" smtClean="0"/>
-              <a:t>Gehrke</a:t>
-            </a:r>
-            <a:r>
-              <a:rPr lang="en-US" altLang="en-US" sz="1600" dirty="0" smtClean="0"/>
-              <a:t>, R. </a:t>
-            </a:r>
-            <a:r>
-              <a:rPr lang="en-US" altLang="en-US" sz="1600" dirty="0" err="1" smtClean="0"/>
-              <a:t>Ramakrishnan</a:t>
-            </a:r>
-            <a:r>
-              <a:rPr lang="en-US" altLang="en-US" sz="1600" dirty="0" smtClean="0"/>
-              <a:t>, and V. </a:t>
-            </a:r>
-            <a:r>
-              <a:rPr lang="en-US" altLang="en-US" sz="1600" dirty="0" err="1" smtClean="0"/>
-              <a:t>Ganti</a:t>
-            </a:r>
-            <a:r>
-              <a:rPr lang="en-US" altLang="en-US" sz="1600" dirty="0" smtClean="0"/>
-              <a:t>. Rainforest: A framework for fast decision tree construction of large datasets. VLDB’98.</a:t>
-            </a:r>
+            <a:pPr lvl="2">
+              <a:lnSpc>
+                <a:spcPct val="90000"/>
+              </a:lnSpc>
+            </a:pPr>
+            <a:r>
+              <a:rPr lang="en-US" altLang="en-US" dirty="0"/>
+              <a:t>E.g</a:t>
+            </a:r>
+            <a:r>
+              <a:rPr lang="en-US" altLang="en-US" dirty="0" smtClean="0"/>
+              <a:t>., Hospital-patient data</a:t>
+            </a:r>
+            <a:endParaRPr lang="zh-CN" altLang="en-US" dirty="0" smtClean="0"/>
           </a:p>
           <a:p>
-            <a:r>
-              <a:rPr lang="en-US" altLang="en-US" sz="1600" dirty="0" smtClean="0"/>
-              <a:t>J. </a:t>
-            </a:r>
-            <a:r>
-              <a:rPr lang="en-US" altLang="en-US" sz="1600" dirty="0" err="1" smtClean="0"/>
-              <a:t>Gehrke</a:t>
-            </a:r>
-            <a:r>
-              <a:rPr lang="en-US" altLang="en-US" sz="1600" dirty="0" smtClean="0"/>
-              <a:t>, V. Gant, R. </a:t>
-            </a:r>
-            <a:r>
-              <a:rPr lang="en-US" altLang="en-US" sz="1600" dirty="0" err="1" smtClean="0"/>
-              <a:t>Ramakrishnan</a:t>
-            </a:r>
-            <a:r>
-              <a:rPr lang="en-US" altLang="en-US" sz="1600" dirty="0" smtClean="0"/>
-              <a:t>, and W.-Y. </a:t>
-            </a:r>
-            <a:r>
-              <a:rPr lang="en-US" altLang="en-US" sz="1600" dirty="0" err="1" smtClean="0"/>
-              <a:t>Loh</a:t>
-            </a:r>
-            <a:r>
-              <a:rPr lang="en-US" altLang="en-US" sz="1600" dirty="0" smtClean="0"/>
-              <a:t>, BOAT -- Optimistic Decision Tree Construction. SIGMOD'99.</a:t>
-            </a:r>
+            <a:pPr lvl="3">
+              <a:lnSpc>
+                <a:spcPct val="90000"/>
+              </a:lnSpc>
+            </a:pPr>
+            <a:r>
+              <a:rPr lang="en-US" altLang="en-US" dirty="0" smtClean="0"/>
+              <a:t>Patient profile</a:t>
+            </a:r>
+            <a:r>
+              <a:rPr lang="en-US" altLang="en-US" dirty="0"/>
+              <a:t>: age, family history, </a:t>
+            </a:r>
+            <a:r>
+              <a:rPr lang="en-US" altLang="en-US" dirty="0" smtClean="0"/>
+              <a:t>etc.</a:t>
+            </a:r>
+            <a:endParaRPr lang="zh-CN" altLang="en-US" dirty="0"/>
           </a:p>
           <a:p>
-            <a:r>
-              <a:rPr lang="en-US" altLang="en-US" sz="1600" dirty="0" smtClean="0"/>
-              <a:t>T. Hastie, R. </a:t>
-            </a:r>
-            <a:r>
-              <a:rPr lang="en-US" altLang="en-US" sz="1600" dirty="0" err="1" smtClean="0"/>
-              <a:t>Tibshirani</a:t>
-            </a:r>
-            <a:r>
-              <a:rPr lang="en-US" altLang="en-US" sz="1600" dirty="0" smtClean="0"/>
-              <a:t>, and J. Friedman. The Elements of Statistical Learning: Data Mining, Inference,  and Prediction. Springer-</a:t>
-            </a:r>
-            <a:r>
-              <a:rPr lang="en-US" altLang="en-US" sz="1600" dirty="0" err="1" smtClean="0"/>
-              <a:t>Verlag</a:t>
-            </a:r>
-            <a:r>
-              <a:rPr lang="en-US" altLang="en-US" sz="1600" dirty="0" smtClean="0"/>
-              <a:t>, 2001.</a:t>
-            </a:r>
+            <a:pPr lvl="3">
+              <a:lnSpc>
+                <a:spcPct val="90000"/>
+              </a:lnSpc>
+            </a:pPr>
+            <a:r>
+              <a:rPr lang="en-US" altLang="en-US" dirty="0" smtClean="0"/>
+              <a:t>Symptoms</a:t>
+            </a:r>
+            <a:r>
+              <a:rPr lang="en-US" altLang="en-US" dirty="0"/>
+              <a:t>: fever, </a:t>
+            </a:r>
+            <a:r>
+              <a:rPr lang="en-US" altLang="en-US" dirty="0" smtClean="0"/>
+              <a:t>cough, etc.</a:t>
+            </a:r>
+            <a:endParaRPr lang="zh-CN" altLang="en-US" dirty="0" smtClean="0"/>
           </a:p>
           <a:p>
-            <a:r>
-              <a:rPr lang="en-US" altLang="en-US" sz="1600" dirty="0" smtClean="0"/>
-              <a:t>T.-S. Lim, W.-Y. </a:t>
-            </a:r>
-            <a:r>
-              <a:rPr lang="en-US" altLang="en-US" sz="1600" dirty="0" err="1" smtClean="0"/>
-              <a:t>Loh</a:t>
-            </a:r>
-            <a:r>
-              <a:rPr lang="en-US" altLang="en-US" sz="1600" dirty="0" smtClean="0"/>
-              <a:t>, and Y.-S. Shih. A comparison of prediction accuracy, complexity, and training time of  thirty-three old and new classification algorithms.  Machine Learning, 2000</a:t>
-            </a:r>
-            <a:endParaRPr lang="en-US" altLang="en-US" sz="1600" dirty="0"/>
+            <a:pPr lvl="3">
+              <a:lnSpc>
+                <a:spcPct val="90000"/>
+              </a:lnSpc>
+            </a:pPr>
+            <a:r>
+              <a:rPr lang="en-US" altLang="en-US" dirty="0" smtClean="0"/>
+              <a:t>Disease</a:t>
+            </a:r>
+            <a:r>
+              <a:rPr lang="en-US" altLang="en-US" dirty="0"/>
+              <a:t>: lung cancer, diabetes, etc. </a:t>
+            </a:r>
+          </a:p>
+          <a:p>
+            <a:pPr lvl="2">
+              <a:lnSpc>
+                <a:spcPct val="90000"/>
+              </a:lnSpc>
+            </a:pPr>
+            <a:r>
+              <a:rPr lang="en-US" altLang="en-US" dirty="0"/>
+              <a:t>Dependencies among these cannot be modeled by Naïve Bayes </a:t>
+            </a:r>
+            <a:r>
+              <a:rPr lang="en-US" altLang="en-US" dirty="0" smtClean="0"/>
+              <a:t>Classifier</a:t>
+            </a:r>
+            <a:endParaRPr lang="en-US" altLang="en-US" dirty="0"/>
           </a:p>
         </p:txBody>
       </p:sp>
@@ -21326,7 +21214,6 @@
           <a:p>
             <a:fld id="{18A68613-FF0B-4246-B613-8295211CFAFA}" type="slidenum">
               <a:rPr lang="en-US" smtClean="0"/>
-              <a:pPr/>
               <a:t>17</a:t>
             </a:fld>
             <a:endParaRPr lang="en-US"/>
@@ -21336,7 +21223,7 @@
     </p:spTree>
     <p:extLst>
       <p:ext uri="{BB962C8B-B14F-4D97-AF65-F5344CB8AC3E}">
-        <p14:creationId xmlns:p14="http://schemas.microsoft.com/office/powerpoint/2010/main" val="324530115"/>
+        <p14:creationId xmlns:p14="http://schemas.microsoft.com/office/powerpoint/2010/main" val="2110145124"/>
       </p:ext>
     </p:extLst>
   </p:cSld>
@@ -21379,16 +21266,169 @@
           <a:lstStyle/>
           <a:p>
             <a:r>
+              <a:rPr lang="en-US" altLang="zh-CN" dirty="0" smtClean="0"/>
+              <a:t>Project</a:t>
+            </a:r>
+            <a:r>
+              <a:rPr lang="zh-CN" altLang="en-US" dirty="0" smtClean="0"/>
+              <a:t> </a:t>
+            </a:r>
+            <a:r>
+              <a:rPr lang="en-US" altLang="zh-CN" dirty="0" smtClean="0"/>
+              <a:t>Demo:</a:t>
+            </a:r>
+            <a:r>
+              <a:rPr lang="zh-CN" altLang="en-US" dirty="0" smtClean="0"/>
+              <a:t> </a:t>
+            </a:r>
+            <a:r>
+              <a:rPr lang="en-US" altLang="zh-CN" dirty="0" smtClean="0"/>
+              <a:t>Paper</a:t>
+            </a:r>
+            <a:r>
+              <a:rPr lang="zh-CN" altLang="en-US" dirty="0" smtClean="0"/>
+              <a:t> </a:t>
+            </a:r>
+            <a:r>
+              <a:rPr lang="en-US" altLang="zh-CN" dirty="0" smtClean="0"/>
+              <a:t>Classification</a:t>
+            </a:r>
+            <a:endParaRPr lang="en-US" dirty="0"/>
+          </a:p>
+        </p:txBody>
+      </p:sp>
+      <p:sp>
+        <p:nvSpPr>
+          <p:cNvPr id="3" name="Content Placeholder 2"/>
+          <p:cNvSpPr>
+            <a:spLocks noGrp="1"/>
+          </p:cNvSpPr>
+          <p:nvPr>
+            <p:ph idx="1"/>
+          </p:nvPr>
+        </p:nvSpPr>
+        <p:spPr/>
+        <p:txBody>
+          <a:bodyPr/>
+          <a:lstStyle/>
+          <a:p>
+            <a:r>
+              <a:rPr lang="en-US" altLang="zh-CN" dirty="0" smtClean="0"/>
+              <a:t>Attribute</a:t>
+            </a:r>
+            <a:r>
+              <a:rPr lang="zh-CN" altLang="en-US" dirty="0" smtClean="0"/>
+              <a:t> </a:t>
+            </a:r>
+            <a:r>
+              <a:rPr lang="en-US" altLang="zh-CN" dirty="0" smtClean="0"/>
+              <a:t>extraction</a:t>
+            </a:r>
+            <a:endParaRPr lang="zh-CN" altLang="en-US" dirty="0" smtClean="0"/>
+          </a:p>
+          <a:p>
+            <a:r>
+              <a:rPr lang="en-US" altLang="zh-CN" dirty="0" smtClean="0"/>
+              <a:t>Decision</a:t>
+            </a:r>
+            <a:r>
+              <a:rPr lang="zh-CN" altLang="en-US" dirty="0" smtClean="0"/>
+              <a:t> </a:t>
+            </a:r>
+            <a:r>
+              <a:rPr lang="en-US" altLang="zh-CN" dirty="0" smtClean="0"/>
+              <a:t>Tree</a:t>
+            </a:r>
+            <a:endParaRPr lang="zh-CN" altLang="en-US" dirty="0" smtClean="0"/>
+          </a:p>
+          <a:p>
+            <a:r>
+              <a:rPr lang="en-US" altLang="zh-CN" dirty="0" smtClean="0"/>
+              <a:t>Naïve</a:t>
+            </a:r>
+            <a:r>
+              <a:rPr lang="zh-CN" altLang="en-US" dirty="0" smtClean="0"/>
+              <a:t> </a:t>
+            </a:r>
+            <a:r>
+              <a:rPr lang="en-US" altLang="zh-CN" dirty="0" smtClean="0"/>
+              <a:t>Bayes</a:t>
+            </a:r>
+            <a:endParaRPr lang="zh-CN" altLang="en-US" dirty="0" smtClean="0"/>
+          </a:p>
+        </p:txBody>
+      </p:sp>
+      <p:sp>
+        <p:nvSpPr>
+          <p:cNvPr id="4" name="Slide Number Placeholder 3"/>
+          <p:cNvSpPr>
+            <a:spLocks noGrp="1"/>
+          </p:cNvSpPr>
+          <p:nvPr>
+            <p:ph type="sldNum" sz="quarter" idx="12"/>
+          </p:nvPr>
+        </p:nvSpPr>
+        <p:spPr/>
+        <p:txBody>
+          <a:bodyPr/>
+          <a:lstStyle/>
+          <a:p>
+            <a:fld id="{18A68613-FF0B-4246-B613-8295211CFAFA}" type="slidenum">
+              <a:rPr lang="en-US" smtClean="0"/>
+              <a:t>18</a:t>
+            </a:fld>
+            <a:endParaRPr lang="en-US"/>
+          </a:p>
+        </p:txBody>
+      </p:sp>
+    </p:spTree>
+    <p:extLst>
+      <p:ext uri="{BB962C8B-B14F-4D97-AF65-F5344CB8AC3E}">
+        <p14:creationId xmlns:p14="http://schemas.microsoft.com/office/powerpoint/2010/main" val="1896166851"/>
+      </p:ext>
+    </p:extLst>
+  </p:cSld>
+  <p:clrMapOvr>
+    <a:masterClrMapping/>
+  </p:clrMapOvr>
+</p:sld>
+</file>
+
+<file path=ppt/slides/slide19.xml><?xml version="1.0" encoding="utf-8"?>
+<p:sld xmlns:a="http://schemas.openxmlformats.org/drawingml/2006/main" xmlns:r="http://schemas.openxmlformats.org/officeDocument/2006/relationships" xmlns:p="http://schemas.openxmlformats.org/presentationml/2006/main">
+  <p:cSld>
+    <p:spTree>
+      <p:nvGrpSpPr>
+        <p:cNvPr id="1" name=""/>
+        <p:cNvGrpSpPr/>
+        <p:nvPr/>
+      </p:nvGrpSpPr>
+      <p:grpSpPr>
+        <a:xfrm>
+          <a:off x="0" y="0"/>
+          <a:ext cx="0" cy="0"/>
+          <a:chOff x="0" y="0"/>
+          <a:chExt cx="0" cy="0"/>
+        </a:xfrm>
+      </p:grpSpPr>
+      <p:sp>
+        <p:nvSpPr>
+          <p:cNvPr id="2" name="Title 1"/>
+          <p:cNvSpPr>
+            <a:spLocks noGrp="1"/>
+          </p:cNvSpPr>
+          <p:nvPr>
+            <p:ph type="title"/>
+          </p:nvPr>
+        </p:nvSpPr>
+        <p:spPr/>
+        <p:txBody>
+          <a:bodyPr/>
+          <a:lstStyle/>
+          <a:p>
+            <a:r>
               <a:rPr lang="en-US" altLang="zh-CN" smtClean="0"/>
               <a:t>References</a:t>
-            </a:r>
-            <a:r>
-              <a:rPr lang="zh-CN" altLang="en-US" smtClean="0"/>
-              <a:t> </a:t>
-            </a:r>
-            <a:r>
-              <a:rPr lang="en-US" altLang="zh-CN" smtClean="0"/>
-              <a:t>(cont.)</a:t>
             </a:r>
             <a:endParaRPr lang="en-US" dirty="0"/>
           </a:p>
@@ -21407,166 +21447,173 @@
         <p:spPr/>
         <p:txBody>
           <a:bodyPr>
-            <a:normAutofit/>
+            <a:noAutofit/>
           </a:bodyPr>
           <a:lstStyle/>
           <a:p>
             <a:r>
-              <a:rPr lang="en-US" altLang="en-US" sz="1400" dirty="0" smtClean="0"/>
-              <a:t>J. </a:t>
-            </a:r>
-            <a:r>
-              <a:rPr lang="en-US" altLang="en-US" sz="1400" dirty="0" err="1" smtClean="0"/>
-              <a:t>Magidson</a:t>
-            </a:r>
-            <a:r>
-              <a:rPr lang="en-US" altLang="en-US" sz="1400" dirty="0" smtClean="0"/>
-              <a:t>.  The </a:t>
-            </a:r>
-            <a:r>
-              <a:rPr lang="en-US" altLang="en-US" sz="1400" dirty="0" err="1" smtClean="0"/>
-              <a:t>Chaid</a:t>
-            </a:r>
-            <a:r>
-              <a:rPr lang="en-US" altLang="en-US" sz="1400" dirty="0" smtClean="0"/>
-              <a:t> approach to segmentation modeling:  Chi-squared automatic interaction detection. In R. P. </a:t>
-            </a:r>
-            <a:r>
-              <a:rPr lang="en-US" altLang="en-US" sz="1400" dirty="0" err="1" smtClean="0"/>
-              <a:t>Bagozzi</a:t>
-            </a:r>
-            <a:r>
-              <a:rPr lang="en-US" altLang="en-US" sz="1400" dirty="0" smtClean="0"/>
-              <a:t>, editor, Advanced Methods of Marketing Research, Blackwell Business, 1994</a:t>
+              <a:rPr lang="en-US" altLang="en-US" sz="1600" dirty="0" smtClean="0"/>
+              <a:t>C. </a:t>
+            </a:r>
+            <a:r>
+              <a:rPr lang="en-US" altLang="en-US" sz="1600" dirty="0" err="1" smtClean="0"/>
+              <a:t>Apte</a:t>
+            </a:r>
+            <a:r>
+              <a:rPr lang="en-US" altLang="en-US" sz="1600" dirty="0" smtClean="0"/>
+              <a:t> and S. Weiss. Data mining with decision trees and decision rules. Future Generation Computer Systems, 13, 1997</a:t>
             </a:r>
           </a:p>
           <a:p>
             <a:r>
-              <a:rPr lang="en-US" altLang="en-US" sz="1400" dirty="0" smtClean="0"/>
-              <a:t>M. Mehta, R. Agrawal, and J. </a:t>
-            </a:r>
-            <a:r>
-              <a:rPr lang="en-US" altLang="en-US" sz="1400" dirty="0" err="1" smtClean="0"/>
-              <a:t>Rissanen</a:t>
-            </a:r>
-            <a:r>
-              <a:rPr lang="en-US" altLang="en-US" sz="1400" dirty="0" smtClean="0"/>
-              <a:t>. SLIQ : A fast scalable classifier for data mining. EDBT'96</a:t>
+              <a:rPr lang="en-US" altLang="en-US" sz="1600" dirty="0" smtClean="0"/>
+              <a:t>P. K. Chan and S. J. </a:t>
+            </a:r>
+            <a:r>
+              <a:rPr lang="en-US" altLang="en-US" sz="1600" dirty="0" err="1" smtClean="0"/>
+              <a:t>Stolfo</a:t>
+            </a:r>
+            <a:r>
+              <a:rPr lang="en-US" altLang="en-US" sz="1600" dirty="0" smtClean="0"/>
+              <a:t>. Learning arbiter and combiner trees from partitioned data for scaling machine learning. KDD'95</a:t>
             </a:r>
           </a:p>
           <a:p>
             <a:r>
-              <a:rPr lang="en-US" altLang="en-US" sz="1400" dirty="0" smtClean="0"/>
-              <a:t>T. M. Mitchell. Machine Learning. McGraw Hill, 1997</a:t>
+              <a:rPr lang="en-US" altLang="en-US" sz="1600" dirty="0" smtClean="0"/>
+              <a:t>A. J. Dobson.  An Introduction to Generalized Linear Models.  Chapman &amp; Hall, 1990.</a:t>
             </a:r>
           </a:p>
           <a:p>
             <a:r>
-              <a:rPr lang="en-US" altLang="en-US" sz="1400" dirty="0" smtClean="0"/>
-              <a:t>S. K. Murthy, Automatic Construction of Decision Trees from Data: A Multi-Disciplinary Survey, Data Mining and Knowledge Discovery 2(4): 345-389, 1998</a:t>
+              <a:rPr lang="en-US" altLang="en-US" sz="1600" dirty="0" smtClean="0"/>
+              <a:t>R. O. </a:t>
+            </a:r>
+            <a:r>
+              <a:rPr lang="en-US" altLang="en-US" sz="1600" dirty="0" err="1" smtClean="0"/>
+              <a:t>Duda</a:t>
+            </a:r>
+            <a:r>
+              <a:rPr lang="en-US" altLang="en-US" sz="1600" dirty="0" smtClean="0"/>
+              <a:t>, P. E. Hart, and D. G. Stork. Pattern Classification, 2ed. John Wiley, 2001</a:t>
             </a:r>
           </a:p>
           <a:p>
             <a:r>
-              <a:rPr lang="en-US" altLang="en-US" sz="1400" dirty="0" smtClean="0"/>
-              <a:t>J. R. Quinlan. Induction of decision trees. Machine Learning, 1:81-106, 1986. </a:t>
+              <a:rPr lang="en-US" altLang="en-US" sz="1600" dirty="0" smtClean="0"/>
+              <a:t>U. M. Fayyad. Branching on attribute values in decision tree generation. AAAI’94.</a:t>
             </a:r>
           </a:p>
           <a:p>
             <a:r>
-              <a:rPr lang="en-US" altLang="en-US" sz="1400" dirty="0" smtClean="0"/>
-              <a:t>J. R. Quinlan. C4.5: Programs for Machine Learning. Morgan Kaufmann, 1993.</a:t>
+              <a:rPr lang="en-US" altLang="en-US" sz="1600" dirty="0" smtClean="0"/>
+              <a:t>Y. Freund and R. E. </a:t>
+            </a:r>
+            <a:r>
+              <a:rPr lang="en-US" altLang="en-US" sz="1600" dirty="0" err="1" smtClean="0"/>
+              <a:t>Schapire</a:t>
+            </a:r>
+            <a:r>
+              <a:rPr lang="en-US" altLang="en-US" sz="1600" dirty="0" smtClean="0"/>
+              <a:t>. A decision-theoretic generalization of on-line learning and an  application to boosting. J. Computer and System Sciences, 1997.</a:t>
             </a:r>
           </a:p>
           <a:p>
             <a:r>
-              <a:rPr lang="en-US" altLang="en-US" sz="1400" dirty="0" smtClean="0"/>
-              <a:t>J. R. Quinlan.  Bagging, boosting, and c4.5. AAAI‘96.</a:t>
-            </a:r>
-            <a:endParaRPr lang="zh-CN" altLang="en-US" sz="1400" dirty="0" smtClean="0"/>
+              <a:rPr lang="en-US" altLang="en-US" sz="1600" dirty="0" smtClean="0"/>
+              <a:t>J. </a:t>
+            </a:r>
+            <a:r>
+              <a:rPr lang="en-US" altLang="en-US" sz="1600" dirty="0" err="1" smtClean="0"/>
+              <a:t>Gehrke</a:t>
+            </a:r>
+            <a:r>
+              <a:rPr lang="en-US" altLang="en-US" sz="1600" dirty="0" smtClean="0"/>
+              <a:t>, R. </a:t>
+            </a:r>
+            <a:r>
+              <a:rPr lang="en-US" altLang="en-US" sz="1600" dirty="0" err="1" smtClean="0"/>
+              <a:t>Ramakrishnan</a:t>
+            </a:r>
+            <a:r>
+              <a:rPr lang="en-US" altLang="en-US" sz="1600" dirty="0" smtClean="0"/>
+              <a:t>, and V. </a:t>
+            </a:r>
+            <a:r>
+              <a:rPr lang="en-US" altLang="en-US" sz="1600" dirty="0" err="1" smtClean="0"/>
+              <a:t>Ganti</a:t>
+            </a:r>
+            <a:r>
+              <a:rPr lang="en-US" altLang="en-US" sz="1600" dirty="0" smtClean="0"/>
+              <a:t>. Rainforest: A framework for fast decision tree construction of large datasets. VLDB’98.</a:t>
+            </a:r>
           </a:p>
           <a:p>
             <a:r>
-              <a:rPr lang="en-US" altLang="en-US" sz="1400" dirty="0" smtClean="0"/>
-              <a:t>R. </a:t>
-            </a:r>
-            <a:r>
-              <a:rPr lang="en-US" altLang="en-US" sz="1400" dirty="0" err="1" smtClean="0"/>
-              <a:t>Rastogi</a:t>
-            </a:r>
-            <a:r>
-              <a:rPr lang="en-US" altLang="en-US" sz="1400" dirty="0" smtClean="0"/>
-              <a:t> and K. Shim. Public: A decision tree classifier that integrates building and pruning. VLDB’98</a:t>
+              <a:rPr lang="en-US" altLang="en-US" sz="1600" dirty="0" smtClean="0"/>
+              <a:t>J. </a:t>
+            </a:r>
+            <a:r>
+              <a:rPr lang="en-US" altLang="en-US" sz="1600" dirty="0" err="1" smtClean="0"/>
+              <a:t>Gehrke</a:t>
+            </a:r>
+            <a:r>
+              <a:rPr lang="en-US" altLang="en-US" sz="1600" dirty="0" smtClean="0"/>
+              <a:t>, V. Gant, R. </a:t>
+            </a:r>
+            <a:r>
+              <a:rPr lang="en-US" altLang="en-US" sz="1600" dirty="0" err="1" smtClean="0"/>
+              <a:t>Ramakrishnan</a:t>
+            </a:r>
+            <a:r>
+              <a:rPr lang="en-US" altLang="en-US" sz="1600" dirty="0" smtClean="0"/>
+              <a:t>, and W.-Y. </a:t>
+            </a:r>
+            <a:r>
+              <a:rPr lang="en-US" altLang="en-US" sz="1600" dirty="0" err="1" smtClean="0"/>
+              <a:t>Loh</a:t>
+            </a:r>
+            <a:r>
+              <a:rPr lang="en-US" altLang="en-US" sz="1600" dirty="0" smtClean="0"/>
+              <a:t>, BOAT -- Optimistic Decision Tree Construction. SIGMOD'99.</a:t>
             </a:r>
           </a:p>
           <a:p>
             <a:r>
-              <a:rPr lang="en-US" altLang="en-US" sz="1400" dirty="0" smtClean="0"/>
-              <a:t>J. Shafer, R. Agrawal, and M. Mehta. SPRINT : A scalable parallel classifier for data mining. VLDB’96</a:t>
+              <a:rPr lang="en-US" altLang="en-US" sz="1600" dirty="0" smtClean="0"/>
+              <a:t>T. Hastie, R. </a:t>
+            </a:r>
+            <a:r>
+              <a:rPr lang="en-US" altLang="en-US" sz="1600" dirty="0" err="1" smtClean="0"/>
+              <a:t>Tibshirani</a:t>
+            </a:r>
+            <a:r>
+              <a:rPr lang="en-US" altLang="en-US" sz="1600" dirty="0" smtClean="0"/>
+              <a:t>, and J. Friedman. The Elements of Statistical Learning: Data Mining, Inference,  and Prediction. Springer-</a:t>
+            </a:r>
+            <a:r>
+              <a:rPr lang="en-US" altLang="en-US" sz="1600" dirty="0" err="1" smtClean="0"/>
+              <a:t>Verlag</a:t>
+            </a:r>
+            <a:r>
+              <a:rPr lang="en-US" altLang="en-US" sz="1600" dirty="0" smtClean="0"/>
+              <a:t>, 2001.</a:t>
             </a:r>
           </a:p>
           <a:p>
             <a:r>
-              <a:rPr lang="en-US" altLang="en-US" sz="1400" dirty="0" smtClean="0"/>
-              <a:t>J. W. </a:t>
-            </a:r>
-            <a:r>
-              <a:rPr lang="en-US" altLang="en-US" sz="1400" dirty="0" err="1" smtClean="0"/>
-              <a:t>Shavlik</a:t>
-            </a:r>
-            <a:r>
-              <a:rPr lang="en-US" altLang="en-US" sz="1400" dirty="0" smtClean="0"/>
-              <a:t> and T. G. </a:t>
-            </a:r>
-            <a:r>
-              <a:rPr lang="en-US" altLang="en-US" sz="1400" dirty="0" err="1" smtClean="0"/>
-              <a:t>Dietterich</a:t>
-            </a:r>
-            <a:r>
-              <a:rPr lang="en-US" altLang="en-US" sz="1400" dirty="0" smtClean="0"/>
-              <a:t>. Readings in Machine Learning. Morgan Kaufmann, 1990</a:t>
-            </a:r>
-          </a:p>
-          <a:p>
-            <a:r>
-              <a:rPr lang="en-US" altLang="en-US" sz="1400" dirty="0" smtClean="0"/>
-              <a:t>P. Tan, M. Steinbach, and V. Kumar. Introduction to Data Mining. Addison Wesley, 2005</a:t>
-            </a:r>
-          </a:p>
-          <a:p>
-            <a:r>
-              <a:rPr lang="en-US" altLang="en-US" sz="1400" dirty="0" smtClean="0"/>
-              <a:t>S. M. Weiss and C. A. </a:t>
-            </a:r>
-            <a:r>
-              <a:rPr lang="en-US" altLang="en-US" sz="1400" dirty="0" err="1" smtClean="0"/>
-              <a:t>Kulikowski</a:t>
-            </a:r>
-            <a:r>
-              <a:rPr lang="en-US" altLang="en-US" sz="1400" dirty="0" smtClean="0"/>
-              <a:t>.  Computer Systems that Learn:  Classification and Prediction Methods from Statistics, Neural Nets, Machine Learning, and Expert Systems.  Morgan Kaufman, 1991</a:t>
-            </a:r>
-          </a:p>
-          <a:p>
-            <a:r>
-              <a:rPr lang="en-US" altLang="en-US" sz="1400" dirty="0" smtClean="0"/>
-              <a:t>S. M. Weiss and N. </a:t>
-            </a:r>
-            <a:r>
-              <a:rPr lang="en-US" altLang="en-US" sz="1400" dirty="0" err="1" smtClean="0"/>
-              <a:t>Indurkhya</a:t>
-            </a:r>
-            <a:r>
-              <a:rPr lang="en-US" altLang="en-US" sz="1400" dirty="0" smtClean="0"/>
-              <a:t>. Predictive Data Mining. Morgan Kaufmann, 1997</a:t>
-            </a:r>
-          </a:p>
-          <a:p>
-            <a:r>
-              <a:rPr lang="en-US" altLang="en-US" sz="1400" dirty="0" smtClean="0"/>
-              <a:t>I. H. Witten and E. Frank. Data Mining: Practical Machine Learning Tools and Techniques,  2ed.  Morgan Kaufmann, 2005</a:t>
-            </a:r>
-            <a:endParaRPr lang="en-US" altLang="en-US" sz="1400" dirty="0"/>
+              <a:rPr lang="en-US" altLang="en-US" sz="1600" dirty="0" smtClean="0"/>
+              <a:t>T.-S. Lim, W.-Y. </a:t>
+            </a:r>
+            <a:r>
+              <a:rPr lang="en-US" altLang="en-US" sz="1600" dirty="0" err="1" smtClean="0"/>
+              <a:t>Loh</a:t>
+            </a:r>
+            <a:r>
+              <a:rPr lang="en-US" altLang="en-US" sz="1600" dirty="0" smtClean="0"/>
+              <a:t>, and Y.-S. Shih. A comparison of prediction accuracy, complexity, and training time of  thirty-three old and new classification algorithms.  Machine Learning, 2000</a:t>
+            </a:r>
+            <a:endParaRPr lang="en-US" altLang="en-US" sz="1600" dirty="0"/>
           </a:p>
         </p:txBody>
       </p:sp>
@@ -21588,7 +21635,7 @@
             <a:fld id="{18A68613-FF0B-4246-B613-8295211CFAFA}" type="slidenum">
               <a:rPr lang="en-US" smtClean="0"/>
               <a:pPr/>
-              <a:t>18</a:t>
+              <a:t>19</a:t>
             </a:fld>
             <a:endParaRPr lang="en-US"/>
           </a:p>
@@ -21597,7 +21644,7 @@
     </p:spTree>
     <p:extLst>
       <p:ext uri="{BB962C8B-B14F-4D97-AF65-F5344CB8AC3E}">
-        <p14:creationId xmlns:p14="http://schemas.microsoft.com/office/powerpoint/2010/main" val="1916663072"/>
+        <p14:creationId xmlns:p14="http://schemas.microsoft.com/office/powerpoint/2010/main" val="324530115"/>
       </p:ext>
     </p:extLst>
   </p:cSld>
@@ -21756,6 +21803,267 @@
 </p:sld>
 </file>
 
+<file path=ppt/slides/slide20.xml><?xml version="1.0" encoding="utf-8"?>
+<p:sld xmlns:a="http://schemas.openxmlformats.org/drawingml/2006/main" xmlns:r="http://schemas.openxmlformats.org/officeDocument/2006/relationships" xmlns:p="http://schemas.openxmlformats.org/presentationml/2006/main">
+  <p:cSld>
+    <p:spTree>
+      <p:nvGrpSpPr>
+        <p:cNvPr id="1" name=""/>
+        <p:cNvGrpSpPr/>
+        <p:nvPr/>
+      </p:nvGrpSpPr>
+      <p:grpSpPr>
+        <a:xfrm>
+          <a:off x="0" y="0"/>
+          <a:ext cx="0" cy="0"/>
+          <a:chOff x="0" y="0"/>
+          <a:chExt cx="0" cy="0"/>
+        </a:xfrm>
+      </p:grpSpPr>
+      <p:sp>
+        <p:nvSpPr>
+          <p:cNvPr id="2" name="Title 1"/>
+          <p:cNvSpPr>
+            <a:spLocks noGrp="1"/>
+          </p:cNvSpPr>
+          <p:nvPr>
+            <p:ph type="title"/>
+          </p:nvPr>
+        </p:nvSpPr>
+        <p:spPr/>
+        <p:txBody>
+          <a:bodyPr/>
+          <a:lstStyle/>
+          <a:p>
+            <a:r>
+              <a:rPr lang="en-US" altLang="zh-CN" smtClean="0"/>
+              <a:t>References</a:t>
+            </a:r>
+            <a:r>
+              <a:rPr lang="zh-CN" altLang="en-US" smtClean="0"/>
+              <a:t> </a:t>
+            </a:r>
+            <a:r>
+              <a:rPr lang="en-US" altLang="zh-CN" smtClean="0"/>
+              <a:t>(cont.)</a:t>
+            </a:r>
+            <a:endParaRPr lang="en-US" dirty="0"/>
+          </a:p>
+        </p:txBody>
+      </p:sp>
+      <p:sp>
+        <p:nvSpPr>
+          <p:cNvPr id="3" name="Content Placeholder 2"/>
+          <p:cNvSpPr>
+            <a:spLocks noGrp="1"/>
+          </p:cNvSpPr>
+          <p:nvPr>
+            <p:ph idx="1"/>
+          </p:nvPr>
+        </p:nvSpPr>
+        <p:spPr/>
+        <p:txBody>
+          <a:bodyPr>
+            <a:normAutofit/>
+          </a:bodyPr>
+          <a:lstStyle/>
+          <a:p>
+            <a:r>
+              <a:rPr lang="en-US" altLang="en-US" sz="1400" dirty="0" smtClean="0"/>
+              <a:t>J. </a:t>
+            </a:r>
+            <a:r>
+              <a:rPr lang="en-US" altLang="en-US" sz="1400" dirty="0" err="1" smtClean="0"/>
+              <a:t>Magidson</a:t>
+            </a:r>
+            <a:r>
+              <a:rPr lang="en-US" altLang="en-US" sz="1400" dirty="0" smtClean="0"/>
+              <a:t>.  The </a:t>
+            </a:r>
+            <a:r>
+              <a:rPr lang="en-US" altLang="en-US" sz="1400" dirty="0" err="1" smtClean="0"/>
+              <a:t>Chaid</a:t>
+            </a:r>
+            <a:r>
+              <a:rPr lang="en-US" altLang="en-US" sz="1400" dirty="0" smtClean="0"/>
+              <a:t> approach to segmentation modeling:  Chi-squared automatic interaction detection. In R. P. </a:t>
+            </a:r>
+            <a:r>
+              <a:rPr lang="en-US" altLang="en-US" sz="1400" dirty="0" err="1" smtClean="0"/>
+              <a:t>Bagozzi</a:t>
+            </a:r>
+            <a:r>
+              <a:rPr lang="en-US" altLang="en-US" sz="1400" dirty="0" smtClean="0"/>
+              <a:t>, editor, Advanced Methods of Marketing Research, Blackwell Business, 1994</a:t>
+            </a:r>
+          </a:p>
+          <a:p>
+            <a:r>
+              <a:rPr lang="en-US" altLang="en-US" sz="1400" dirty="0" smtClean="0"/>
+              <a:t>M. Mehta, R. Agrawal, and J. </a:t>
+            </a:r>
+            <a:r>
+              <a:rPr lang="en-US" altLang="en-US" sz="1400" dirty="0" err="1" smtClean="0"/>
+              <a:t>Rissanen</a:t>
+            </a:r>
+            <a:r>
+              <a:rPr lang="en-US" altLang="en-US" sz="1400" dirty="0" smtClean="0"/>
+              <a:t>. SLIQ : A fast scalable classifier for data mining. EDBT'96</a:t>
+            </a:r>
+          </a:p>
+          <a:p>
+            <a:r>
+              <a:rPr lang="en-US" altLang="en-US" sz="1400" dirty="0" smtClean="0"/>
+              <a:t>T. M. Mitchell. Machine Learning. McGraw Hill, 1997</a:t>
+            </a:r>
+          </a:p>
+          <a:p>
+            <a:r>
+              <a:rPr lang="en-US" altLang="en-US" sz="1400" dirty="0" smtClean="0"/>
+              <a:t>S. K. Murthy, Automatic Construction of Decision Trees from Data: A Multi-Disciplinary Survey, Data Mining and Knowledge Discovery 2(4): 345-389, 1998</a:t>
+            </a:r>
+          </a:p>
+          <a:p>
+            <a:r>
+              <a:rPr lang="en-US" altLang="en-US" sz="1400" dirty="0" smtClean="0"/>
+              <a:t>J. R. Quinlan. Induction of decision trees. Machine Learning, 1:81-106, 1986. </a:t>
+            </a:r>
+          </a:p>
+          <a:p>
+            <a:r>
+              <a:rPr lang="en-US" altLang="en-US" sz="1400" dirty="0" smtClean="0"/>
+              <a:t>J. R. Quinlan. C4.5: Programs for Machine Learning. Morgan Kaufmann, 1993.</a:t>
+            </a:r>
+          </a:p>
+          <a:p>
+            <a:r>
+              <a:rPr lang="en-US" altLang="en-US" sz="1400" dirty="0" smtClean="0"/>
+              <a:t>J. R. Quinlan.  Bagging, boosting, and c4.5. AAAI‘96.</a:t>
+            </a:r>
+            <a:endParaRPr lang="zh-CN" altLang="en-US" sz="1400" dirty="0" smtClean="0"/>
+          </a:p>
+          <a:p>
+            <a:r>
+              <a:rPr lang="en-US" altLang="en-US" sz="1400" dirty="0" smtClean="0"/>
+              <a:t>R. </a:t>
+            </a:r>
+            <a:r>
+              <a:rPr lang="en-US" altLang="en-US" sz="1400" dirty="0" err="1" smtClean="0"/>
+              <a:t>Rastogi</a:t>
+            </a:r>
+            <a:r>
+              <a:rPr lang="en-US" altLang="en-US" sz="1400" dirty="0" smtClean="0"/>
+              <a:t> and K. Shim. Public: A decision tree classifier that integrates building and pruning. VLDB’98</a:t>
+            </a:r>
+          </a:p>
+          <a:p>
+            <a:r>
+              <a:rPr lang="en-US" altLang="en-US" sz="1400" dirty="0" smtClean="0"/>
+              <a:t>J. Shafer, R. Agrawal, and M. Mehta. SPRINT : A scalable parallel classifier for data mining. VLDB’96</a:t>
+            </a:r>
+          </a:p>
+          <a:p>
+            <a:r>
+              <a:rPr lang="en-US" altLang="en-US" sz="1400" dirty="0" smtClean="0"/>
+              <a:t>J. W. </a:t>
+            </a:r>
+            <a:r>
+              <a:rPr lang="en-US" altLang="en-US" sz="1400" dirty="0" err="1" smtClean="0"/>
+              <a:t>Shavlik</a:t>
+            </a:r>
+            <a:r>
+              <a:rPr lang="en-US" altLang="en-US" sz="1400" dirty="0" smtClean="0"/>
+              <a:t> and T. G. </a:t>
+            </a:r>
+            <a:r>
+              <a:rPr lang="en-US" altLang="en-US" sz="1400" dirty="0" err="1" smtClean="0"/>
+              <a:t>Dietterich</a:t>
+            </a:r>
+            <a:r>
+              <a:rPr lang="en-US" altLang="en-US" sz="1400" dirty="0" smtClean="0"/>
+              <a:t>. Readings in Machine Learning. Morgan Kaufmann, 1990</a:t>
+            </a:r>
+          </a:p>
+          <a:p>
+            <a:r>
+              <a:rPr lang="en-US" altLang="en-US" sz="1400" dirty="0" smtClean="0"/>
+              <a:t>P. Tan, M. Steinbach, and V. Kumar. Introduction to Data Mining. Addison Wesley, 2005</a:t>
+            </a:r>
+          </a:p>
+          <a:p>
+            <a:r>
+              <a:rPr lang="en-US" altLang="en-US" sz="1400" dirty="0" smtClean="0"/>
+              <a:t>S. M. Weiss and C. A. </a:t>
+            </a:r>
+            <a:r>
+              <a:rPr lang="en-US" altLang="en-US" sz="1400" dirty="0" err="1" smtClean="0"/>
+              <a:t>Kulikowski</a:t>
+            </a:r>
+            <a:r>
+              <a:rPr lang="en-US" altLang="en-US" sz="1400" dirty="0" smtClean="0"/>
+              <a:t>.  Computer Systems that Learn:  Classification and Prediction Methods from Statistics, Neural Nets, Machine Learning, and Expert Systems.  Morgan Kaufman, 1991</a:t>
+            </a:r>
+          </a:p>
+          <a:p>
+            <a:r>
+              <a:rPr lang="en-US" altLang="en-US" sz="1400" dirty="0" smtClean="0"/>
+              <a:t>S. M. Weiss and N. </a:t>
+            </a:r>
+            <a:r>
+              <a:rPr lang="en-US" altLang="en-US" sz="1400" dirty="0" err="1" smtClean="0"/>
+              <a:t>Indurkhya</a:t>
+            </a:r>
+            <a:r>
+              <a:rPr lang="en-US" altLang="en-US" sz="1400" dirty="0" smtClean="0"/>
+              <a:t>. Predictive Data Mining. Morgan Kaufmann, 1997</a:t>
+            </a:r>
+          </a:p>
+          <a:p>
+            <a:r>
+              <a:rPr lang="en-US" altLang="en-US" sz="1400" dirty="0" smtClean="0"/>
+              <a:t>I. H. Witten and E. Frank. Data Mining: Practical Machine Learning Tools and Techniques,  2ed.  Morgan Kaufmann, 2005</a:t>
+            </a:r>
+            <a:endParaRPr lang="en-US" altLang="en-US" sz="1400" dirty="0"/>
+          </a:p>
+        </p:txBody>
+      </p:sp>
+      <p:sp>
+        <p:nvSpPr>
+          <p:cNvPr id="4" name="Slide Number Placeholder 3"/>
+          <p:cNvSpPr>
+            <a:spLocks noGrp="1"/>
+          </p:cNvSpPr>
+          <p:nvPr>
+            <p:ph type="sldNum" sz="quarter" idx="12"/>
+          </p:nvPr>
+        </p:nvSpPr>
+        <p:spPr/>
+        <p:txBody>
+          <a:bodyPr/>
+          <a:lstStyle/>
+          <a:p>
+            <a:fld id="{18A68613-FF0B-4246-B613-8295211CFAFA}" type="slidenum">
+              <a:rPr lang="en-US" smtClean="0"/>
+              <a:pPr/>
+              <a:t>20</a:t>
+            </a:fld>
+            <a:endParaRPr lang="en-US"/>
+          </a:p>
+        </p:txBody>
+      </p:sp>
+    </p:spTree>
+    <p:extLst>
+      <p:ext uri="{BB962C8B-B14F-4D97-AF65-F5344CB8AC3E}">
+        <p14:creationId xmlns:p14="http://schemas.microsoft.com/office/powerpoint/2010/main" val="1916663072"/>
+      </p:ext>
+    </p:extLst>
+  </p:cSld>
+  <p:clrMapOvr>
+    <a:masterClrMapping/>
+  </p:clrMapOvr>
+</p:sld>
+</file>
+
 <file path=ppt/slides/slide3.xml><?xml version="1.0" encoding="utf-8"?>
 <p:sld xmlns:a="http://schemas.openxmlformats.org/drawingml/2006/main" xmlns:r="http://schemas.openxmlformats.org/officeDocument/2006/relationships" xmlns:p="http://schemas.openxmlformats.org/presentationml/2006/main">
   <p:cSld>
@@ -21789,69 +22097,18 @@
           <a:lstStyle/>
           <a:p>
             <a:r>
-              <a:rPr lang="en-US" altLang="en-US" smtClean="0"/>
-              <a:t>Bayesian Classification: Why?</a:t>
+              <a:rPr lang="en-US" altLang="zh-CN" dirty="0" smtClean="0"/>
+              <a:t>An</a:t>
+            </a:r>
+            <a:r>
+              <a:rPr lang="zh-CN" altLang="en-US" dirty="0" smtClean="0"/>
+              <a:t> </a:t>
+            </a:r>
+            <a:r>
+              <a:rPr lang="en-US" altLang="zh-CN" dirty="0" smtClean="0"/>
+              <a:t>Example</a:t>
             </a:r>
             <a:endParaRPr lang="en-US" dirty="0"/>
-          </a:p>
-        </p:txBody>
-      </p:sp>
-      <p:sp>
-        <p:nvSpPr>
-          <p:cNvPr id="3" name="Content Placeholder 2"/>
-          <p:cNvSpPr>
-            <a:spLocks noGrp="1"/>
-          </p:cNvSpPr>
-          <p:nvPr>
-            <p:ph idx="1"/>
-          </p:nvPr>
-        </p:nvSpPr>
-        <p:spPr/>
-        <p:txBody>
-          <a:bodyPr>
-            <a:normAutofit/>
-          </a:bodyPr>
-          <a:lstStyle/>
-          <a:p>
-            <a:r>
-              <a:rPr lang="en-US" altLang="en-US" sz="2400" b="1" dirty="0" smtClean="0"/>
-              <a:t>A statistical classifier: </a:t>
-            </a:r>
-            <a:r>
-              <a:rPr lang="en-US" altLang="en-US" sz="2400" dirty="0" smtClean="0"/>
-              <a:t>performs probabilistic prediction, i.e., predicts class membership probabilities</a:t>
-            </a:r>
-          </a:p>
-          <a:p>
-            <a:r>
-              <a:rPr lang="en-US" altLang="en-US" sz="2400" b="1" dirty="0" smtClean="0"/>
-              <a:t>Foundation: </a:t>
-            </a:r>
-            <a:r>
-              <a:rPr lang="en-US" altLang="en-US" sz="2400" dirty="0" smtClean="0"/>
-              <a:t>Based on Bayes’ Theorem. </a:t>
-            </a:r>
-          </a:p>
-          <a:p>
-            <a:r>
-              <a:rPr lang="en-US" altLang="en-US" sz="2400" b="1" dirty="0" smtClean="0"/>
-              <a:t>Performance: </a:t>
-            </a:r>
-            <a:r>
-              <a:rPr lang="en-US" altLang="en-US" sz="2400" dirty="0" smtClean="0"/>
-              <a:t>A simple Bayesian classifier, naïve Bayesian classifier, has comparable performance with decision tree and selected neural network classifiers</a:t>
-            </a:r>
-          </a:p>
-          <a:p>
-            <a:r>
-              <a:rPr lang="en-US" altLang="en-US" sz="2400" b="1" dirty="0" smtClean="0"/>
-              <a:t>Incremental: </a:t>
-            </a:r>
-            <a:r>
-              <a:rPr lang="en-US" altLang="en-US" sz="2400" dirty="0" smtClean="0"/>
-              <a:t>Each training example can incrementally increase/decrease the probability that a hypothesis is correct — prior knowledge can be combined with observed data</a:t>
-            </a:r>
-            <a:endParaRPr lang="en-US" altLang="en-US" sz="2400" dirty="0"/>
           </a:p>
         </p:txBody>
       </p:sp>
@@ -21872,17 +22129,2203 @@
           <a:p>
             <a:fld id="{18A68613-FF0B-4246-B613-8295211CFAFA}" type="slidenum">
               <a:rPr lang="en-US" smtClean="0"/>
-              <a:pPr/>
               <a:t>3</a:t>
             </a:fld>
             <a:endParaRPr lang="en-US"/>
           </a:p>
         </p:txBody>
       </p:sp>
+      <mc:AlternateContent xmlns:mc="http://schemas.openxmlformats.org/markup-compatibility/2006">
+        <mc:Choice xmlns:a14="http://schemas.microsoft.com/office/drawing/2010/main" Requires="a14">
+          <p:sp>
+            <p:nvSpPr>
+              <p:cNvPr id="16" name="Content Placeholder 15"/>
+              <p:cNvSpPr>
+                <a:spLocks noGrp="1"/>
+              </p:cNvSpPr>
+              <p:nvPr>
+                <p:ph idx="1"/>
+              </p:nvPr>
+            </p:nvSpPr>
+            <p:spPr/>
+            <p:txBody>
+              <a:bodyPr>
+                <a:normAutofit/>
+              </a:bodyPr>
+              <a:lstStyle/>
+              <a:p>
+                <a:endParaRPr lang="zh-CN" altLang="en-US" dirty="0" smtClean="0"/>
+              </a:p>
+              <a:p>
+                <a:endParaRPr lang="zh-CN" altLang="en-US" dirty="0"/>
+              </a:p>
+              <a:p>
+                <a:endParaRPr lang="zh-CN" altLang="en-US" dirty="0" smtClean="0"/>
+              </a:p>
+              <a:p>
+                <a:endParaRPr lang="zh-CN" altLang="en-US" dirty="0"/>
+              </a:p>
+              <a:p>
+                <a:pPr marL="0" indent="0">
+                  <a:buNone/>
+                </a:pPr>
+                <a14:m>
+                  <m:oMath xmlns:m="http://schemas.openxmlformats.org/officeDocument/2006/math">
+                    <m:r>
+                      <m:rPr>
+                        <m:sty m:val="p"/>
+                      </m:rPr>
+                      <a:rPr lang="en-US" altLang="zh-CN" b="0" i="0" smtClean="0">
+                        <a:latin typeface="Cambria Math" charset="0"/>
+                      </a:rPr>
+                      <m:t>P</m:t>
+                    </m:r>
+                    <m:d>
+                      <m:dPr>
+                        <m:ctrlPr>
+                          <a:rPr lang="en-US" altLang="zh-CN" b="0" i="0" smtClean="0">
+                            <a:latin typeface="Cambria Math" charset="0"/>
+                          </a:rPr>
+                        </m:ctrlPr>
+                      </m:dPr>
+                      <m:e>
+                        <m:r>
+                          <m:rPr>
+                            <m:sty m:val="p"/>
+                          </m:rPr>
+                          <a:rPr lang="en-US" altLang="zh-CN" b="0" i="0" smtClean="0">
+                            <a:latin typeface="Cambria Math" charset="0"/>
+                          </a:rPr>
+                          <m:t>A</m:t>
+                        </m:r>
+                      </m:e>
+                    </m:d>
+                    <m:r>
+                      <a:rPr lang="en-US" altLang="zh-CN" b="0" i="0" smtClean="0">
+                        <a:latin typeface="Cambria Math" charset="0"/>
+                      </a:rPr>
+                      <m:t>=</m:t>
+                    </m:r>
+                    <m:f>
+                      <m:fPr>
+                        <m:ctrlPr>
+                          <a:rPr lang="mr-IN" altLang="zh-CN" i="1" smtClean="0">
+                            <a:latin typeface="Cambria Math" charset="0"/>
+                          </a:rPr>
+                        </m:ctrlPr>
+                      </m:fPr>
+                      <m:num>
+                        <m:r>
+                          <a:rPr lang="en-US" altLang="zh-CN" b="0" i="1" smtClean="0">
+                            <a:latin typeface="Cambria Math" charset="0"/>
+                          </a:rPr>
+                          <m:t>750</m:t>
+                        </m:r>
+                      </m:num>
+                      <m:den>
+                        <m:r>
+                          <a:rPr lang="en-US" altLang="zh-CN" b="0" i="1" smtClean="0">
+                            <a:latin typeface="Cambria Math" charset="0"/>
+                          </a:rPr>
+                          <m:t>1000</m:t>
+                        </m:r>
+                      </m:den>
+                    </m:f>
+                  </m:oMath>
+                </a14:m>
+                <a:r>
+                  <a:rPr lang="zh-CN" altLang="en-US" dirty="0" smtClean="0"/>
+                  <a:t> </a:t>
+                </a:r>
+                <a14:m>
+                  <m:oMath xmlns:m="http://schemas.openxmlformats.org/officeDocument/2006/math">
+                    <m:r>
+                      <m:rPr>
+                        <m:sty m:val="p"/>
+                      </m:rPr>
+                      <a:rPr lang="en-US" altLang="zh-CN">
+                        <a:latin typeface="Cambria Math" charset="0"/>
+                      </a:rPr>
+                      <m:t>P</m:t>
+                    </m:r>
+                    <m:d>
+                      <m:dPr>
+                        <m:ctrlPr>
+                          <a:rPr lang="en-US" altLang="zh-CN" i="1">
+                            <a:latin typeface="Cambria Math" charset="0"/>
+                          </a:rPr>
+                        </m:ctrlPr>
+                      </m:dPr>
+                      <m:e>
+                        <m:r>
+                          <m:rPr>
+                            <m:sty m:val="p"/>
+                          </m:rPr>
+                          <a:rPr lang="en-US" altLang="zh-CN" b="0" i="0" smtClean="0">
+                            <a:latin typeface="Cambria Math" charset="0"/>
+                          </a:rPr>
+                          <m:t>B</m:t>
+                        </m:r>
+                        <m:r>
+                          <a:rPr lang="en-US" altLang="zh-CN" b="0" i="0" smtClean="0">
+                            <a:latin typeface="Cambria Math" charset="0"/>
+                          </a:rPr>
+                          <m:t>|</m:t>
+                        </m:r>
+                        <m:r>
+                          <m:rPr>
+                            <m:sty m:val="p"/>
+                          </m:rPr>
+                          <a:rPr lang="en-US" altLang="zh-CN">
+                            <a:latin typeface="Cambria Math" charset="0"/>
+                          </a:rPr>
+                          <m:t>A</m:t>
+                        </m:r>
+                      </m:e>
+                    </m:d>
+                    <m:r>
+                      <a:rPr lang="en-US" altLang="zh-CN">
+                        <a:latin typeface="Cambria Math" charset="0"/>
+                      </a:rPr>
+                      <m:t>=</m:t>
+                    </m:r>
+                    <m:f>
+                      <m:fPr>
+                        <m:ctrlPr>
+                          <a:rPr lang="mr-IN" altLang="zh-CN" i="1">
+                            <a:latin typeface="Cambria Math" charset="0"/>
+                          </a:rPr>
+                        </m:ctrlPr>
+                      </m:fPr>
+                      <m:num>
+                        <m:r>
+                          <a:rPr lang="en-US" altLang="zh-CN" b="0" i="1" smtClean="0">
+                            <a:latin typeface="Cambria Math" charset="0"/>
+                          </a:rPr>
+                          <m:t>400</m:t>
+                        </m:r>
+                      </m:num>
+                      <m:den>
+                        <m:r>
+                          <a:rPr lang="en-US" altLang="zh-CN" b="0" i="1" smtClean="0">
+                            <a:latin typeface="Cambria Math" charset="0"/>
+                          </a:rPr>
+                          <m:t>750</m:t>
+                        </m:r>
+                      </m:den>
+                    </m:f>
+                  </m:oMath>
+                </a14:m>
+                <a:r>
+                  <a:rPr lang="zh-CN" altLang="en-US" dirty="0" smtClean="0"/>
+                  <a:t> </a:t>
+                </a:r>
+                <a14:m>
+                  <m:oMath xmlns:m="http://schemas.openxmlformats.org/officeDocument/2006/math">
+                    <m:r>
+                      <m:rPr>
+                        <m:sty m:val="p"/>
+                      </m:rPr>
+                      <a:rPr lang="en-US" altLang="zh-CN">
+                        <a:latin typeface="Cambria Math" charset="0"/>
+                      </a:rPr>
+                      <m:t>P</m:t>
+                    </m:r>
+                    <m:d>
+                      <m:dPr>
+                        <m:ctrlPr>
+                          <a:rPr lang="en-US" altLang="zh-CN" i="1">
+                            <a:latin typeface="Cambria Math" charset="0"/>
+                          </a:rPr>
+                        </m:ctrlPr>
+                      </m:dPr>
+                      <m:e>
+                        <m:r>
+                          <m:rPr>
+                            <m:sty m:val="p"/>
+                          </m:rPr>
+                          <a:rPr lang="en-US" altLang="zh-CN" b="0" i="0" smtClean="0">
+                            <a:latin typeface="Cambria Math" charset="0"/>
+                          </a:rPr>
+                          <m:t>B</m:t>
+                        </m:r>
+                      </m:e>
+                    </m:d>
+                    <m:r>
+                      <a:rPr lang="en-US" altLang="zh-CN">
+                        <a:latin typeface="Cambria Math" charset="0"/>
+                      </a:rPr>
+                      <m:t>=</m:t>
+                    </m:r>
+                    <m:f>
+                      <m:fPr>
+                        <m:ctrlPr>
+                          <a:rPr lang="mr-IN" altLang="zh-CN" i="1">
+                            <a:latin typeface="Cambria Math" charset="0"/>
+                          </a:rPr>
+                        </m:ctrlPr>
+                      </m:fPr>
+                      <m:num>
+                        <m:r>
+                          <a:rPr lang="en-US" altLang="zh-CN" b="0" i="1" smtClean="0">
+                            <a:latin typeface="Cambria Math" charset="0"/>
+                          </a:rPr>
+                          <m:t>600</m:t>
+                        </m:r>
+                      </m:num>
+                      <m:den>
+                        <m:r>
+                          <a:rPr lang="en-US" altLang="zh-CN" i="1">
+                            <a:latin typeface="Cambria Math" charset="0"/>
+                          </a:rPr>
+                          <m:t>1000</m:t>
+                        </m:r>
+                      </m:den>
+                    </m:f>
+                  </m:oMath>
+                </a14:m>
+                <a:endParaRPr lang="zh-CN" altLang="en-US" dirty="0" smtClean="0"/>
+              </a:p>
+              <a:p>
+                <a:pPr marL="0" indent="0">
+                  <a:buNone/>
+                </a:pPr>
+                <a:r>
+                  <a:rPr lang="zh-CN" altLang="en-US" dirty="0" smtClean="0">
+                    <a:sym typeface="Wingdings"/>
+                  </a:rPr>
+                  <a:t> </a:t>
+                </a:r>
+                <a14:m>
+                  <m:oMath xmlns:m="http://schemas.openxmlformats.org/officeDocument/2006/math">
+                    <m:r>
+                      <m:rPr>
+                        <m:sty m:val="p"/>
+                      </m:rPr>
+                      <a:rPr lang="en-US" altLang="zh-CN">
+                        <a:latin typeface="Cambria Math" charset="0"/>
+                      </a:rPr>
+                      <m:t>P</m:t>
+                    </m:r>
+                    <m:d>
+                      <m:dPr>
+                        <m:ctrlPr>
+                          <a:rPr lang="en-US" altLang="zh-CN" i="1">
+                            <a:latin typeface="Cambria Math" charset="0"/>
+                          </a:rPr>
+                        </m:ctrlPr>
+                      </m:dPr>
+                      <m:e>
+                        <m:r>
+                          <m:rPr>
+                            <m:sty m:val="p"/>
+                          </m:rPr>
+                          <a:rPr lang="en-US" altLang="zh-CN" b="0" i="0" smtClean="0">
+                            <a:latin typeface="Cambria Math" charset="0"/>
+                          </a:rPr>
+                          <m:t>A</m:t>
+                        </m:r>
+                        <m:r>
+                          <a:rPr lang="en-US" altLang="zh-CN" b="0" i="0" smtClean="0">
+                            <a:latin typeface="Cambria Math" charset="0"/>
+                          </a:rPr>
+                          <m:t>|</m:t>
+                        </m:r>
+                        <m:r>
+                          <m:rPr>
+                            <m:sty m:val="p"/>
+                          </m:rPr>
+                          <a:rPr lang="en-US" altLang="zh-CN" b="0" i="0" smtClean="0">
+                            <a:latin typeface="Cambria Math" charset="0"/>
+                          </a:rPr>
+                          <m:t>B</m:t>
+                        </m:r>
+                      </m:e>
+                    </m:d>
+                    <m:r>
+                      <a:rPr lang="en-US" altLang="zh-CN">
+                        <a:latin typeface="Cambria Math" charset="0"/>
+                      </a:rPr>
+                      <m:t>=</m:t>
+                    </m:r>
+                    <m:f>
+                      <m:fPr>
+                        <m:ctrlPr>
+                          <a:rPr lang="mr-IN" altLang="zh-CN" i="1">
+                            <a:latin typeface="Cambria Math" charset="0"/>
+                          </a:rPr>
+                        </m:ctrlPr>
+                      </m:fPr>
+                      <m:num>
+                        <m:r>
+                          <a:rPr lang="en-US" altLang="zh-CN" b="0" i="1" smtClean="0">
+                            <a:latin typeface="Cambria Math" charset="0"/>
+                          </a:rPr>
+                          <m:t>𝑃</m:t>
+                        </m:r>
+                        <m:d>
+                          <m:dPr>
+                            <m:ctrlPr>
+                              <a:rPr lang="en-US" altLang="zh-CN" b="0" i="1" smtClean="0">
+                                <a:latin typeface="Cambria Math" charset="0"/>
+                              </a:rPr>
+                            </m:ctrlPr>
+                          </m:dPr>
+                          <m:e>
+                            <m:r>
+                              <a:rPr lang="en-US" altLang="zh-CN" b="0" i="1" smtClean="0">
+                                <a:latin typeface="Cambria Math" charset="0"/>
+                              </a:rPr>
+                              <m:t>𝐴</m:t>
+                            </m:r>
+                          </m:e>
+                        </m:d>
+                        <m:r>
+                          <a:rPr lang="en-US" altLang="zh-CN" b="0" i="1" smtClean="0">
+                            <a:latin typeface="Cambria Math" charset="0"/>
+                          </a:rPr>
+                          <m:t>𝑃</m:t>
+                        </m:r>
+                        <m:r>
+                          <a:rPr lang="en-US" altLang="zh-CN" b="0" i="1" smtClean="0">
+                            <a:latin typeface="Cambria Math" charset="0"/>
+                          </a:rPr>
+                          <m:t>(</m:t>
+                        </m:r>
+                        <m:r>
+                          <a:rPr lang="en-US" altLang="zh-CN" b="0" i="1" smtClean="0">
+                            <a:latin typeface="Cambria Math" charset="0"/>
+                          </a:rPr>
+                          <m:t>𝐵</m:t>
+                        </m:r>
+                        <m:r>
+                          <a:rPr lang="en-US" altLang="zh-CN" b="0" i="1" smtClean="0">
+                            <a:latin typeface="Cambria Math" charset="0"/>
+                          </a:rPr>
+                          <m:t>|</m:t>
+                        </m:r>
+                        <m:r>
+                          <a:rPr lang="en-US" altLang="zh-CN" b="0" i="1" smtClean="0">
+                            <a:latin typeface="Cambria Math" charset="0"/>
+                          </a:rPr>
+                          <m:t>𝐴</m:t>
+                        </m:r>
+                        <m:r>
+                          <a:rPr lang="en-US" altLang="zh-CN" b="0" i="1" smtClean="0">
+                            <a:latin typeface="Cambria Math" charset="0"/>
+                          </a:rPr>
+                          <m:t>)</m:t>
+                        </m:r>
+                      </m:num>
+                      <m:den>
+                        <m:r>
+                          <a:rPr lang="en-US" altLang="zh-CN" b="0" i="1" smtClean="0">
+                            <a:latin typeface="Cambria Math" charset="0"/>
+                          </a:rPr>
+                          <m:t>𝑃</m:t>
+                        </m:r>
+                        <m:r>
+                          <a:rPr lang="en-US" altLang="zh-CN" b="0" i="1" smtClean="0">
+                            <a:latin typeface="Cambria Math" charset="0"/>
+                          </a:rPr>
+                          <m:t>(</m:t>
+                        </m:r>
+                        <m:r>
+                          <a:rPr lang="en-US" altLang="zh-CN" b="0" i="1" smtClean="0">
+                            <a:latin typeface="Cambria Math" charset="0"/>
+                          </a:rPr>
+                          <m:t>𝐵</m:t>
+                        </m:r>
+                        <m:r>
+                          <a:rPr lang="en-US" altLang="zh-CN" b="0" i="1" smtClean="0">
+                            <a:latin typeface="Cambria Math" charset="0"/>
+                          </a:rPr>
+                          <m:t>)</m:t>
+                        </m:r>
+                      </m:den>
+                    </m:f>
+                    <m:r>
+                      <a:rPr lang="en-US" altLang="zh-CN" b="0" i="1" smtClean="0">
+                        <a:latin typeface="Cambria Math" charset="0"/>
+                      </a:rPr>
+                      <m:t>=</m:t>
+                    </m:r>
+                    <m:f>
+                      <m:fPr>
+                        <m:ctrlPr>
+                          <a:rPr lang="mr-IN" altLang="zh-CN" b="0" i="1" smtClean="0">
+                            <a:latin typeface="Cambria Math" charset="0"/>
+                          </a:rPr>
+                        </m:ctrlPr>
+                      </m:fPr>
+                      <m:num>
+                        <m:f>
+                          <m:fPr>
+                            <m:ctrlPr>
+                              <a:rPr lang="mr-IN" altLang="zh-CN" b="0" i="1" smtClean="0">
+                                <a:latin typeface="Cambria Math" charset="0"/>
+                              </a:rPr>
+                            </m:ctrlPr>
+                          </m:fPr>
+                          <m:num>
+                            <m:r>
+                              <a:rPr lang="en-US" altLang="zh-CN" b="0" i="1" strike="sngStrike" smtClean="0">
+                                <a:latin typeface="Cambria Math" charset="0"/>
+                              </a:rPr>
+                              <m:t>750</m:t>
+                            </m:r>
+                          </m:num>
+                          <m:den>
+                            <m:r>
+                              <a:rPr lang="en-US" altLang="zh-CN" b="0" i="1" strike="sngStrike" smtClean="0">
+                                <a:latin typeface="Cambria Math" charset="0"/>
+                              </a:rPr>
+                              <m:t>1000</m:t>
+                            </m:r>
+                          </m:den>
+                        </m:f>
+                        <m:r>
+                          <a:rPr lang="mr-IN" altLang="zh-CN" b="0" i="1" smtClean="0">
+                            <a:latin typeface="Cambria Math" charset="0"/>
+                            <a:ea typeface="Cambria Math" charset="0"/>
+                            <a:cs typeface="Cambria Math" charset="0"/>
+                          </a:rPr>
+                          <m:t>×</m:t>
+                        </m:r>
+                        <m:f>
+                          <m:fPr>
+                            <m:ctrlPr>
+                              <a:rPr lang="mr-IN" altLang="zh-CN" b="0" i="1" smtClean="0">
+                                <a:latin typeface="Cambria Math" charset="0"/>
+                                <a:ea typeface="Cambria Math" charset="0"/>
+                                <a:cs typeface="Cambria Math" charset="0"/>
+                              </a:rPr>
+                            </m:ctrlPr>
+                          </m:fPr>
+                          <m:num>
+                            <m:r>
+                              <a:rPr lang="en-US" altLang="zh-CN" b="0" i="1" smtClean="0">
+                                <a:latin typeface="Cambria Math" charset="0"/>
+                                <a:ea typeface="Cambria Math" charset="0"/>
+                                <a:cs typeface="Cambria Math" charset="0"/>
+                              </a:rPr>
+                              <m:t>400</m:t>
+                            </m:r>
+                          </m:num>
+                          <m:den>
+                            <m:r>
+                              <a:rPr lang="en-US" altLang="zh-CN" b="0" i="1" strike="sngStrike" smtClean="0">
+                                <a:latin typeface="Cambria Math" charset="0"/>
+                                <a:ea typeface="Cambria Math" charset="0"/>
+                                <a:cs typeface="Cambria Math" charset="0"/>
+                              </a:rPr>
+                              <m:t>750</m:t>
+                            </m:r>
+                          </m:den>
+                        </m:f>
+                      </m:num>
+                      <m:den>
+                        <m:f>
+                          <m:fPr>
+                            <m:ctrlPr>
+                              <a:rPr lang="mr-IN" altLang="zh-CN" b="0" i="1" smtClean="0">
+                                <a:latin typeface="Cambria Math" charset="0"/>
+                              </a:rPr>
+                            </m:ctrlPr>
+                          </m:fPr>
+                          <m:num>
+                            <m:r>
+                              <a:rPr lang="en-US" altLang="zh-CN" b="0" i="1" smtClean="0">
+                                <a:latin typeface="Cambria Math" charset="0"/>
+                              </a:rPr>
+                              <m:t>600</m:t>
+                            </m:r>
+                          </m:num>
+                          <m:den>
+                            <m:r>
+                              <a:rPr lang="en-US" altLang="zh-CN" b="0" i="1" strike="sngStrike" smtClean="0">
+                                <a:latin typeface="Cambria Math" charset="0"/>
+                              </a:rPr>
+                              <m:t>1000</m:t>
+                            </m:r>
+                          </m:den>
+                        </m:f>
+                      </m:den>
+                    </m:f>
+                  </m:oMath>
+                </a14:m>
+                <a:endParaRPr lang="en-US" dirty="0"/>
+              </a:p>
+            </p:txBody>
+          </p:sp>
+        </mc:Choice>
+        <mc:Fallback>
+          <p:sp>
+            <p:nvSpPr>
+              <p:cNvPr id="16" name="Content Placeholder 15"/>
+              <p:cNvSpPr>
+                <a:spLocks noGrp="1" noRot="1" noChangeAspect="1" noMove="1" noResize="1" noEditPoints="1" noAdjustHandles="1" noChangeArrowheads="1" noChangeShapeType="1" noTextEdit="1"/>
+              </p:cNvSpPr>
+              <p:nvPr>
+                <p:ph idx="1"/>
+              </p:nvPr>
+            </p:nvSpPr>
+            <p:spPr>
+              <a:blipFill rotWithShape="0">
+                <a:blip r:embed="rId2"/>
+                <a:stretch>
+                  <a:fillRect l="-1852"/>
+                </a:stretch>
+              </a:blipFill>
+            </p:spPr>
+            <p:txBody>
+              <a:bodyPr/>
+              <a:lstStyle/>
+              <a:p>
+                <a:r>
+                  <a:rPr lang="en-US">
+                    <a:noFill/>
+                  </a:rPr>
+                  <a:t> </a:t>
+                </a:r>
+              </a:p>
+            </p:txBody>
+          </p:sp>
+        </mc:Fallback>
+      </mc:AlternateContent>
+      <p:graphicFrame>
+        <p:nvGraphicFramePr>
+          <p:cNvPr id="17" name="Group 50"/>
+          <p:cNvGraphicFramePr>
+            <a:graphicFrameLocks/>
+          </p:cNvGraphicFramePr>
+          <p:nvPr>
+            <p:extLst>
+              <p:ext uri="{D42A27DB-BD31-4B8C-83A1-F6EECF244321}">
+                <p14:modId xmlns:p14="http://schemas.microsoft.com/office/powerpoint/2010/main" val="1673403010"/>
+              </p:ext>
+            </p:extLst>
+          </p:nvPr>
+        </p:nvGraphicFramePr>
+        <p:xfrm>
+          <a:off x="1473200" y="2176858"/>
+          <a:ext cx="7213600" cy="1219200"/>
+        </p:xfrm>
+        <a:graphic>
+          <a:graphicData uri="http://schemas.openxmlformats.org/drawingml/2006/table">
+            <a:tbl>
+              <a:tblPr/>
+              <a:tblGrid>
+                <a:gridCol w="1727200">
+                  <a:extLst>
+                    <a:ext uri="{9D8B030D-6E8A-4147-A177-3AD203B41FA5}">
+                      <a16:colId xmlns="" xmlns:a16="http://schemas.microsoft.com/office/drawing/2014/main" val="20000"/>
+                    </a:ext>
+                  </a:extLst>
+                </a:gridCol>
+                <a:gridCol w="1851401">
+                  <a:extLst>
+                    <a:ext uri="{9D8B030D-6E8A-4147-A177-3AD203B41FA5}">
+                      <a16:colId xmlns="" xmlns:a16="http://schemas.microsoft.com/office/drawing/2014/main" val="20001"/>
+                    </a:ext>
+                  </a:extLst>
+                </a:gridCol>
+                <a:gridCol w="2233263">
+                  <a:extLst>
+                    <a:ext uri="{9D8B030D-6E8A-4147-A177-3AD203B41FA5}">
+                      <a16:colId xmlns="" xmlns:a16="http://schemas.microsoft.com/office/drawing/2014/main" val="20002"/>
+                    </a:ext>
+                  </a:extLst>
+                </a:gridCol>
+                <a:gridCol w="1401736">
+                  <a:extLst>
+                    <a:ext uri="{9D8B030D-6E8A-4147-A177-3AD203B41FA5}">
+                      <a16:colId xmlns="" xmlns:a16="http://schemas.microsoft.com/office/drawing/2014/main" val="20003"/>
+                    </a:ext>
+                  </a:extLst>
+                </a:gridCol>
+              </a:tblGrid>
+              <a:tr h="143856">
+                <a:tc>
+                  <a:txBody>
+                    <a:bodyPr/>
+                    <a:lstStyle/>
+                    <a:p>
+                      <a:pPr marL="0" marR="0" lvl="0" indent="0" algn="l" defTabSz="914400" rtl="0" eaLnBrk="1" fontAlgn="base" latinLnBrk="0" hangingPunct="1">
+                        <a:lnSpc>
+                          <a:spcPct val="100000"/>
+                        </a:lnSpc>
+                        <a:spcBef>
+                          <a:spcPct val="20000"/>
+                        </a:spcBef>
+                        <a:spcAft>
+                          <a:spcPct val="0"/>
+                        </a:spcAft>
+                        <a:buClr>
+                          <a:schemeClr val="folHlink"/>
+                        </a:buClr>
+                        <a:buSzPct val="60000"/>
+                        <a:buFont typeface="Wingdings" pitchFamily="2" charset="2"/>
+                        <a:buNone/>
+                        <a:tabLst/>
+                      </a:pPr>
+                      <a:endParaRPr kumimoji="0" lang="en-US" sz="1400" b="0" i="0" u="none" strike="noStrike" cap="none" normalizeH="0" baseline="0" dirty="0" smtClean="0">
+                        <a:ln>
+                          <a:noFill/>
+                        </a:ln>
+                        <a:solidFill>
+                          <a:schemeClr val="tx1"/>
+                        </a:solidFill>
+                        <a:effectLst/>
+                        <a:latin typeface="Corbel" charset="0"/>
+                        <a:ea typeface="Corbel" charset="0"/>
+                        <a:cs typeface="Corbel" charset="0"/>
+                      </a:endParaRPr>
+                    </a:p>
+                  </a:txBody>
+                  <a:tcPr marL="121920" marR="121920" horzOverflow="overflow">
+                    <a:lnL w="28575" cap="flat" cmpd="sng" algn="ctr">
+                      <a:solidFill>
+                        <a:schemeClr val="tx1"/>
+                      </a:solidFill>
+                      <a:prstDash val="solid"/>
+                      <a:miter lim="800000"/>
+                      <a:headEnd type="none" w="med" len="med"/>
+                      <a:tailEnd type="none" w="med" len="med"/>
+                    </a:lnL>
+                    <a:lnR w="12700" cap="flat" cmpd="sng" algn="ctr">
+                      <a:solidFill>
+                        <a:schemeClr val="tx1"/>
+                      </a:solidFill>
+                      <a:prstDash val="solid"/>
+                      <a:miter lim="800000"/>
+                      <a:headEnd type="none" w="med" len="med"/>
+                      <a:tailEnd type="none" w="med" len="med"/>
+                    </a:lnR>
+                    <a:lnT w="28575" cap="flat" cmpd="sng" algn="ctr">
+                      <a:solidFill>
+                        <a:schemeClr val="tx1"/>
+                      </a:solidFill>
+                      <a:prstDash val="solid"/>
+                      <a:miter lim="800000"/>
+                      <a:headEnd type="none" w="med" len="med"/>
+                      <a:tailEnd type="none" w="med" len="med"/>
+                    </a:lnT>
+                    <a:lnB w="12700" cap="flat" cmpd="sng" algn="ctr">
+                      <a:solidFill>
+                        <a:schemeClr val="tx1"/>
+                      </a:solidFill>
+                      <a:prstDash val="solid"/>
+                      <a:miter lim="800000"/>
+                      <a:headEnd type="none" w="med" len="med"/>
+                      <a:tailEnd type="none" w="med" len="med"/>
+                    </a:lnB>
+                    <a:lnTlToBr>
+                      <a:noFill/>
+                    </a:lnTlToBr>
+                    <a:lnBlToTr>
+                      <a:noFill/>
+                    </a:lnBlToTr>
+                    <a:solidFill>
+                      <a:schemeClr val="accent1">
+                        <a:lumMod val="40000"/>
+                        <a:lumOff val="60000"/>
+                      </a:schemeClr>
+                    </a:solidFill>
+                  </a:tcPr>
+                </a:tc>
+                <a:tc>
+                  <a:txBody>
+                    <a:bodyPr/>
+                    <a:lstStyle/>
+                    <a:p>
+                      <a:pPr marL="0" marR="0" lvl="0" indent="0" algn="ctr" defTabSz="914400" rtl="0" eaLnBrk="1" fontAlgn="base" latinLnBrk="0" hangingPunct="1">
+                        <a:lnSpc>
+                          <a:spcPct val="100000"/>
+                        </a:lnSpc>
+                        <a:spcBef>
+                          <a:spcPct val="20000"/>
+                        </a:spcBef>
+                        <a:spcAft>
+                          <a:spcPct val="0"/>
+                        </a:spcAft>
+                        <a:buClr>
+                          <a:schemeClr val="folHlink"/>
+                        </a:buClr>
+                        <a:buSzPct val="60000"/>
+                        <a:buFont typeface="Wingdings" pitchFamily="2" charset="2"/>
+                        <a:buNone/>
+                        <a:tabLst/>
+                      </a:pPr>
+                      <a:r>
+                        <a:rPr kumimoji="0" lang="en-US" sz="1400" b="0" i="0" u="none" strike="noStrike" cap="none" normalizeH="0" baseline="0" dirty="0" smtClean="0">
+                          <a:ln>
+                            <a:noFill/>
+                          </a:ln>
+                          <a:solidFill>
+                            <a:schemeClr val="tx1"/>
+                          </a:solidFill>
+                          <a:effectLst/>
+                          <a:latin typeface="Corbel" charset="0"/>
+                          <a:ea typeface="Corbel" charset="0"/>
+                          <a:cs typeface="Corbel" charset="0"/>
+                        </a:rPr>
+                        <a:t>play-basketball</a:t>
+                      </a:r>
+                    </a:p>
+                  </a:txBody>
+                  <a:tcPr marL="121920" marR="121920" horzOverflow="overflow">
+                    <a:lnL w="12700" cap="flat" cmpd="sng" algn="ctr">
+                      <a:solidFill>
+                        <a:schemeClr val="tx1"/>
+                      </a:solidFill>
+                      <a:prstDash val="solid"/>
+                      <a:miter lim="800000"/>
+                      <a:headEnd type="none" w="med" len="med"/>
+                      <a:tailEnd type="none" w="med" len="med"/>
+                    </a:lnL>
+                    <a:lnR w="12700" cap="flat" cmpd="sng" algn="ctr">
+                      <a:solidFill>
+                        <a:schemeClr val="tx1"/>
+                      </a:solidFill>
+                      <a:prstDash val="solid"/>
+                      <a:miter lim="800000"/>
+                      <a:headEnd type="none" w="med" len="med"/>
+                      <a:tailEnd type="none" w="med" len="med"/>
+                    </a:lnR>
+                    <a:lnT w="28575" cap="flat" cmpd="sng" algn="ctr">
+                      <a:solidFill>
+                        <a:schemeClr val="tx1"/>
+                      </a:solidFill>
+                      <a:prstDash val="solid"/>
+                      <a:miter lim="800000"/>
+                      <a:headEnd type="none" w="med" len="med"/>
+                      <a:tailEnd type="none" w="med" len="med"/>
+                    </a:lnT>
+                    <a:lnB w="12700" cap="flat" cmpd="sng" algn="ctr">
+                      <a:solidFill>
+                        <a:schemeClr val="tx1"/>
+                      </a:solidFill>
+                      <a:prstDash val="solid"/>
+                      <a:miter lim="800000"/>
+                      <a:headEnd type="none" w="med" len="med"/>
+                      <a:tailEnd type="none" w="med" len="med"/>
+                    </a:lnB>
+                    <a:lnTlToBr>
+                      <a:noFill/>
+                    </a:lnTlToBr>
+                    <a:lnBlToTr>
+                      <a:noFill/>
+                    </a:lnBlToTr>
+                    <a:solidFill>
+                      <a:schemeClr val="accent1">
+                        <a:lumMod val="40000"/>
+                        <a:lumOff val="60000"/>
+                      </a:schemeClr>
+                    </a:solidFill>
+                  </a:tcPr>
+                </a:tc>
+                <a:tc>
+                  <a:txBody>
+                    <a:bodyPr/>
+                    <a:lstStyle/>
+                    <a:p>
+                      <a:pPr marL="0" marR="0" lvl="0" indent="0" algn="ctr" defTabSz="914400" rtl="0" eaLnBrk="1" fontAlgn="base" latinLnBrk="0" hangingPunct="1">
+                        <a:lnSpc>
+                          <a:spcPct val="100000"/>
+                        </a:lnSpc>
+                        <a:spcBef>
+                          <a:spcPct val="20000"/>
+                        </a:spcBef>
+                        <a:spcAft>
+                          <a:spcPct val="0"/>
+                        </a:spcAft>
+                        <a:buClr>
+                          <a:schemeClr val="folHlink"/>
+                        </a:buClr>
+                        <a:buSzPct val="60000"/>
+                        <a:buFont typeface="Wingdings" pitchFamily="2" charset="2"/>
+                        <a:buNone/>
+                        <a:tabLst/>
+                      </a:pPr>
+                      <a:r>
+                        <a:rPr kumimoji="0" lang="en-US" sz="1400" b="0" i="0" u="none" strike="noStrike" cap="none" normalizeH="0" baseline="0" dirty="0" smtClean="0">
+                          <a:ln>
+                            <a:noFill/>
+                          </a:ln>
+                          <a:solidFill>
+                            <a:schemeClr val="tx1"/>
+                          </a:solidFill>
+                          <a:effectLst/>
+                          <a:latin typeface="Corbel" charset="0"/>
+                          <a:ea typeface="Corbel" charset="0"/>
+                          <a:cs typeface="Corbel" charset="0"/>
+                        </a:rPr>
+                        <a:t>not play-basketball</a:t>
+                      </a:r>
+                    </a:p>
+                  </a:txBody>
+                  <a:tcPr marL="121920" marR="121920" horzOverflow="overflow">
+                    <a:lnL w="12700" cap="flat" cmpd="sng" algn="ctr">
+                      <a:solidFill>
+                        <a:schemeClr val="tx1"/>
+                      </a:solidFill>
+                      <a:prstDash val="solid"/>
+                      <a:miter lim="800000"/>
+                      <a:headEnd type="none" w="med" len="med"/>
+                      <a:tailEnd type="none" w="med" len="med"/>
+                    </a:lnL>
+                    <a:lnR w="12700" cap="flat" cmpd="sng" algn="ctr">
+                      <a:solidFill>
+                        <a:schemeClr val="tx1"/>
+                      </a:solidFill>
+                      <a:prstDash val="solid"/>
+                      <a:miter lim="800000"/>
+                      <a:headEnd type="none" w="med" len="med"/>
+                      <a:tailEnd type="none" w="med" len="med"/>
+                    </a:lnR>
+                    <a:lnT w="28575" cap="flat" cmpd="sng" algn="ctr">
+                      <a:solidFill>
+                        <a:schemeClr val="tx1"/>
+                      </a:solidFill>
+                      <a:prstDash val="solid"/>
+                      <a:miter lim="800000"/>
+                      <a:headEnd type="none" w="med" len="med"/>
+                      <a:tailEnd type="none" w="med" len="med"/>
+                    </a:lnT>
+                    <a:lnB w="12700" cap="flat" cmpd="sng" algn="ctr">
+                      <a:solidFill>
+                        <a:schemeClr val="tx1"/>
+                      </a:solidFill>
+                      <a:prstDash val="solid"/>
+                      <a:miter lim="800000"/>
+                      <a:headEnd type="none" w="med" len="med"/>
+                      <a:tailEnd type="none" w="med" len="med"/>
+                    </a:lnB>
+                    <a:lnTlToBr>
+                      <a:noFill/>
+                    </a:lnTlToBr>
+                    <a:lnBlToTr>
+                      <a:noFill/>
+                    </a:lnBlToTr>
+                    <a:solidFill>
+                      <a:schemeClr val="accent1">
+                        <a:lumMod val="40000"/>
+                        <a:lumOff val="60000"/>
+                      </a:schemeClr>
+                    </a:solidFill>
+                  </a:tcPr>
+                </a:tc>
+                <a:tc>
+                  <a:txBody>
+                    <a:bodyPr/>
+                    <a:lstStyle/>
+                    <a:p>
+                      <a:pPr marL="0" marR="0" lvl="0" indent="0" algn="ctr" defTabSz="914400" rtl="0" eaLnBrk="1" fontAlgn="base" latinLnBrk="0" hangingPunct="1">
+                        <a:lnSpc>
+                          <a:spcPct val="100000"/>
+                        </a:lnSpc>
+                        <a:spcBef>
+                          <a:spcPct val="20000"/>
+                        </a:spcBef>
+                        <a:spcAft>
+                          <a:spcPct val="0"/>
+                        </a:spcAft>
+                        <a:buClr>
+                          <a:schemeClr val="folHlink"/>
+                        </a:buClr>
+                        <a:buSzPct val="60000"/>
+                        <a:buFont typeface="Wingdings" pitchFamily="2" charset="2"/>
+                        <a:buNone/>
+                        <a:tabLst/>
+                      </a:pPr>
+                      <a:r>
+                        <a:rPr kumimoji="0" lang="en-US" sz="1400" b="0" i="0" u="none" strike="noStrike" cap="none" normalizeH="0" baseline="0" dirty="0" smtClean="0">
+                          <a:ln>
+                            <a:noFill/>
+                          </a:ln>
+                          <a:solidFill>
+                            <a:schemeClr val="tx1"/>
+                          </a:solidFill>
+                          <a:effectLst/>
+                          <a:latin typeface="Corbel" charset="0"/>
+                          <a:ea typeface="Corbel" charset="0"/>
+                          <a:cs typeface="Corbel" charset="0"/>
+                        </a:rPr>
+                        <a:t>sum (row)</a:t>
+                      </a:r>
+                    </a:p>
+                  </a:txBody>
+                  <a:tcPr marL="121920" marR="121920" horzOverflow="overflow">
+                    <a:lnL w="12700" cap="flat" cmpd="sng" algn="ctr">
+                      <a:solidFill>
+                        <a:schemeClr val="tx1"/>
+                      </a:solidFill>
+                      <a:prstDash val="solid"/>
+                      <a:miter lim="800000"/>
+                      <a:headEnd type="none" w="med" len="med"/>
+                      <a:tailEnd type="none" w="med" len="med"/>
+                    </a:lnL>
+                    <a:lnR w="28575" cap="flat" cmpd="sng" algn="ctr">
+                      <a:solidFill>
+                        <a:schemeClr val="tx1"/>
+                      </a:solidFill>
+                      <a:prstDash val="solid"/>
+                      <a:miter lim="800000"/>
+                      <a:headEnd type="none" w="med" len="med"/>
+                      <a:tailEnd type="none" w="med" len="med"/>
+                    </a:lnR>
+                    <a:lnT w="28575" cap="flat" cmpd="sng" algn="ctr">
+                      <a:solidFill>
+                        <a:schemeClr val="tx1"/>
+                      </a:solidFill>
+                      <a:prstDash val="solid"/>
+                      <a:miter lim="800000"/>
+                      <a:headEnd type="none" w="med" len="med"/>
+                      <a:tailEnd type="none" w="med" len="med"/>
+                    </a:lnT>
+                    <a:lnB w="12700" cap="flat" cmpd="sng" algn="ctr">
+                      <a:solidFill>
+                        <a:schemeClr val="tx1"/>
+                      </a:solidFill>
+                      <a:prstDash val="solid"/>
+                      <a:miter lim="800000"/>
+                      <a:headEnd type="none" w="med" len="med"/>
+                      <a:tailEnd type="none" w="med" len="med"/>
+                    </a:lnB>
+                    <a:lnTlToBr>
+                      <a:noFill/>
+                    </a:lnTlToBr>
+                    <a:lnBlToTr>
+                      <a:noFill/>
+                    </a:lnBlToTr>
+                    <a:solidFill>
+                      <a:schemeClr val="accent1">
+                        <a:lumMod val="40000"/>
+                        <a:lumOff val="60000"/>
+                      </a:schemeClr>
+                    </a:solidFill>
+                  </a:tcPr>
+                </a:tc>
+                <a:extLst>
+                  <a:ext uri="{0D108BD9-81ED-4DB2-BD59-A6C34878D82A}">
+                    <a16:rowId xmlns="" xmlns:a16="http://schemas.microsoft.com/office/drawing/2014/main" val="10000"/>
+                  </a:ext>
+                </a:extLst>
+              </a:tr>
+              <a:tr h="143856">
+                <a:tc>
+                  <a:txBody>
+                    <a:bodyPr/>
+                    <a:lstStyle/>
+                    <a:p>
+                      <a:pPr marL="0" marR="0" lvl="0" indent="0" algn="l" defTabSz="914400" rtl="0" eaLnBrk="1" fontAlgn="base" latinLnBrk="0" hangingPunct="1">
+                        <a:lnSpc>
+                          <a:spcPct val="100000"/>
+                        </a:lnSpc>
+                        <a:spcBef>
+                          <a:spcPct val="20000"/>
+                        </a:spcBef>
+                        <a:spcAft>
+                          <a:spcPct val="0"/>
+                        </a:spcAft>
+                        <a:buClr>
+                          <a:schemeClr val="folHlink"/>
+                        </a:buClr>
+                        <a:buSzPct val="60000"/>
+                        <a:buFont typeface="Wingdings" pitchFamily="2" charset="2"/>
+                        <a:buNone/>
+                        <a:tabLst/>
+                      </a:pPr>
+                      <a:r>
+                        <a:rPr kumimoji="0" lang="en-US" sz="1400" b="0" i="0" u="none" strike="noStrike" cap="none" normalizeH="0" baseline="0" dirty="0" smtClean="0">
+                          <a:ln>
+                            <a:noFill/>
+                          </a:ln>
+                          <a:solidFill>
+                            <a:schemeClr val="tx1"/>
+                          </a:solidFill>
+                          <a:effectLst/>
+                          <a:latin typeface="Corbel" charset="0"/>
+                          <a:ea typeface="Corbel" charset="0"/>
+                          <a:cs typeface="Corbel" charset="0"/>
+                        </a:rPr>
+                        <a:t>eat-cereal</a:t>
+                      </a:r>
+                    </a:p>
+                  </a:txBody>
+                  <a:tcPr marL="121920" marR="121920" horzOverflow="overflow">
+                    <a:lnL w="28575" cap="flat" cmpd="sng" algn="ctr">
+                      <a:solidFill>
+                        <a:schemeClr val="tx1"/>
+                      </a:solidFill>
+                      <a:prstDash val="solid"/>
+                      <a:miter lim="800000"/>
+                      <a:headEnd type="none" w="med" len="med"/>
+                      <a:tailEnd type="none" w="med" len="med"/>
+                    </a:lnL>
+                    <a:lnR w="12700" cap="flat" cmpd="sng" algn="ctr">
+                      <a:solidFill>
+                        <a:schemeClr val="tx1"/>
+                      </a:solidFill>
+                      <a:prstDash val="solid"/>
+                      <a:miter lim="800000"/>
+                      <a:headEnd type="none" w="med" len="med"/>
+                      <a:tailEnd type="none" w="med" len="med"/>
+                    </a:lnR>
+                    <a:lnT w="12700" cap="flat" cmpd="sng" algn="ctr">
+                      <a:solidFill>
+                        <a:schemeClr val="tx1"/>
+                      </a:solidFill>
+                      <a:prstDash val="solid"/>
+                      <a:miter lim="800000"/>
+                      <a:headEnd type="none" w="med" len="med"/>
+                      <a:tailEnd type="none" w="med" len="med"/>
+                    </a:lnT>
+                    <a:lnB w="12700" cap="flat" cmpd="sng" algn="ctr">
+                      <a:solidFill>
+                        <a:schemeClr val="tx1"/>
+                      </a:solidFill>
+                      <a:prstDash val="solid"/>
+                      <a:miter lim="800000"/>
+                      <a:headEnd type="none" w="med" len="med"/>
+                      <a:tailEnd type="none" w="med" len="med"/>
+                    </a:lnB>
+                    <a:lnTlToBr>
+                      <a:noFill/>
+                    </a:lnTlToBr>
+                    <a:lnBlToTr>
+                      <a:noFill/>
+                    </a:lnBlToTr>
+                    <a:noFill/>
+                  </a:tcPr>
+                </a:tc>
+                <a:tc>
+                  <a:txBody>
+                    <a:bodyPr/>
+                    <a:lstStyle/>
+                    <a:p>
+                      <a:pPr marL="0" marR="0" lvl="0" indent="0" algn="ctr" defTabSz="914400" rtl="0" eaLnBrk="1" fontAlgn="base" latinLnBrk="0" hangingPunct="1">
+                        <a:lnSpc>
+                          <a:spcPct val="100000"/>
+                        </a:lnSpc>
+                        <a:spcBef>
+                          <a:spcPct val="20000"/>
+                        </a:spcBef>
+                        <a:spcAft>
+                          <a:spcPct val="0"/>
+                        </a:spcAft>
+                        <a:buClr>
+                          <a:schemeClr val="folHlink"/>
+                        </a:buClr>
+                        <a:buSzPct val="60000"/>
+                        <a:buFont typeface="Wingdings" pitchFamily="2" charset="2"/>
+                        <a:buNone/>
+                        <a:tabLst/>
+                      </a:pPr>
+                      <a:r>
+                        <a:rPr kumimoji="0" lang="en-US" sz="1400" b="0" i="0" u="none" strike="noStrike" cap="none" normalizeH="0" baseline="0" dirty="0" smtClean="0">
+                          <a:ln>
+                            <a:noFill/>
+                          </a:ln>
+                          <a:solidFill>
+                            <a:schemeClr val="tx1"/>
+                          </a:solidFill>
+                          <a:effectLst/>
+                          <a:latin typeface="Corbel" charset="0"/>
+                          <a:ea typeface="Corbel" charset="0"/>
+                          <a:cs typeface="Corbel" charset="0"/>
+                        </a:rPr>
+                        <a:t>400</a:t>
+                      </a:r>
+                    </a:p>
+                  </a:txBody>
+                  <a:tcPr marL="121920" marR="121920" horzOverflow="overflow">
+                    <a:lnL w="12700" cap="flat" cmpd="sng" algn="ctr">
+                      <a:solidFill>
+                        <a:schemeClr val="tx1"/>
+                      </a:solidFill>
+                      <a:prstDash val="solid"/>
+                      <a:miter lim="800000"/>
+                      <a:headEnd type="none" w="med" len="med"/>
+                      <a:tailEnd type="none" w="med" len="med"/>
+                    </a:lnL>
+                    <a:lnR w="12700" cap="flat" cmpd="sng" algn="ctr">
+                      <a:solidFill>
+                        <a:schemeClr val="tx1"/>
+                      </a:solidFill>
+                      <a:prstDash val="solid"/>
+                      <a:miter lim="800000"/>
+                      <a:headEnd type="none" w="med" len="med"/>
+                      <a:tailEnd type="none" w="med" len="med"/>
+                    </a:lnR>
+                    <a:lnT w="12700" cap="flat" cmpd="sng" algn="ctr">
+                      <a:solidFill>
+                        <a:schemeClr val="tx1"/>
+                      </a:solidFill>
+                      <a:prstDash val="solid"/>
+                      <a:miter lim="800000"/>
+                      <a:headEnd type="none" w="med" len="med"/>
+                      <a:tailEnd type="none" w="med" len="med"/>
+                    </a:lnT>
+                    <a:lnB w="12700" cap="flat" cmpd="sng" algn="ctr">
+                      <a:solidFill>
+                        <a:schemeClr val="tx1"/>
+                      </a:solidFill>
+                      <a:prstDash val="solid"/>
+                      <a:miter lim="800000"/>
+                      <a:headEnd type="none" w="med" len="med"/>
+                      <a:tailEnd type="none" w="med" len="med"/>
+                    </a:lnB>
+                    <a:lnTlToBr>
+                      <a:noFill/>
+                    </a:lnTlToBr>
+                    <a:lnBlToTr>
+                      <a:noFill/>
+                    </a:lnBlToTr>
+                    <a:noFill/>
+                  </a:tcPr>
+                </a:tc>
+                <a:tc>
+                  <a:txBody>
+                    <a:bodyPr/>
+                    <a:lstStyle/>
+                    <a:p>
+                      <a:pPr marL="0" marR="0" lvl="0" indent="0" algn="ctr" defTabSz="914400" rtl="0" eaLnBrk="1" fontAlgn="base" latinLnBrk="0" hangingPunct="1">
+                        <a:lnSpc>
+                          <a:spcPct val="100000"/>
+                        </a:lnSpc>
+                        <a:spcBef>
+                          <a:spcPct val="20000"/>
+                        </a:spcBef>
+                        <a:spcAft>
+                          <a:spcPct val="0"/>
+                        </a:spcAft>
+                        <a:buClr>
+                          <a:schemeClr val="folHlink"/>
+                        </a:buClr>
+                        <a:buSzPct val="60000"/>
+                        <a:buFont typeface="Wingdings" pitchFamily="2" charset="2"/>
+                        <a:buNone/>
+                        <a:tabLst/>
+                      </a:pPr>
+                      <a:r>
+                        <a:rPr kumimoji="0" lang="en-US" sz="1400" b="0" i="0" u="none" strike="noStrike" cap="none" normalizeH="0" baseline="0" dirty="0" smtClean="0">
+                          <a:ln>
+                            <a:noFill/>
+                          </a:ln>
+                          <a:solidFill>
+                            <a:schemeClr val="tx1"/>
+                          </a:solidFill>
+                          <a:effectLst/>
+                          <a:latin typeface="Corbel" charset="0"/>
+                          <a:ea typeface="Corbel" charset="0"/>
+                          <a:cs typeface="Corbel" charset="0"/>
+                        </a:rPr>
+                        <a:t>350</a:t>
+                      </a:r>
+                    </a:p>
+                  </a:txBody>
+                  <a:tcPr marL="121920" marR="121920" horzOverflow="overflow">
+                    <a:lnL w="12700" cap="flat" cmpd="sng" algn="ctr">
+                      <a:solidFill>
+                        <a:schemeClr val="tx1"/>
+                      </a:solidFill>
+                      <a:prstDash val="solid"/>
+                      <a:miter lim="800000"/>
+                      <a:headEnd type="none" w="med" len="med"/>
+                      <a:tailEnd type="none" w="med" len="med"/>
+                    </a:lnL>
+                    <a:lnR w="12700" cap="flat" cmpd="sng" algn="ctr">
+                      <a:solidFill>
+                        <a:schemeClr val="tx1"/>
+                      </a:solidFill>
+                      <a:prstDash val="solid"/>
+                      <a:miter lim="800000"/>
+                      <a:headEnd type="none" w="med" len="med"/>
+                      <a:tailEnd type="none" w="med" len="med"/>
+                    </a:lnR>
+                    <a:lnT w="12700" cap="flat" cmpd="sng" algn="ctr">
+                      <a:solidFill>
+                        <a:schemeClr val="tx1"/>
+                      </a:solidFill>
+                      <a:prstDash val="solid"/>
+                      <a:miter lim="800000"/>
+                      <a:headEnd type="none" w="med" len="med"/>
+                      <a:tailEnd type="none" w="med" len="med"/>
+                    </a:lnT>
+                    <a:lnB w="12700" cap="flat" cmpd="sng" algn="ctr">
+                      <a:solidFill>
+                        <a:schemeClr val="tx1"/>
+                      </a:solidFill>
+                      <a:prstDash val="solid"/>
+                      <a:miter lim="800000"/>
+                      <a:headEnd type="none" w="med" len="med"/>
+                      <a:tailEnd type="none" w="med" len="med"/>
+                    </a:lnB>
+                    <a:lnTlToBr>
+                      <a:noFill/>
+                    </a:lnTlToBr>
+                    <a:lnBlToTr>
+                      <a:noFill/>
+                    </a:lnBlToTr>
+                    <a:noFill/>
+                  </a:tcPr>
+                </a:tc>
+                <a:tc>
+                  <a:txBody>
+                    <a:bodyPr/>
+                    <a:lstStyle/>
+                    <a:p>
+                      <a:pPr marL="0" marR="0" lvl="0" indent="0" algn="ctr" defTabSz="914400" rtl="0" eaLnBrk="1" fontAlgn="base" latinLnBrk="0" hangingPunct="1">
+                        <a:lnSpc>
+                          <a:spcPct val="100000"/>
+                        </a:lnSpc>
+                        <a:spcBef>
+                          <a:spcPct val="20000"/>
+                        </a:spcBef>
+                        <a:spcAft>
+                          <a:spcPct val="0"/>
+                        </a:spcAft>
+                        <a:buClr>
+                          <a:schemeClr val="folHlink"/>
+                        </a:buClr>
+                        <a:buSzPct val="60000"/>
+                        <a:buFont typeface="Wingdings" pitchFamily="2" charset="2"/>
+                        <a:buNone/>
+                        <a:tabLst/>
+                      </a:pPr>
+                      <a:r>
+                        <a:rPr kumimoji="0" lang="en-US" sz="1400" b="0" i="0" u="none" strike="noStrike" cap="none" normalizeH="0" baseline="0" dirty="0" smtClean="0">
+                          <a:ln>
+                            <a:noFill/>
+                          </a:ln>
+                          <a:solidFill>
+                            <a:schemeClr val="tx1"/>
+                          </a:solidFill>
+                          <a:effectLst/>
+                          <a:latin typeface="Corbel" charset="0"/>
+                          <a:ea typeface="Corbel" charset="0"/>
+                          <a:cs typeface="Corbel" charset="0"/>
+                        </a:rPr>
+                        <a:t>750</a:t>
+                      </a:r>
+                    </a:p>
+                  </a:txBody>
+                  <a:tcPr marL="121920" marR="121920" horzOverflow="overflow">
+                    <a:lnL w="12700" cap="flat" cmpd="sng" algn="ctr">
+                      <a:solidFill>
+                        <a:schemeClr val="tx1"/>
+                      </a:solidFill>
+                      <a:prstDash val="solid"/>
+                      <a:miter lim="800000"/>
+                      <a:headEnd type="none" w="med" len="med"/>
+                      <a:tailEnd type="none" w="med" len="med"/>
+                    </a:lnL>
+                    <a:lnR w="28575" cap="flat" cmpd="sng" algn="ctr">
+                      <a:solidFill>
+                        <a:schemeClr val="tx1"/>
+                      </a:solidFill>
+                      <a:prstDash val="solid"/>
+                      <a:miter lim="800000"/>
+                      <a:headEnd type="none" w="med" len="med"/>
+                      <a:tailEnd type="none" w="med" len="med"/>
+                    </a:lnR>
+                    <a:lnT w="12700" cap="flat" cmpd="sng" algn="ctr">
+                      <a:solidFill>
+                        <a:schemeClr val="tx1"/>
+                      </a:solidFill>
+                      <a:prstDash val="solid"/>
+                      <a:miter lim="800000"/>
+                      <a:headEnd type="none" w="med" len="med"/>
+                      <a:tailEnd type="none" w="med" len="med"/>
+                    </a:lnT>
+                    <a:lnB w="12700" cap="flat" cmpd="sng" algn="ctr">
+                      <a:solidFill>
+                        <a:schemeClr val="tx1"/>
+                      </a:solidFill>
+                      <a:prstDash val="solid"/>
+                      <a:miter lim="800000"/>
+                      <a:headEnd type="none" w="med" len="med"/>
+                      <a:tailEnd type="none" w="med" len="med"/>
+                    </a:lnB>
+                    <a:lnTlToBr>
+                      <a:noFill/>
+                    </a:lnTlToBr>
+                    <a:lnBlToTr>
+                      <a:noFill/>
+                    </a:lnBlToTr>
+                    <a:noFill/>
+                  </a:tcPr>
+                </a:tc>
+                <a:extLst>
+                  <a:ext uri="{0D108BD9-81ED-4DB2-BD59-A6C34878D82A}">
+                    <a16:rowId xmlns="" xmlns:a16="http://schemas.microsoft.com/office/drawing/2014/main" val="10001"/>
+                  </a:ext>
+                </a:extLst>
+              </a:tr>
+              <a:tr h="162587">
+                <a:tc>
+                  <a:txBody>
+                    <a:bodyPr/>
+                    <a:lstStyle/>
+                    <a:p>
+                      <a:pPr marL="0" marR="0" lvl="0" indent="0" algn="l" defTabSz="914400" rtl="0" eaLnBrk="1" fontAlgn="base" latinLnBrk="0" hangingPunct="1">
+                        <a:lnSpc>
+                          <a:spcPct val="100000"/>
+                        </a:lnSpc>
+                        <a:spcBef>
+                          <a:spcPct val="20000"/>
+                        </a:spcBef>
+                        <a:spcAft>
+                          <a:spcPct val="0"/>
+                        </a:spcAft>
+                        <a:buClr>
+                          <a:schemeClr val="folHlink"/>
+                        </a:buClr>
+                        <a:buSzPct val="60000"/>
+                        <a:buFont typeface="Wingdings" pitchFamily="2" charset="2"/>
+                        <a:buNone/>
+                        <a:tabLst/>
+                      </a:pPr>
+                      <a:r>
+                        <a:rPr kumimoji="0" lang="en-US" sz="1400" b="0" i="0" u="none" strike="noStrike" cap="none" normalizeH="0" baseline="0" dirty="0" smtClean="0">
+                          <a:ln>
+                            <a:noFill/>
+                          </a:ln>
+                          <a:solidFill>
+                            <a:schemeClr val="tx1"/>
+                          </a:solidFill>
+                          <a:effectLst/>
+                          <a:latin typeface="Corbel" charset="0"/>
+                          <a:ea typeface="Corbel" charset="0"/>
+                          <a:cs typeface="Corbel" charset="0"/>
+                        </a:rPr>
+                        <a:t>not eat-cereal</a:t>
+                      </a:r>
+                    </a:p>
+                  </a:txBody>
+                  <a:tcPr marL="121920" marR="121920" horzOverflow="overflow">
+                    <a:lnL w="28575" cap="flat" cmpd="sng" algn="ctr">
+                      <a:solidFill>
+                        <a:schemeClr val="tx1"/>
+                      </a:solidFill>
+                      <a:prstDash val="solid"/>
+                      <a:miter lim="800000"/>
+                      <a:headEnd type="none" w="med" len="med"/>
+                      <a:tailEnd type="none" w="med" len="med"/>
+                    </a:lnL>
+                    <a:lnR w="12700" cap="flat" cmpd="sng" algn="ctr">
+                      <a:solidFill>
+                        <a:schemeClr val="tx1"/>
+                      </a:solidFill>
+                      <a:prstDash val="solid"/>
+                      <a:miter lim="800000"/>
+                      <a:headEnd type="none" w="med" len="med"/>
+                      <a:tailEnd type="none" w="med" len="med"/>
+                    </a:lnR>
+                    <a:lnT w="12700" cap="flat" cmpd="sng" algn="ctr">
+                      <a:solidFill>
+                        <a:schemeClr val="tx1"/>
+                      </a:solidFill>
+                      <a:prstDash val="solid"/>
+                      <a:miter lim="800000"/>
+                      <a:headEnd type="none" w="med" len="med"/>
+                      <a:tailEnd type="none" w="med" len="med"/>
+                    </a:lnT>
+                    <a:lnB w="12700" cap="flat" cmpd="sng" algn="ctr">
+                      <a:solidFill>
+                        <a:schemeClr val="tx1"/>
+                      </a:solidFill>
+                      <a:prstDash val="solid"/>
+                      <a:miter lim="800000"/>
+                      <a:headEnd type="none" w="med" len="med"/>
+                      <a:tailEnd type="none" w="med" len="med"/>
+                    </a:lnB>
+                    <a:lnTlToBr>
+                      <a:noFill/>
+                    </a:lnTlToBr>
+                    <a:lnBlToTr>
+                      <a:noFill/>
+                    </a:lnBlToTr>
+                    <a:solidFill>
+                      <a:schemeClr val="accent2">
+                        <a:lumMod val="20000"/>
+                        <a:lumOff val="80000"/>
+                      </a:schemeClr>
+                    </a:solidFill>
+                  </a:tcPr>
+                </a:tc>
+                <a:tc>
+                  <a:txBody>
+                    <a:bodyPr/>
+                    <a:lstStyle/>
+                    <a:p>
+                      <a:pPr marL="0" marR="0" lvl="0" indent="0" algn="ctr" defTabSz="914400" rtl="0" eaLnBrk="1" fontAlgn="base" latinLnBrk="0" hangingPunct="1">
+                        <a:lnSpc>
+                          <a:spcPct val="100000"/>
+                        </a:lnSpc>
+                        <a:spcBef>
+                          <a:spcPct val="20000"/>
+                        </a:spcBef>
+                        <a:spcAft>
+                          <a:spcPct val="0"/>
+                        </a:spcAft>
+                        <a:buClr>
+                          <a:schemeClr val="folHlink"/>
+                        </a:buClr>
+                        <a:buSzPct val="60000"/>
+                        <a:buFont typeface="Wingdings" pitchFamily="2" charset="2"/>
+                        <a:buNone/>
+                        <a:tabLst/>
+                      </a:pPr>
+                      <a:r>
+                        <a:rPr kumimoji="0" lang="en-US" sz="1400" b="0" i="0" u="none" strike="noStrike" cap="none" normalizeH="0" baseline="0" dirty="0" smtClean="0">
+                          <a:ln>
+                            <a:noFill/>
+                          </a:ln>
+                          <a:solidFill>
+                            <a:schemeClr val="tx1"/>
+                          </a:solidFill>
+                          <a:effectLst/>
+                          <a:latin typeface="Corbel" charset="0"/>
+                          <a:ea typeface="Corbel" charset="0"/>
+                          <a:cs typeface="Corbel" charset="0"/>
+                        </a:rPr>
+                        <a:t>200</a:t>
+                      </a:r>
+                    </a:p>
+                  </a:txBody>
+                  <a:tcPr marL="121920" marR="121920" horzOverflow="overflow">
+                    <a:lnL w="12700" cap="flat" cmpd="sng" algn="ctr">
+                      <a:solidFill>
+                        <a:schemeClr val="tx1"/>
+                      </a:solidFill>
+                      <a:prstDash val="solid"/>
+                      <a:miter lim="800000"/>
+                      <a:headEnd type="none" w="med" len="med"/>
+                      <a:tailEnd type="none" w="med" len="med"/>
+                    </a:lnL>
+                    <a:lnR w="12700" cap="flat" cmpd="sng" algn="ctr">
+                      <a:solidFill>
+                        <a:schemeClr val="tx1"/>
+                      </a:solidFill>
+                      <a:prstDash val="solid"/>
+                      <a:miter lim="800000"/>
+                      <a:headEnd type="none" w="med" len="med"/>
+                      <a:tailEnd type="none" w="med" len="med"/>
+                    </a:lnR>
+                    <a:lnT w="12700" cap="flat" cmpd="sng" algn="ctr">
+                      <a:solidFill>
+                        <a:schemeClr val="tx1"/>
+                      </a:solidFill>
+                      <a:prstDash val="solid"/>
+                      <a:miter lim="800000"/>
+                      <a:headEnd type="none" w="med" len="med"/>
+                      <a:tailEnd type="none" w="med" len="med"/>
+                    </a:lnT>
+                    <a:lnB w="12700" cap="flat" cmpd="sng" algn="ctr">
+                      <a:solidFill>
+                        <a:schemeClr val="tx1"/>
+                      </a:solidFill>
+                      <a:prstDash val="solid"/>
+                      <a:miter lim="800000"/>
+                      <a:headEnd type="none" w="med" len="med"/>
+                      <a:tailEnd type="none" w="med" len="med"/>
+                    </a:lnB>
+                    <a:lnTlToBr>
+                      <a:noFill/>
+                    </a:lnTlToBr>
+                    <a:lnBlToTr>
+                      <a:noFill/>
+                    </a:lnBlToTr>
+                    <a:solidFill>
+                      <a:schemeClr val="accent2">
+                        <a:lumMod val="20000"/>
+                        <a:lumOff val="80000"/>
+                      </a:schemeClr>
+                    </a:solidFill>
+                  </a:tcPr>
+                </a:tc>
+                <a:tc>
+                  <a:txBody>
+                    <a:bodyPr/>
+                    <a:lstStyle/>
+                    <a:p>
+                      <a:pPr marL="0" marR="0" lvl="0" indent="0" algn="ctr" defTabSz="914400" rtl="0" eaLnBrk="1" fontAlgn="base" latinLnBrk="0" hangingPunct="1">
+                        <a:lnSpc>
+                          <a:spcPct val="100000"/>
+                        </a:lnSpc>
+                        <a:spcBef>
+                          <a:spcPct val="20000"/>
+                        </a:spcBef>
+                        <a:spcAft>
+                          <a:spcPct val="0"/>
+                        </a:spcAft>
+                        <a:buClr>
+                          <a:schemeClr val="folHlink"/>
+                        </a:buClr>
+                        <a:buSzPct val="60000"/>
+                        <a:buFont typeface="Wingdings" pitchFamily="2" charset="2"/>
+                        <a:buNone/>
+                        <a:tabLst/>
+                      </a:pPr>
+                      <a:r>
+                        <a:rPr kumimoji="0" lang="en-US" sz="1400" b="0" i="0" u="none" strike="noStrike" cap="none" normalizeH="0" baseline="0" dirty="0" smtClean="0">
+                          <a:ln>
+                            <a:noFill/>
+                          </a:ln>
+                          <a:solidFill>
+                            <a:schemeClr val="tx1"/>
+                          </a:solidFill>
+                          <a:effectLst/>
+                          <a:latin typeface="Corbel" charset="0"/>
+                          <a:ea typeface="Corbel" charset="0"/>
+                          <a:cs typeface="Corbel" charset="0"/>
+                        </a:rPr>
+                        <a:t>50</a:t>
+                      </a:r>
+                    </a:p>
+                  </a:txBody>
+                  <a:tcPr marL="121920" marR="121920" horzOverflow="overflow">
+                    <a:lnL w="12700" cap="flat" cmpd="sng" algn="ctr">
+                      <a:solidFill>
+                        <a:schemeClr val="tx1"/>
+                      </a:solidFill>
+                      <a:prstDash val="solid"/>
+                      <a:miter lim="800000"/>
+                      <a:headEnd type="none" w="med" len="med"/>
+                      <a:tailEnd type="none" w="med" len="med"/>
+                    </a:lnL>
+                    <a:lnR w="12700" cap="flat" cmpd="sng" algn="ctr">
+                      <a:solidFill>
+                        <a:schemeClr val="tx1"/>
+                      </a:solidFill>
+                      <a:prstDash val="solid"/>
+                      <a:miter lim="800000"/>
+                      <a:headEnd type="none" w="med" len="med"/>
+                      <a:tailEnd type="none" w="med" len="med"/>
+                    </a:lnR>
+                    <a:lnT w="12700" cap="flat" cmpd="sng" algn="ctr">
+                      <a:solidFill>
+                        <a:schemeClr val="tx1"/>
+                      </a:solidFill>
+                      <a:prstDash val="solid"/>
+                      <a:miter lim="800000"/>
+                      <a:headEnd type="none" w="med" len="med"/>
+                      <a:tailEnd type="none" w="med" len="med"/>
+                    </a:lnT>
+                    <a:lnB w="12700" cap="flat" cmpd="sng" algn="ctr">
+                      <a:solidFill>
+                        <a:schemeClr val="tx1"/>
+                      </a:solidFill>
+                      <a:prstDash val="solid"/>
+                      <a:miter lim="800000"/>
+                      <a:headEnd type="none" w="med" len="med"/>
+                      <a:tailEnd type="none" w="med" len="med"/>
+                    </a:lnB>
+                    <a:lnTlToBr>
+                      <a:noFill/>
+                    </a:lnTlToBr>
+                    <a:lnBlToTr>
+                      <a:noFill/>
+                    </a:lnBlToTr>
+                    <a:solidFill>
+                      <a:schemeClr val="accent2">
+                        <a:lumMod val="20000"/>
+                        <a:lumOff val="80000"/>
+                      </a:schemeClr>
+                    </a:solidFill>
+                  </a:tcPr>
+                </a:tc>
+                <a:tc>
+                  <a:txBody>
+                    <a:bodyPr/>
+                    <a:lstStyle/>
+                    <a:p>
+                      <a:pPr marL="0" marR="0" lvl="0" indent="0" algn="ctr" defTabSz="914400" rtl="0" eaLnBrk="1" fontAlgn="base" latinLnBrk="0" hangingPunct="1">
+                        <a:lnSpc>
+                          <a:spcPct val="100000"/>
+                        </a:lnSpc>
+                        <a:spcBef>
+                          <a:spcPct val="20000"/>
+                        </a:spcBef>
+                        <a:spcAft>
+                          <a:spcPct val="0"/>
+                        </a:spcAft>
+                        <a:buClr>
+                          <a:schemeClr val="folHlink"/>
+                        </a:buClr>
+                        <a:buSzPct val="60000"/>
+                        <a:buFont typeface="Wingdings" pitchFamily="2" charset="2"/>
+                        <a:buNone/>
+                        <a:tabLst/>
+                      </a:pPr>
+                      <a:r>
+                        <a:rPr kumimoji="0" lang="en-US" sz="1400" b="0" i="0" u="none" strike="noStrike" cap="none" normalizeH="0" baseline="0" dirty="0" smtClean="0">
+                          <a:ln>
+                            <a:noFill/>
+                          </a:ln>
+                          <a:solidFill>
+                            <a:schemeClr val="tx1"/>
+                          </a:solidFill>
+                          <a:effectLst/>
+                          <a:latin typeface="Corbel" charset="0"/>
+                          <a:ea typeface="Corbel" charset="0"/>
+                          <a:cs typeface="Corbel" charset="0"/>
+                        </a:rPr>
+                        <a:t>250</a:t>
+                      </a:r>
+                    </a:p>
+                  </a:txBody>
+                  <a:tcPr marL="121920" marR="121920" horzOverflow="overflow">
+                    <a:lnL w="12700" cap="flat" cmpd="sng" algn="ctr">
+                      <a:solidFill>
+                        <a:schemeClr val="tx1"/>
+                      </a:solidFill>
+                      <a:prstDash val="solid"/>
+                      <a:miter lim="800000"/>
+                      <a:headEnd type="none" w="med" len="med"/>
+                      <a:tailEnd type="none" w="med" len="med"/>
+                    </a:lnL>
+                    <a:lnR w="28575" cap="flat" cmpd="sng" algn="ctr">
+                      <a:solidFill>
+                        <a:schemeClr val="tx1"/>
+                      </a:solidFill>
+                      <a:prstDash val="solid"/>
+                      <a:miter lim="800000"/>
+                      <a:headEnd type="none" w="med" len="med"/>
+                      <a:tailEnd type="none" w="med" len="med"/>
+                    </a:lnR>
+                    <a:lnT w="12700" cap="flat" cmpd="sng" algn="ctr">
+                      <a:solidFill>
+                        <a:schemeClr val="tx1"/>
+                      </a:solidFill>
+                      <a:prstDash val="solid"/>
+                      <a:miter lim="800000"/>
+                      <a:headEnd type="none" w="med" len="med"/>
+                      <a:tailEnd type="none" w="med" len="med"/>
+                    </a:lnT>
+                    <a:lnB w="12700" cap="flat" cmpd="sng" algn="ctr">
+                      <a:solidFill>
+                        <a:schemeClr val="tx1"/>
+                      </a:solidFill>
+                      <a:prstDash val="solid"/>
+                      <a:miter lim="800000"/>
+                      <a:headEnd type="none" w="med" len="med"/>
+                      <a:tailEnd type="none" w="med" len="med"/>
+                    </a:lnB>
+                    <a:lnTlToBr>
+                      <a:noFill/>
+                    </a:lnTlToBr>
+                    <a:lnBlToTr>
+                      <a:noFill/>
+                    </a:lnBlToTr>
+                    <a:solidFill>
+                      <a:schemeClr val="accent2">
+                        <a:lumMod val="20000"/>
+                        <a:lumOff val="80000"/>
+                      </a:schemeClr>
+                    </a:solidFill>
+                  </a:tcPr>
+                </a:tc>
+                <a:extLst>
+                  <a:ext uri="{0D108BD9-81ED-4DB2-BD59-A6C34878D82A}">
+                    <a16:rowId xmlns="" xmlns:a16="http://schemas.microsoft.com/office/drawing/2014/main" val="10002"/>
+                  </a:ext>
+                </a:extLst>
+              </a:tr>
+              <a:tr h="145355">
+                <a:tc>
+                  <a:txBody>
+                    <a:bodyPr/>
+                    <a:lstStyle/>
+                    <a:p>
+                      <a:pPr marL="0" marR="0" lvl="0" indent="0" algn="l" defTabSz="914400" rtl="0" eaLnBrk="1" fontAlgn="base" latinLnBrk="0" hangingPunct="1">
+                        <a:lnSpc>
+                          <a:spcPct val="100000"/>
+                        </a:lnSpc>
+                        <a:spcBef>
+                          <a:spcPct val="20000"/>
+                        </a:spcBef>
+                        <a:spcAft>
+                          <a:spcPct val="0"/>
+                        </a:spcAft>
+                        <a:buClr>
+                          <a:schemeClr val="folHlink"/>
+                        </a:buClr>
+                        <a:buSzPct val="60000"/>
+                        <a:buFont typeface="Wingdings" pitchFamily="2" charset="2"/>
+                        <a:buNone/>
+                        <a:tabLst/>
+                      </a:pPr>
+                      <a:r>
+                        <a:rPr kumimoji="0" lang="en-US" sz="1400" b="0" i="0" u="none" strike="noStrike" cap="none" normalizeH="0" baseline="0" dirty="0" smtClean="0">
+                          <a:ln>
+                            <a:noFill/>
+                          </a:ln>
+                          <a:solidFill>
+                            <a:schemeClr val="tx1"/>
+                          </a:solidFill>
+                          <a:effectLst/>
+                          <a:latin typeface="Corbel" charset="0"/>
+                          <a:ea typeface="Corbel" charset="0"/>
+                          <a:cs typeface="Corbel" charset="0"/>
+                        </a:rPr>
+                        <a:t>sum(col.)</a:t>
+                      </a:r>
+                    </a:p>
+                  </a:txBody>
+                  <a:tcPr marL="121920" marR="121920" horzOverflow="overflow">
+                    <a:lnL w="28575" cap="flat" cmpd="sng" algn="ctr">
+                      <a:solidFill>
+                        <a:schemeClr val="tx1"/>
+                      </a:solidFill>
+                      <a:prstDash val="solid"/>
+                      <a:miter lim="800000"/>
+                      <a:headEnd type="none" w="med" len="med"/>
+                      <a:tailEnd type="none" w="med" len="med"/>
+                    </a:lnL>
+                    <a:lnR w="12700" cap="flat" cmpd="sng" algn="ctr">
+                      <a:solidFill>
+                        <a:schemeClr val="tx1"/>
+                      </a:solidFill>
+                      <a:prstDash val="solid"/>
+                      <a:miter lim="800000"/>
+                      <a:headEnd type="none" w="med" len="med"/>
+                      <a:tailEnd type="none" w="med" len="med"/>
+                    </a:lnR>
+                    <a:lnT w="12700" cap="flat" cmpd="sng" algn="ctr">
+                      <a:solidFill>
+                        <a:schemeClr val="tx1"/>
+                      </a:solidFill>
+                      <a:prstDash val="solid"/>
+                      <a:miter lim="800000"/>
+                      <a:headEnd type="none" w="med" len="med"/>
+                      <a:tailEnd type="none" w="med" len="med"/>
+                    </a:lnT>
+                    <a:lnB w="28575" cap="flat" cmpd="sng" algn="ctr">
+                      <a:solidFill>
+                        <a:schemeClr val="tx1"/>
+                      </a:solidFill>
+                      <a:prstDash val="solid"/>
+                      <a:miter lim="800000"/>
+                      <a:headEnd type="none" w="med" len="med"/>
+                      <a:tailEnd type="none" w="med" len="med"/>
+                    </a:lnB>
+                    <a:lnTlToBr>
+                      <a:noFill/>
+                    </a:lnTlToBr>
+                    <a:lnBlToTr>
+                      <a:noFill/>
+                    </a:lnBlToTr>
+                    <a:noFill/>
+                  </a:tcPr>
+                </a:tc>
+                <a:tc>
+                  <a:txBody>
+                    <a:bodyPr/>
+                    <a:lstStyle/>
+                    <a:p>
+                      <a:pPr marL="0" marR="0" lvl="0" indent="0" algn="ctr" defTabSz="914400" rtl="0" eaLnBrk="1" fontAlgn="base" latinLnBrk="0" hangingPunct="1">
+                        <a:lnSpc>
+                          <a:spcPct val="100000"/>
+                        </a:lnSpc>
+                        <a:spcBef>
+                          <a:spcPct val="20000"/>
+                        </a:spcBef>
+                        <a:spcAft>
+                          <a:spcPct val="0"/>
+                        </a:spcAft>
+                        <a:buClr>
+                          <a:schemeClr val="folHlink"/>
+                        </a:buClr>
+                        <a:buSzPct val="60000"/>
+                        <a:buFont typeface="Wingdings" pitchFamily="2" charset="2"/>
+                        <a:buNone/>
+                        <a:tabLst/>
+                      </a:pPr>
+                      <a:r>
+                        <a:rPr kumimoji="0" lang="en-US" sz="1400" b="0" i="0" u="none" strike="noStrike" cap="none" normalizeH="0" baseline="0" dirty="0" smtClean="0">
+                          <a:ln>
+                            <a:noFill/>
+                          </a:ln>
+                          <a:solidFill>
+                            <a:schemeClr val="tx1"/>
+                          </a:solidFill>
+                          <a:effectLst/>
+                          <a:latin typeface="Corbel" charset="0"/>
+                          <a:ea typeface="Corbel" charset="0"/>
+                          <a:cs typeface="Corbel" charset="0"/>
+                        </a:rPr>
+                        <a:t>600</a:t>
+                      </a:r>
+                    </a:p>
+                  </a:txBody>
+                  <a:tcPr marL="121920" marR="121920" horzOverflow="overflow">
+                    <a:lnL w="12700" cap="flat" cmpd="sng" algn="ctr">
+                      <a:solidFill>
+                        <a:schemeClr val="tx1"/>
+                      </a:solidFill>
+                      <a:prstDash val="solid"/>
+                      <a:miter lim="800000"/>
+                      <a:headEnd type="none" w="med" len="med"/>
+                      <a:tailEnd type="none" w="med" len="med"/>
+                    </a:lnL>
+                    <a:lnR w="12700" cap="flat" cmpd="sng" algn="ctr">
+                      <a:solidFill>
+                        <a:schemeClr val="tx1"/>
+                      </a:solidFill>
+                      <a:prstDash val="solid"/>
+                      <a:miter lim="800000"/>
+                      <a:headEnd type="none" w="med" len="med"/>
+                      <a:tailEnd type="none" w="med" len="med"/>
+                    </a:lnR>
+                    <a:lnT w="12700" cap="flat" cmpd="sng" algn="ctr">
+                      <a:solidFill>
+                        <a:schemeClr val="tx1"/>
+                      </a:solidFill>
+                      <a:prstDash val="solid"/>
+                      <a:miter lim="800000"/>
+                      <a:headEnd type="none" w="med" len="med"/>
+                      <a:tailEnd type="none" w="med" len="med"/>
+                    </a:lnT>
+                    <a:lnB w="28575" cap="flat" cmpd="sng" algn="ctr">
+                      <a:solidFill>
+                        <a:schemeClr val="tx1"/>
+                      </a:solidFill>
+                      <a:prstDash val="solid"/>
+                      <a:miter lim="800000"/>
+                      <a:headEnd type="none" w="med" len="med"/>
+                      <a:tailEnd type="none" w="med" len="med"/>
+                    </a:lnB>
+                    <a:lnTlToBr>
+                      <a:noFill/>
+                    </a:lnTlToBr>
+                    <a:lnBlToTr>
+                      <a:noFill/>
+                    </a:lnBlToTr>
+                    <a:noFill/>
+                  </a:tcPr>
+                </a:tc>
+                <a:tc>
+                  <a:txBody>
+                    <a:bodyPr/>
+                    <a:lstStyle/>
+                    <a:p>
+                      <a:pPr marL="0" marR="0" lvl="0" indent="0" algn="ctr" defTabSz="914400" rtl="0" eaLnBrk="1" fontAlgn="base" latinLnBrk="0" hangingPunct="1">
+                        <a:lnSpc>
+                          <a:spcPct val="100000"/>
+                        </a:lnSpc>
+                        <a:spcBef>
+                          <a:spcPct val="20000"/>
+                        </a:spcBef>
+                        <a:spcAft>
+                          <a:spcPct val="0"/>
+                        </a:spcAft>
+                        <a:buClr>
+                          <a:schemeClr val="folHlink"/>
+                        </a:buClr>
+                        <a:buSzPct val="60000"/>
+                        <a:buFont typeface="Wingdings" pitchFamily="2" charset="2"/>
+                        <a:buNone/>
+                        <a:tabLst/>
+                      </a:pPr>
+                      <a:r>
+                        <a:rPr kumimoji="0" lang="en-US" sz="1400" b="0" i="0" u="none" strike="noStrike" cap="none" normalizeH="0" baseline="0" dirty="0" smtClean="0">
+                          <a:ln>
+                            <a:noFill/>
+                          </a:ln>
+                          <a:solidFill>
+                            <a:schemeClr val="tx1"/>
+                          </a:solidFill>
+                          <a:effectLst/>
+                          <a:latin typeface="Corbel" charset="0"/>
+                          <a:ea typeface="Corbel" charset="0"/>
+                          <a:cs typeface="Corbel" charset="0"/>
+                        </a:rPr>
+                        <a:t>400</a:t>
+                      </a:r>
+                    </a:p>
+                  </a:txBody>
+                  <a:tcPr marL="121920" marR="121920" horzOverflow="overflow">
+                    <a:lnL w="12700" cap="flat" cmpd="sng" algn="ctr">
+                      <a:solidFill>
+                        <a:schemeClr val="tx1"/>
+                      </a:solidFill>
+                      <a:prstDash val="solid"/>
+                      <a:miter lim="800000"/>
+                      <a:headEnd type="none" w="med" len="med"/>
+                      <a:tailEnd type="none" w="med" len="med"/>
+                    </a:lnL>
+                    <a:lnR w="12700" cap="flat" cmpd="sng" algn="ctr">
+                      <a:solidFill>
+                        <a:schemeClr val="tx1"/>
+                      </a:solidFill>
+                      <a:prstDash val="solid"/>
+                      <a:miter lim="800000"/>
+                      <a:headEnd type="none" w="med" len="med"/>
+                      <a:tailEnd type="none" w="med" len="med"/>
+                    </a:lnR>
+                    <a:lnT w="12700" cap="flat" cmpd="sng" algn="ctr">
+                      <a:solidFill>
+                        <a:schemeClr val="tx1"/>
+                      </a:solidFill>
+                      <a:prstDash val="solid"/>
+                      <a:miter lim="800000"/>
+                      <a:headEnd type="none" w="med" len="med"/>
+                      <a:tailEnd type="none" w="med" len="med"/>
+                    </a:lnT>
+                    <a:lnB w="28575" cap="flat" cmpd="sng" algn="ctr">
+                      <a:solidFill>
+                        <a:schemeClr val="tx1"/>
+                      </a:solidFill>
+                      <a:prstDash val="solid"/>
+                      <a:miter lim="800000"/>
+                      <a:headEnd type="none" w="med" len="med"/>
+                      <a:tailEnd type="none" w="med" len="med"/>
+                    </a:lnB>
+                    <a:lnTlToBr>
+                      <a:noFill/>
+                    </a:lnTlToBr>
+                    <a:lnBlToTr>
+                      <a:noFill/>
+                    </a:lnBlToTr>
+                    <a:noFill/>
+                  </a:tcPr>
+                </a:tc>
+                <a:tc>
+                  <a:txBody>
+                    <a:bodyPr/>
+                    <a:lstStyle/>
+                    <a:p>
+                      <a:pPr marL="0" marR="0" lvl="0" indent="0" algn="ctr" defTabSz="914400" rtl="0" eaLnBrk="1" fontAlgn="base" latinLnBrk="0" hangingPunct="1">
+                        <a:lnSpc>
+                          <a:spcPct val="100000"/>
+                        </a:lnSpc>
+                        <a:spcBef>
+                          <a:spcPct val="20000"/>
+                        </a:spcBef>
+                        <a:spcAft>
+                          <a:spcPct val="0"/>
+                        </a:spcAft>
+                        <a:buClr>
+                          <a:schemeClr val="folHlink"/>
+                        </a:buClr>
+                        <a:buSzPct val="60000"/>
+                        <a:buFont typeface="Wingdings" pitchFamily="2" charset="2"/>
+                        <a:buNone/>
+                        <a:tabLst/>
+                      </a:pPr>
+                      <a:r>
+                        <a:rPr kumimoji="0" lang="en-US" sz="1400" b="0" i="0" u="none" strike="noStrike" cap="none" normalizeH="0" baseline="0" dirty="0" smtClean="0">
+                          <a:ln>
+                            <a:noFill/>
+                          </a:ln>
+                          <a:solidFill>
+                            <a:schemeClr val="tx1"/>
+                          </a:solidFill>
+                          <a:effectLst/>
+                          <a:latin typeface="Corbel" charset="0"/>
+                          <a:ea typeface="Corbel" charset="0"/>
+                          <a:cs typeface="Corbel" charset="0"/>
+                        </a:rPr>
+                        <a:t>1000</a:t>
+                      </a:r>
+                    </a:p>
+                  </a:txBody>
+                  <a:tcPr marL="121920" marR="121920" horzOverflow="overflow">
+                    <a:lnL w="12700" cap="flat" cmpd="sng" algn="ctr">
+                      <a:solidFill>
+                        <a:schemeClr val="tx1"/>
+                      </a:solidFill>
+                      <a:prstDash val="solid"/>
+                      <a:miter lim="800000"/>
+                      <a:headEnd type="none" w="med" len="med"/>
+                      <a:tailEnd type="none" w="med" len="med"/>
+                    </a:lnL>
+                    <a:lnR w="28575" cap="flat" cmpd="sng" algn="ctr">
+                      <a:solidFill>
+                        <a:schemeClr val="tx1"/>
+                      </a:solidFill>
+                      <a:prstDash val="solid"/>
+                      <a:miter lim="800000"/>
+                      <a:headEnd type="none" w="med" len="med"/>
+                      <a:tailEnd type="none" w="med" len="med"/>
+                    </a:lnR>
+                    <a:lnT w="12700" cap="flat" cmpd="sng" algn="ctr">
+                      <a:solidFill>
+                        <a:schemeClr val="tx1"/>
+                      </a:solidFill>
+                      <a:prstDash val="solid"/>
+                      <a:miter lim="800000"/>
+                      <a:headEnd type="none" w="med" len="med"/>
+                      <a:tailEnd type="none" w="med" len="med"/>
+                    </a:lnT>
+                    <a:lnB w="28575" cap="flat" cmpd="sng" algn="ctr">
+                      <a:solidFill>
+                        <a:schemeClr val="tx1"/>
+                      </a:solidFill>
+                      <a:prstDash val="solid"/>
+                      <a:miter lim="800000"/>
+                      <a:headEnd type="none" w="med" len="med"/>
+                      <a:tailEnd type="none" w="med" len="med"/>
+                    </a:lnB>
+                    <a:lnTlToBr>
+                      <a:noFill/>
+                    </a:lnTlToBr>
+                    <a:lnBlToTr>
+                      <a:noFill/>
+                    </a:lnBlToTr>
+                    <a:noFill/>
+                  </a:tcPr>
+                </a:tc>
+                <a:extLst>
+                  <a:ext uri="{0D108BD9-81ED-4DB2-BD59-A6C34878D82A}">
+                    <a16:rowId xmlns="" xmlns:a16="http://schemas.microsoft.com/office/drawing/2014/main" val="10003"/>
+                  </a:ext>
+                </a:extLst>
+              </a:tr>
+            </a:tbl>
+          </a:graphicData>
+        </a:graphic>
+      </p:graphicFrame>
+      <p:sp>
+        <p:nvSpPr>
+          <p:cNvPr id="18" name="Rectangle 17"/>
+          <p:cNvSpPr/>
+          <p:nvPr/>
+        </p:nvSpPr>
+        <p:spPr>
+          <a:xfrm>
+            <a:off x="802921" y="2229138"/>
+            <a:ext cx="330540" cy="369332"/>
+          </a:xfrm>
+          <a:prstGeom prst="rect">
+            <a:avLst/>
+          </a:prstGeom>
+        </p:spPr>
+        <p:txBody>
+          <a:bodyPr wrap="none">
+            <a:spAutoFit/>
+          </a:bodyPr>
+          <a:lstStyle/>
+          <a:p>
+            <a:r>
+              <a:rPr lang="en-US" altLang="zh-CN" smtClean="0"/>
+              <a:t>A</a:t>
+            </a:r>
+            <a:endParaRPr lang="en-US"/>
+          </a:p>
+        </p:txBody>
+      </p:sp>
+      <p:sp>
+        <p:nvSpPr>
+          <p:cNvPr id="19" name="Rectangle 18"/>
+          <p:cNvSpPr/>
+          <p:nvPr/>
+        </p:nvSpPr>
+        <p:spPr>
+          <a:xfrm>
+            <a:off x="4021018" y="1417638"/>
+            <a:ext cx="320922" cy="369332"/>
+          </a:xfrm>
+          <a:prstGeom prst="rect">
+            <a:avLst/>
+          </a:prstGeom>
+        </p:spPr>
+        <p:txBody>
+          <a:bodyPr wrap="none">
+            <a:spAutoFit/>
+          </a:bodyPr>
+          <a:lstStyle/>
+          <a:p>
+            <a:r>
+              <a:rPr lang="en-US" altLang="zh-CN" smtClean="0"/>
+              <a:t>B</a:t>
+            </a:r>
+            <a:endParaRPr lang="en-US" dirty="0"/>
+          </a:p>
+        </p:txBody>
+      </p:sp>
+      <p:cxnSp>
+        <p:nvCxnSpPr>
+          <p:cNvPr id="20" name="Straight Arrow Connector 19"/>
+          <p:cNvCxnSpPr/>
+          <p:nvPr/>
+        </p:nvCxnSpPr>
+        <p:spPr>
+          <a:xfrm>
+            <a:off x="1124262" y="2417126"/>
+            <a:ext cx="464695" cy="184666"/>
+          </a:xfrm>
+          <a:prstGeom prst="straightConnector1">
+            <a:avLst/>
+          </a:prstGeom>
+          <a:ln w="6350">
+            <a:solidFill>
+              <a:schemeClr val="tx1"/>
+            </a:solidFill>
+            <a:tailEnd type="triangle"/>
+          </a:ln>
+          <a:effectLst/>
+        </p:spPr>
+        <p:style>
+          <a:lnRef idx="2">
+            <a:schemeClr val="accent1"/>
+          </a:lnRef>
+          <a:fillRef idx="0">
+            <a:schemeClr val="accent1"/>
+          </a:fillRef>
+          <a:effectRef idx="1">
+            <a:schemeClr val="accent1"/>
+          </a:effectRef>
+          <a:fontRef idx="minor">
+            <a:schemeClr val="tx1"/>
+          </a:fontRef>
+        </p:style>
+      </p:cxnSp>
+      <p:cxnSp>
+        <p:nvCxnSpPr>
+          <p:cNvPr id="21" name="Straight Arrow Connector 20"/>
+          <p:cNvCxnSpPr/>
+          <p:nvPr/>
+        </p:nvCxnSpPr>
+        <p:spPr>
+          <a:xfrm flipH="1">
+            <a:off x="3941601" y="1715193"/>
+            <a:ext cx="158834" cy="513945"/>
+          </a:xfrm>
+          <a:prstGeom prst="straightConnector1">
+            <a:avLst/>
+          </a:prstGeom>
+          <a:ln w="6350">
+            <a:solidFill>
+              <a:schemeClr val="tx1"/>
+            </a:solidFill>
+            <a:tailEnd type="triangle"/>
+          </a:ln>
+          <a:effectLst/>
+        </p:spPr>
+        <p:style>
+          <a:lnRef idx="2">
+            <a:schemeClr val="accent1"/>
+          </a:lnRef>
+          <a:fillRef idx="0">
+            <a:schemeClr val="accent1"/>
+          </a:fillRef>
+          <a:effectRef idx="1">
+            <a:schemeClr val="accent1"/>
+          </a:effectRef>
+          <a:fontRef idx="minor">
+            <a:schemeClr val="tx1"/>
+          </a:fontRef>
+        </p:style>
+      </p:cxnSp>
     </p:spTree>
     <p:extLst>
       <p:ext uri="{BB962C8B-B14F-4D97-AF65-F5344CB8AC3E}">
-        <p14:creationId xmlns:p14="http://schemas.microsoft.com/office/powerpoint/2010/main" val="417754189"/>
+        <p14:creationId xmlns:p14="http://schemas.microsoft.com/office/powerpoint/2010/main" val="2113058899"/>
       </p:ext>
     </p:extLst>
   </p:cSld>
@@ -21925,6 +24368,142 @@
           <a:lstStyle/>
           <a:p>
             <a:r>
+              <a:rPr lang="en-US" altLang="en-US" smtClean="0"/>
+              <a:t>Bayesian Classification: Why?</a:t>
+            </a:r>
+            <a:endParaRPr lang="en-US" dirty="0"/>
+          </a:p>
+        </p:txBody>
+      </p:sp>
+      <p:sp>
+        <p:nvSpPr>
+          <p:cNvPr id="3" name="Content Placeholder 2"/>
+          <p:cNvSpPr>
+            <a:spLocks noGrp="1"/>
+          </p:cNvSpPr>
+          <p:nvPr>
+            <p:ph idx="1"/>
+          </p:nvPr>
+        </p:nvSpPr>
+        <p:spPr/>
+        <p:txBody>
+          <a:bodyPr>
+            <a:normAutofit/>
+          </a:bodyPr>
+          <a:lstStyle/>
+          <a:p>
+            <a:r>
+              <a:rPr lang="en-US" altLang="en-US" sz="2400" b="1" dirty="0" smtClean="0"/>
+              <a:t>A statistical classifier: </a:t>
+            </a:r>
+            <a:r>
+              <a:rPr lang="en-US" altLang="en-US" sz="2400" dirty="0" smtClean="0"/>
+              <a:t>performs probabilistic prediction, i.e., predicts class membership probabilities</a:t>
+            </a:r>
+          </a:p>
+          <a:p>
+            <a:r>
+              <a:rPr lang="en-US" altLang="en-US" sz="2400" b="1" dirty="0" smtClean="0"/>
+              <a:t>Foundation: </a:t>
+            </a:r>
+            <a:r>
+              <a:rPr lang="en-US" altLang="en-US" sz="2400" dirty="0" smtClean="0"/>
+              <a:t>Based on Bayes’ Theorem. </a:t>
+            </a:r>
+          </a:p>
+          <a:p>
+            <a:r>
+              <a:rPr lang="en-US" altLang="en-US" sz="2400" b="1" dirty="0" smtClean="0"/>
+              <a:t>Performance: </a:t>
+            </a:r>
+            <a:r>
+              <a:rPr lang="en-US" altLang="en-US" sz="2400" dirty="0" smtClean="0"/>
+              <a:t>A simple Bayesian classifier, naïve Bayesian classifier, has comparable performance with decision tree and selected neural network classifiers</a:t>
+            </a:r>
+          </a:p>
+          <a:p>
+            <a:r>
+              <a:rPr lang="en-US" altLang="en-US" sz="2400" b="1" dirty="0" smtClean="0"/>
+              <a:t>Incremental: </a:t>
+            </a:r>
+            <a:r>
+              <a:rPr lang="en-US" altLang="en-US" sz="2400" dirty="0" smtClean="0"/>
+              <a:t>Each training example can incrementally increase/decrease the probability that a hypothesis is correct — prior knowledge can be combined with observed data</a:t>
+            </a:r>
+            <a:endParaRPr lang="en-US" altLang="en-US" sz="2400" dirty="0"/>
+          </a:p>
+        </p:txBody>
+      </p:sp>
+      <p:sp>
+        <p:nvSpPr>
+          <p:cNvPr id="4" name="Slide Number Placeholder 3"/>
+          <p:cNvSpPr>
+            <a:spLocks noGrp="1"/>
+          </p:cNvSpPr>
+          <p:nvPr>
+            <p:ph type="sldNum" sz="quarter" idx="12"/>
+          </p:nvPr>
+        </p:nvSpPr>
+        <p:spPr/>
+        <p:txBody>
+          <a:bodyPr/>
+          <a:lstStyle/>
+          <a:p>
+            <a:fld id="{18A68613-FF0B-4246-B613-8295211CFAFA}" type="slidenum">
+              <a:rPr lang="en-US" smtClean="0"/>
+              <a:pPr/>
+              <a:t>4</a:t>
+            </a:fld>
+            <a:endParaRPr lang="en-US"/>
+          </a:p>
+        </p:txBody>
+      </p:sp>
+    </p:spTree>
+    <p:extLst>
+      <p:ext uri="{BB962C8B-B14F-4D97-AF65-F5344CB8AC3E}">
+        <p14:creationId xmlns:p14="http://schemas.microsoft.com/office/powerpoint/2010/main" val="417754189"/>
+      </p:ext>
+    </p:extLst>
+  </p:cSld>
+  <p:clrMapOvr>
+    <a:masterClrMapping/>
+  </p:clrMapOvr>
+</p:sld>
+</file>
+
+<file path=ppt/slides/slide5.xml><?xml version="1.0" encoding="utf-8"?>
+<p:sld xmlns:a="http://schemas.openxmlformats.org/drawingml/2006/main" xmlns:r="http://schemas.openxmlformats.org/officeDocument/2006/relationships" xmlns:p="http://schemas.openxmlformats.org/presentationml/2006/main">
+  <p:cSld>
+    <p:spTree>
+      <p:nvGrpSpPr>
+        <p:cNvPr id="1" name=""/>
+        <p:cNvGrpSpPr/>
+        <p:nvPr/>
+      </p:nvGrpSpPr>
+      <p:grpSpPr>
+        <a:xfrm>
+          <a:off x="0" y="0"/>
+          <a:ext cx="0" cy="0"/>
+          <a:chOff x="0" y="0"/>
+          <a:chExt cx="0" cy="0"/>
+        </a:xfrm>
+      </p:grpSpPr>
+      <p:sp>
+        <p:nvSpPr>
+          <p:cNvPr id="2" name="Title 1"/>
+          <p:cNvSpPr>
+            <a:spLocks noGrp="1"/>
+          </p:cNvSpPr>
+          <p:nvPr>
+            <p:ph type="title"/>
+          </p:nvPr>
+        </p:nvSpPr>
+        <p:spPr/>
+        <p:txBody>
+          <a:bodyPr/>
+          <a:lstStyle/>
+          <a:p>
+            <a:r>
               <a:rPr lang="en-US" altLang="en-US" dirty="0"/>
               <a:t>Bayes’ Theorem: Basics</a:t>
             </a:r>
@@ -22269,7 +24848,7 @@
           <a:p>
             <a:fld id="{18A68613-FF0B-4246-B613-8295211CFAFA}" type="slidenum">
               <a:rPr lang="en-US" smtClean="0"/>
-              <a:t>4</a:t>
+              <a:t>5</a:t>
             </a:fld>
             <a:endParaRPr lang="en-US"/>
           </a:p>
@@ -22297,7 +24876,7 @@
           <a:graphicData uri="http://schemas.openxmlformats.org/presentationml/2006/ole">
             <mc:AlternateContent xmlns:mc="http://schemas.openxmlformats.org/markup-compatibility/2006">
               <mc:Choice xmlns:v="urn:schemas-microsoft-com:vml" Requires="v">
-                <p:oleObj spid="_x0000_s42173" name="Equation" r:id="rId3" imgW="4813300" imgH="558800" progId="Equation.3">
+                <p:oleObj spid="_x0000_s42179" name="Equation" r:id="rId3" imgW="4813300" imgH="558800" progId="Equation.3">
                   <p:embed/>
                 </p:oleObj>
               </mc:Choice>
@@ -22359,7 +24938,7 @@
 </p:sld>
 </file>
 
-<file path=ppt/slides/slide5.xml><?xml version="1.0" encoding="utf-8"?>
+<file path=ppt/slides/slide6.xml><?xml version="1.0" encoding="utf-8"?>
 <p:sld xmlns:a="http://schemas.openxmlformats.org/drawingml/2006/main" xmlns:r="http://schemas.openxmlformats.org/officeDocument/2006/relationships" xmlns:p="http://schemas.openxmlformats.org/presentationml/2006/main">
   <p:cSld>
     <p:spTree>
@@ -22629,7 +25208,7 @@
           <a:p>
             <a:fld id="{18A68613-FF0B-4246-B613-8295211CFAFA}" type="slidenum">
               <a:rPr lang="en-US" smtClean="0"/>
-              <a:t>5</a:t>
+              <a:t>6</a:t>
             </a:fld>
             <a:endParaRPr lang="en-US"/>
           </a:p>
@@ -22657,7 +25236,7 @@
           <a:graphicData uri="http://schemas.openxmlformats.org/presentationml/2006/ole">
             <mc:AlternateContent xmlns:mc="http://schemas.openxmlformats.org/markup-compatibility/2006">
               <mc:Choice xmlns:v="urn:schemas-microsoft-com:vml" Requires="v">
-                <p:oleObj spid="_x0000_s43141" name="Equation" r:id="rId3" imgW="4813300" imgH="558800" progId="Equation.3">
+                <p:oleObj spid="_x0000_s43147" name="Equation" r:id="rId3" imgW="4813300" imgH="558800" progId="Equation.3">
                   <p:embed/>
                 </p:oleObj>
               </mc:Choice>
@@ -22720,7 +25299,7 @@
 </p:sld>
 </file>
 
-<file path=ppt/slides/slide6.xml><?xml version="1.0" encoding="utf-8"?>
+<file path=ppt/slides/slide7.xml><?xml version="1.0" encoding="utf-8"?>
 <p:sld xmlns:a="http://schemas.openxmlformats.org/drawingml/2006/main" xmlns:r="http://schemas.openxmlformats.org/officeDocument/2006/relationships" xmlns:p="http://schemas.openxmlformats.org/presentationml/2006/main">
   <p:cSld>
     <p:spTree>
@@ -23006,7 +25585,7 @@
           <a:p>
             <a:fld id="{18A68613-FF0B-4246-B613-8295211CFAFA}" type="slidenum">
               <a:rPr lang="en-US" smtClean="0"/>
-              <a:t>6</a:t>
+              <a:t>7</a:t>
             </a:fld>
             <a:endParaRPr lang="en-US"/>
           </a:p>
@@ -23034,7 +25613,7 @@
           <a:graphicData uri="http://schemas.openxmlformats.org/presentationml/2006/ole">
             <mc:AlternateContent xmlns:mc="http://schemas.openxmlformats.org/markup-compatibility/2006">
               <mc:Choice xmlns:v="urn:schemas-microsoft-com:vml" Requires="v">
-                <p:oleObj spid="_x0000_s44288" name="Equation" r:id="rId3" imgW="2501900" imgH="647700" progId="Equation.3">
+                <p:oleObj spid="_x0000_s44299" name="Equation" r:id="rId3" imgW="2501900" imgH="647700" progId="Equation.3">
                   <p:embed/>
                 </p:oleObj>
               </mc:Choice>
@@ -23106,7 +25685,7 @@
           <a:graphicData uri="http://schemas.openxmlformats.org/presentationml/2006/ole">
             <mc:AlternateContent xmlns:mc="http://schemas.openxmlformats.org/markup-compatibility/2006">
               <mc:Choice xmlns:v="urn:schemas-microsoft-com:vml" Requires="v">
-                <p:oleObj spid="_x0000_s44289" name="Equation" r:id="rId5" imgW="2476500" imgH="381000" progId="Equation.3">
+                <p:oleObj spid="_x0000_s44300" name="Equation" r:id="rId5" imgW="2476500" imgH="381000" progId="Equation.3">
                   <p:embed/>
                 </p:oleObj>
               </mc:Choice>
@@ -23196,7 +25775,7 @@
 </p:sld>
 </file>
 
-<file path=ppt/slides/slide7.xml><?xml version="1.0" encoding="utf-8"?>
+<file path=ppt/slides/slide8.xml><?xml version="1.0" encoding="utf-8"?>
 <p:sld xmlns:a="http://schemas.openxmlformats.org/drawingml/2006/main" xmlns:r="http://schemas.openxmlformats.org/officeDocument/2006/relationships" xmlns:p="http://schemas.openxmlformats.org/presentationml/2006/main">
   <p:cSld>
     <p:spTree>
@@ -23379,11 +25958,7 @@
             </a:r>
             <a:r>
               <a:rPr lang="en-US" altLang="en-US" dirty="0" smtClean="0"/>
-              <a:t>data </a:t>
-            </a:r>
-            <a:r>
-              <a:rPr lang="en-US" altLang="en-US" dirty="0" smtClean="0"/>
-              <a:t>D</a:t>
+              <a:t>data D</a:t>
             </a:r>
             <a:r>
               <a:rPr lang="en-US" altLang="en-US" dirty="0"/>
@@ -23517,7 +26092,7 @@
           <a:p>
             <a:fld id="{18A68613-FF0B-4246-B613-8295211CFAFA}" type="slidenum">
               <a:rPr lang="en-US" smtClean="0"/>
-              <a:t>7</a:t>
+              <a:t>8</a:t>
             </a:fld>
             <a:endParaRPr lang="en-US"/>
           </a:p>
@@ -23545,7 +26120,7 @@
           <a:graphicData uri="http://schemas.openxmlformats.org/presentationml/2006/ole">
             <mc:AlternateContent xmlns:mc="http://schemas.openxmlformats.org/markup-compatibility/2006">
               <mc:Choice xmlns:v="urn:schemas-microsoft-com:vml" Requires="v">
-                <p:oleObj spid="_x0000_s45433" name="Equation" r:id="rId3" imgW="4089400" imgH="508000" progId="Equation.3">
+                <p:oleObj spid="_x0000_s45449" name="Equation" r:id="rId3" imgW="4089400" imgH="508000" progId="Equation.3">
                   <p:embed/>
                 </p:oleObj>
               </mc:Choice>
@@ -23617,7 +26192,7 @@
           <a:graphicData uri="http://schemas.openxmlformats.org/presentationml/2006/ole">
             <mc:AlternateContent xmlns:mc="http://schemas.openxmlformats.org/markup-compatibility/2006">
               <mc:Choice xmlns:v="urn:schemas-microsoft-com:vml" Requires="v">
-                <p:oleObj spid="_x0000_s45434" name="Equation" r:id="rId5" imgW="1663700" imgH="482600" progId="Equation.3">
+                <p:oleObj spid="_x0000_s45450" name="Equation" r:id="rId5" imgW="1663700" imgH="482600" progId="Equation.3">
                   <p:embed/>
                 </p:oleObj>
               </mc:Choice>
@@ -23689,7 +26264,7 @@
           <a:graphicData uri="http://schemas.openxmlformats.org/presentationml/2006/ole">
             <mc:AlternateContent xmlns:mc="http://schemas.openxmlformats.org/markup-compatibility/2006">
               <mc:Choice xmlns:v="urn:schemas-microsoft-com:vml" Requires="v">
-                <p:oleObj spid="_x0000_s45435" name="Equation" r:id="rId7" imgW="1625600" imgH="241300" progId="Equation.3">
+                <p:oleObj spid="_x0000_s45451" name="Equation" r:id="rId7" imgW="1625600" imgH="241300" progId="Equation.3">
                   <p:embed/>
                 </p:oleObj>
               </mc:Choice>
@@ -23752,7 +26327,7 @@
 </p:sld>
 </file>
 
-<file path=ppt/slides/slide8.xml><?xml version="1.0" encoding="utf-8"?>
+<file path=ppt/slides/slide9.xml><?xml version="1.0" encoding="utf-8"?>
 <p:sld xmlns:a="http://schemas.openxmlformats.org/drawingml/2006/main" xmlns:r="http://schemas.openxmlformats.org/officeDocument/2006/relationships" xmlns:p="http://schemas.openxmlformats.org/presentationml/2006/main">
   <p:cSld>
     <p:spTree>
@@ -23843,7 +26418,7 @@
           <a:p>
             <a:fld id="{18A68613-FF0B-4246-B613-8295211CFAFA}" type="slidenum">
               <a:rPr lang="en-US" smtClean="0"/>
-              <a:t>8</a:t>
+              <a:t>9</a:t>
             </a:fld>
             <a:endParaRPr lang="en-US"/>
           </a:p>
@@ -31096,159 +33671,6 @@
       </p:par>
     </p:tnLst>
   </p:timing>
-</p:sld>
-</file>
-
-<file path=ppt/slides/slide9.xml><?xml version="1.0" encoding="utf-8"?>
-<p:sld xmlns:a="http://schemas.openxmlformats.org/drawingml/2006/main" xmlns:r="http://schemas.openxmlformats.org/officeDocument/2006/relationships" xmlns:p="http://schemas.openxmlformats.org/presentationml/2006/main">
-  <p:cSld>
-    <p:spTree>
-      <p:nvGrpSpPr>
-        <p:cNvPr id="1" name=""/>
-        <p:cNvGrpSpPr/>
-        <p:nvPr/>
-      </p:nvGrpSpPr>
-      <p:grpSpPr>
-        <a:xfrm>
-          <a:off x="0" y="0"/>
-          <a:ext cx="0" cy="0"/>
-          <a:chOff x="0" y="0"/>
-          <a:chExt cx="0" cy="0"/>
-        </a:xfrm>
-      </p:grpSpPr>
-      <p:sp>
-        <p:nvSpPr>
-          <p:cNvPr id="2" name="Title 1"/>
-          <p:cNvSpPr>
-            <a:spLocks noGrp="1"/>
-          </p:cNvSpPr>
-          <p:nvPr>
-            <p:ph type="title"/>
-          </p:nvPr>
-        </p:nvSpPr>
-        <p:spPr/>
-        <p:txBody>
-          <a:bodyPr/>
-          <a:lstStyle/>
-          <a:p>
-            <a:r>
-              <a:rPr lang="en-US" altLang="en-US" dirty="0" smtClean="0">
-                <a:latin typeface="Corbel" charset="0"/>
-                <a:ea typeface="Corbel" charset="0"/>
-                <a:cs typeface="Corbel" charset="0"/>
-              </a:rPr>
-              <a:t>P(H): Prior Probability</a:t>
-            </a:r>
-            <a:endParaRPr lang="en-US" dirty="0"/>
-          </a:p>
-        </p:txBody>
-      </p:sp>
-      <p:sp>
-        <p:nvSpPr>
-          <p:cNvPr id="3" name="Content Placeholder 2"/>
-          <p:cNvSpPr>
-            <a:spLocks noGrp="1"/>
-          </p:cNvSpPr>
-          <p:nvPr>
-            <p:ph idx="1"/>
-          </p:nvPr>
-        </p:nvSpPr>
-        <p:spPr/>
-        <p:txBody>
-          <a:bodyPr/>
-          <a:lstStyle/>
-          <a:p>
-            <a:pPr marL="0" indent="0">
-              <a:spcBef>
-                <a:spcPts val="300"/>
-              </a:spcBef>
-              <a:buNone/>
-            </a:pPr>
-            <a:r>
-              <a:rPr lang="en-US" altLang="en-US" dirty="0" smtClean="0"/>
-              <a:t>P(C</a:t>
-            </a:r>
-            <a:r>
-              <a:rPr lang="en-US" altLang="en-US" baseline="-25000" dirty="0" smtClean="0"/>
-              <a:t>i</a:t>
-            </a:r>
-            <a:r>
-              <a:rPr lang="en-US" altLang="en-US" dirty="0" smtClean="0"/>
-              <a:t>)</a:t>
-            </a:r>
-          </a:p>
-          <a:p>
-            <a:pPr>
-              <a:spcBef>
-                <a:spcPts val="300"/>
-              </a:spcBef>
-            </a:pPr>
-            <a:r>
-              <a:rPr lang="en-US" altLang="en-US" dirty="0" smtClean="0"/>
-              <a:t>P(Play? </a:t>
-            </a:r>
-            <a:r>
-              <a:rPr lang="en-US" altLang="en-US" dirty="0"/>
-              <a:t>= “yes”)  = 9/14 = </a:t>
-            </a:r>
-            <a:r>
-              <a:rPr lang="en-US" altLang="en-US" dirty="0" smtClean="0"/>
-              <a:t>0.643</a:t>
-            </a:r>
-          </a:p>
-          <a:p>
-            <a:pPr>
-              <a:spcBef>
-                <a:spcPts val="300"/>
-              </a:spcBef>
-            </a:pPr>
-            <a:r>
-              <a:rPr lang="en-US" altLang="en-US" dirty="0" smtClean="0"/>
-              <a:t>P(Play? </a:t>
-            </a:r>
-            <a:r>
-              <a:rPr lang="en-US" altLang="en-US" dirty="0"/>
-              <a:t>= “no”) = 5/14= 0.357</a:t>
-            </a:r>
-          </a:p>
-          <a:p>
-            <a:endParaRPr lang="en-US" dirty="0"/>
-          </a:p>
-        </p:txBody>
-      </p:sp>
-      <p:sp>
-        <p:nvSpPr>
-          <p:cNvPr id="4" name="Slide Number Placeholder 3"/>
-          <p:cNvSpPr>
-            <a:spLocks noGrp="1"/>
-          </p:cNvSpPr>
-          <p:nvPr>
-            <p:ph type="sldNum" sz="quarter" idx="12"/>
-          </p:nvPr>
-        </p:nvSpPr>
-        <p:spPr/>
-        <p:txBody>
-          <a:bodyPr/>
-          <a:lstStyle/>
-          <a:p>
-            <a:fld id="{18A68613-FF0B-4246-B613-8295211CFAFA}" type="slidenum">
-              <a:rPr lang="en-US" smtClean="0"/>
-              <a:t>9</a:t>
-            </a:fld>
-            <a:endParaRPr lang="en-US"/>
-          </a:p>
-        </p:txBody>
-      </p:sp>
-    </p:spTree>
-    <p:extLst>
-      <p:ext uri="{BB962C8B-B14F-4D97-AF65-F5344CB8AC3E}">
-        <p14:creationId xmlns:p14="http://schemas.microsoft.com/office/powerpoint/2010/main" val="1218342715"/>
-      </p:ext>
-    </p:extLst>
-  </p:cSld>
-  <p:clrMapOvr>
-    <a:masterClrMapping/>
-  </p:clrMapOvr>
 </p:sld>
 </file>
 
